--- a/units/7/lessons/6/resources/petascale-lesson-7.6-slides.pptx
+++ b/units/7/lessons/6/resources/petascale-lesson-7.6-slides.pptx
@@ -2,27 +2,29 @@
 <file path=ppt/presentation.xml><?xml version="1.0" encoding="utf-8"?>
 <p:presentation xmlns:a="http://schemas.openxmlformats.org/drawingml/2006/main" xmlns:r="http://schemas.openxmlformats.org/officeDocument/2006/relationships" xmlns:mc="http://schemas.openxmlformats.org/markup-compatibility/2006" xmlns:mv="urn:schemas-microsoft-com:mac:vml" xmlns:p="http://schemas.openxmlformats.org/presentationml/2006/main" xmlns:c="http://schemas.openxmlformats.org/drawingml/2006/chart" xmlns:dgm="http://schemas.openxmlformats.org/drawingml/2006/diagram" xmlns:o="urn:schemas-microsoft-com:office:office" xmlns:v="urn:schemas-microsoft-com:vml" xmlns:pvml="urn:schemas-microsoft-com:office:powerpoint" xmlns:com="http://schemas.openxmlformats.org/drawingml/2006/compatibility" xmlns:p14="http://schemas.microsoft.com/office/powerpoint/2010/main" xmlns:p15="http://schemas.microsoft.com/office/powerpoint/2012/main" autoCompressPictures="0" strictFirstAndLastChars="0" saveSubsetFonts="1">
   <p:sldMasterIdLst>
-    <p:sldMasterId id="2147483648" r:id="rId3"/>
+    <p:sldMasterId id="2147483648" r:id="rId4"/>
   </p:sldMasterIdLst>
   <p:notesMasterIdLst>
-    <p:notesMasterId r:id="rId4"/>
+    <p:notesMasterId r:id="rId5"/>
   </p:notesMasterIdLst>
   <p:sldIdLst>
-    <p:sldId id="256" r:id="rId5"/>
-    <p:sldId id="257" r:id="rId6"/>
-    <p:sldId id="258" r:id="rId7"/>
-    <p:sldId id="259" r:id="rId8"/>
-    <p:sldId id="260" r:id="rId9"/>
-    <p:sldId id="261" r:id="rId10"/>
-    <p:sldId id="262" r:id="rId11"/>
-    <p:sldId id="263" r:id="rId12"/>
-    <p:sldId id="264" r:id="rId13"/>
-    <p:sldId id="265" r:id="rId14"/>
-    <p:sldId id="266" r:id="rId15"/>
-    <p:sldId id="267" r:id="rId16"/>
-    <p:sldId id="268" r:id="rId17"/>
-    <p:sldId id="269" r:id="rId18"/>
-    <p:sldId id="270" r:id="rId19"/>
+    <p:sldId id="256" r:id="rId6"/>
+    <p:sldId id="257" r:id="rId7"/>
+    <p:sldId id="258" r:id="rId8"/>
+    <p:sldId id="259" r:id="rId9"/>
+    <p:sldId id="260" r:id="rId10"/>
+    <p:sldId id="261" r:id="rId11"/>
+    <p:sldId id="262" r:id="rId12"/>
+    <p:sldId id="263" r:id="rId13"/>
+    <p:sldId id="264" r:id="rId14"/>
+    <p:sldId id="265" r:id="rId15"/>
+    <p:sldId id="266" r:id="rId16"/>
+    <p:sldId id="267" r:id="rId17"/>
+    <p:sldId id="268" r:id="rId18"/>
+    <p:sldId id="269" r:id="rId19"/>
+    <p:sldId id="270" r:id="rId20"/>
+    <p:sldId id="271" r:id="rId21"/>
+    <p:sldId id="272" r:id="rId22"/>
   </p:sldIdLst>
   <p:sldSz cy="6858000" cx="12192000"/>
   <p:notesSz cx="6858000" cy="9144000"/>
@@ -257,7 +259,7 @@
   </p:defaultTextStyle>
   <p:extLst>
     <p:ext uri="http://customooxmlschemas.google.com/">
-      <go:slidesCustomData xmlns:go="http://customooxmlschemas.google.com/" r:id="rId20" roundtripDataSignature="AMtx7miSvahZo3Byz72ZdvrtvSet281y/w=="/>
+      <go:slidesCustomData xmlns:go="http://customooxmlschemas.google.com/" r:id="rId23" roundtripDataSignature="AMtx7miUCqhs2YYJYdaWfOqUGq4Y+eD89Q=="/>
     </p:ext>
   </p:extLst>
 </p:presentation>
@@ -793,7 +795,7 @@
   <p:cSld>
     <p:spTree>
       <p:nvGrpSpPr>
-        <p:cNvPr id="150" name="Shape 150"/>
+        <p:cNvPr id="136" name="Shape 136"/>
         <p:cNvGrpSpPr/>
         <p:nvPr/>
       </p:nvGrpSpPr>
@@ -807,7 +809,7 @@
       </p:grpSpPr>
       <p:sp>
         <p:nvSpPr>
-          <p:cNvPr id="151" name="Google Shape;151;p10:notes"/>
+          <p:cNvPr id="137" name="Google Shape;137;p10:notes"/>
           <p:cNvSpPr txBox="1"/>
           <p:nvPr>
             <p:ph idx="1" type="body"/>
@@ -846,7 +848,7 @@
       </p:sp>
       <p:sp>
         <p:nvSpPr>
-          <p:cNvPr id="152" name="Google Shape;152;p10:notes"/>
+          <p:cNvPr id="138" name="Google Shape;138;p10:notes"/>
           <p:cNvSpPr/>
           <p:nvPr>
             <p:ph idx="2" type="sldImg"/>
@@ -892,7 +894,7 @@
   <p:cSld>
     <p:spTree>
       <p:nvGrpSpPr>
-        <p:cNvPr id="156" name="Shape 156"/>
+        <p:cNvPr id="143" name="Shape 143"/>
         <p:cNvGrpSpPr/>
         <p:nvPr/>
       </p:nvGrpSpPr>
@@ -906,7 +908,7 @@
       </p:grpSpPr>
       <p:sp>
         <p:nvSpPr>
-          <p:cNvPr id="157" name="Google Shape;157;p11:notes"/>
+          <p:cNvPr id="144" name="Google Shape;144;p11:notes"/>
           <p:cNvSpPr txBox="1"/>
           <p:nvPr>
             <p:ph idx="1" type="body"/>
@@ -945,7 +947,7 @@
       </p:sp>
       <p:sp>
         <p:nvSpPr>
-          <p:cNvPr id="158" name="Google Shape;158;p11:notes"/>
+          <p:cNvPr id="145" name="Google Shape;145;p11:notes"/>
           <p:cNvSpPr/>
           <p:nvPr>
             <p:ph idx="2" type="sldImg"/>
@@ -991,7 +993,7 @@
   <p:cSld>
     <p:spTree>
       <p:nvGrpSpPr>
-        <p:cNvPr id="162" name="Shape 162"/>
+        <p:cNvPr id="149" name="Shape 149"/>
         <p:cNvGrpSpPr/>
         <p:nvPr/>
       </p:nvGrpSpPr>
@@ -1005,7 +1007,7 @@
       </p:grpSpPr>
       <p:sp>
         <p:nvSpPr>
-          <p:cNvPr id="163" name="Google Shape;163;p12:notes"/>
+          <p:cNvPr id="150" name="Google Shape;150;p12:notes"/>
           <p:cNvSpPr txBox="1"/>
           <p:nvPr>
             <p:ph idx="1" type="body"/>
@@ -1044,7 +1046,7 @@
       </p:sp>
       <p:sp>
         <p:nvSpPr>
-          <p:cNvPr id="164" name="Google Shape;164;p12:notes"/>
+          <p:cNvPr id="151" name="Google Shape;151;p12:notes"/>
           <p:cNvSpPr/>
           <p:nvPr>
             <p:ph idx="2" type="sldImg"/>
@@ -1090,7 +1092,7 @@
   <p:cSld>
     <p:spTree>
       <p:nvGrpSpPr>
-        <p:cNvPr id="168" name="Shape 168"/>
+        <p:cNvPr id="163" name="Shape 163"/>
         <p:cNvGrpSpPr/>
         <p:nvPr/>
       </p:nvGrpSpPr>
@@ -1104,7 +1106,7 @@
       </p:grpSpPr>
       <p:sp>
         <p:nvSpPr>
-          <p:cNvPr id="169" name="Google Shape;169;p13:notes"/>
+          <p:cNvPr id="164" name="Google Shape;164;p13:notes"/>
           <p:cNvSpPr txBox="1"/>
           <p:nvPr>
             <p:ph idx="1" type="body"/>
@@ -1143,7 +1145,7 @@
       </p:sp>
       <p:sp>
         <p:nvSpPr>
-          <p:cNvPr id="170" name="Google Shape;170;p13:notes"/>
+          <p:cNvPr id="165" name="Google Shape;165;p13:notes"/>
           <p:cNvSpPr/>
           <p:nvPr>
             <p:ph idx="2" type="sldImg"/>
@@ -1189,7 +1191,7 @@
   <p:cSld>
     <p:spTree>
       <p:nvGrpSpPr>
-        <p:cNvPr id="174" name="Shape 174"/>
+        <p:cNvPr id="170" name="Shape 170"/>
         <p:cNvGrpSpPr/>
         <p:nvPr/>
       </p:nvGrpSpPr>
@@ -1203,7 +1205,7 @@
       </p:grpSpPr>
       <p:sp>
         <p:nvSpPr>
-          <p:cNvPr id="175" name="Google Shape;175;p14:notes"/>
+          <p:cNvPr id="171" name="Google Shape;171;p14:notes"/>
           <p:cNvSpPr txBox="1"/>
           <p:nvPr>
             <p:ph idx="1" type="body"/>
@@ -1242,7 +1244,7 @@
       </p:sp>
       <p:sp>
         <p:nvSpPr>
-          <p:cNvPr id="176" name="Google Shape;176;p14:notes"/>
+          <p:cNvPr id="172" name="Google Shape;172;p14:notes"/>
           <p:cNvSpPr/>
           <p:nvPr>
             <p:ph idx="2" type="sldImg"/>
@@ -1382,6 +1384,204 @@
 </p:notes>
 </file>
 
+<file path=ppt/notesSlides/notesSlide16.xml><?xml version="1.0" encoding="utf-8"?>
+<p:notes xmlns:a="http://schemas.openxmlformats.org/drawingml/2006/main" xmlns:r="http://schemas.openxmlformats.org/officeDocument/2006/relationships" xmlns:mc="http://schemas.openxmlformats.org/markup-compatibility/2006" xmlns:mv="urn:schemas-microsoft-com:mac:vml" xmlns:p="http://schemas.openxmlformats.org/presentationml/2006/main" xmlns:c="http://schemas.openxmlformats.org/drawingml/2006/chart" xmlns:dgm="http://schemas.openxmlformats.org/drawingml/2006/diagram" xmlns:o="urn:schemas-microsoft-com:office:office" xmlns:v="urn:schemas-microsoft-com:vml" xmlns:pvml="urn:schemas-microsoft-com:office:powerpoint" xmlns:com="http://schemas.openxmlformats.org/drawingml/2006/compatibility" xmlns:p14="http://schemas.microsoft.com/office/powerpoint/2010/main" xmlns:p15="http://schemas.microsoft.com/office/powerpoint/2012/main" showMasterPhAnim="0" showMasterSp="0">
+  <p:cSld>
+    <p:spTree>
+      <p:nvGrpSpPr>
+        <p:cNvPr id="187" name="Shape 187"/>
+        <p:cNvGrpSpPr/>
+        <p:nvPr/>
+      </p:nvGrpSpPr>
+      <p:grpSpPr>
+        <a:xfrm>
+          <a:off x="0" y="0"/>
+          <a:ext cx="0" cy="0"/>
+          <a:chOff x="0" y="0"/>
+          <a:chExt cx="0" cy="0"/>
+        </a:xfrm>
+      </p:grpSpPr>
+      <p:sp>
+        <p:nvSpPr>
+          <p:cNvPr id="188" name="Google Shape;188;g8b3da4550f_0_0:notes"/>
+          <p:cNvSpPr/>
+          <p:nvPr>
+            <p:ph idx="2" type="sldImg"/>
+          </p:nvPr>
+        </p:nvSpPr>
+        <p:spPr>
+          <a:xfrm>
+            <a:off x="1143225" y="685800"/>
+            <a:ext cx="4572300" cy="3429000"/>
+          </a:xfrm>
+          <a:custGeom>
+            <a:rect b="b" l="l" r="r" t="t"/>
+            <a:pathLst>
+              <a:path extrusionOk="0" h="120000" w="120000">
+                <a:moveTo>
+                  <a:pt x="0" y="0"/>
+                </a:moveTo>
+                <a:lnTo>
+                  <a:pt x="120000" y="0"/>
+                </a:lnTo>
+                <a:lnTo>
+                  <a:pt x="120000" y="120000"/>
+                </a:lnTo>
+                <a:lnTo>
+                  <a:pt x="0" y="120000"/>
+                </a:lnTo>
+                <a:close/>
+              </a:path>
+            </a:pathLst>
+          </a:custGeom>
+        </p:spPr>
+      </p:sp>
+      <p:sp>
+        <p:nvSpPr>
+          <p:cNvPr id="189" name="Google Shape;189;g8b3da4550f_0_0:notes"/>
+          <p:cNvSpPr txBox="1"/>
+          <p:nvPr>
+            <p:ph idx="1" type="body"/>
+          </p:nvPr>
+        </p:nvSpPr>
+        <p:spPr>
+          <a:xfrm>
+            <a:off x="685800" y="4343400"/>
+            <a:ext cx="5486400" cy="4114800"/>
+          </a:xfrm>
+          <a:prstGeom prst="rect">
+            <a:avLst/>
+          </a:prstGeom>
+        </p:spPr>
+        <p:txBody>
+          <a:bodyPr anchorCtr="0" anchor="t" bIns="91425" lIns="91425" spcFirstLastPara="1" rIns="91425" wrap="square" tIns="91425">
+            <a:noAutofit/>
+          </a:bodyPr>
+          <a:lstStyle/>
+          <a:p>
+            <a:pPr indent="0" lvl="0" marL="0" rtl="0" algn="l">
+              <a:spcBef>
+                <a:spcPts val="0"/>
+              </a:spcBef>
+              <a:spcAft>
+                <a:spcPts val="0"/>
+              </a:spcAft>
+              <a:buNone/>
+            </a:pPr>
+            <a:r>
+              <a:t/>
+            </a:r>
+            <a:endParaRPr/>
+          </a:p>
+        </p:txBody>
+      </p:sp>
+    </p:spTree>
+  </p:cSld>
+  <p:clrMapOvr>
+    <a:masterClrMapping/>
+  </p:clrMapOvr>
+</p:notes>
+</file>
+
+<file path=ppt/notesSlides/notesSlide17.xml><?xml version="1.0" encoding="utf-8"?>
+<p:notes xmlns:a="http://schemas.openxmlformats.org/drawingml/2006/main" xmlns:r="http://schemas.openxmlformats.org/officeDocument/2006/relationships" xmlns:mc="http://schemas.openxmlformats.org/markup-compatibility/2006" xmlns:mv="urn:schemas-microsoft-com:mac:vml" xmlns:p="http://schemas.openxmlformats.org/presentationml/2006/main" xmlns:c="http://schemas.openxmlformats.org/drawingml/2006/chart" xmlns:dgm="http://schemas.openxmlformats.org/drawingml/2006/diagram" xmlns:o="urn:schemas-microsoft-com:office:office" xmlns:v="urn:schemas-microsoft-com:vml" xmlns:pvml="urn:schemas-microsoft-com:office:powerpoint" xmlns:com="http://schemas.openxmlformats.org/drawingml/2006/compatibility" xmlns:p14="http://schemas.microsoft.com/office/powerpoint/2010/main" xmlns:p15="http://schemas.microsoft.com/office/powerpoint/2012/main" showMasterPhAnim="0" showMasterSp="0">
+  <p:cSld>
+    <p:spTree>
+      <p:nvGrpSpPr>
+        <p:cNvPr id="193" name="Shape 193"/>
+        <p:cNvGrpSpPr/>
+        <p:nvPr/>
+      </p:nvGrpSpPr>
+      <p:grpSpPr>
+        <a:xfrm>
+          <a:off x="0" y="0"/>
+          <a:ext cx="0" cy="0"/>
+          <a:chOff x="0" y="0"/>
+          <a:chExt cx="0" cy="0"/>
+        </a:xfrm>
+      </p:grpSpPr>
+      <p:sp>
+        <p:nvSpPr>
+          <p:cNvPr id="194" name="Google Shape;194;p16:notes"/>
+          <p:cNvSpPr txBox="1"/>
+          <p:nvPr>
+            <p:ph idx="1" type="body"/>
+          </p:nvPr>
+        </p:nvSpPr>
+        <p:spPr>
+          <a:xfrm>
+            <a:off x="685800" y="4343400"/>
+            <a:ext cx="5486400" cy="4114800"/>
+          </a:xfrm>
+          <a:prstGeom prst="rect">
+            <a:avLst/>
+          </a:prstGeom>
+        </p:spPr>
+        <p:txBody>
+          <a:bodyPr anchorCtr="0" anchor="t" bIns="91425" lIns="91425" spcFirstLastPara="1" rIns="91425" wrap="square" tIns="91425">
+            <a:noAutofit/>
+          </a:bodyPr>
+          <a:lstStyle/>
+          <a:p>
+            <a:pPr indent="0" lvl="0" marL="0" rtl="0" algn="l">
+              <a:spcBef>
+                <a:spcPts val="0"/>
+              </a:spcBef>
+              <a:spcAft>
+                <a:spcPts val="0"/>
+              </a:spcAft>
+              <a:buNone/>
+            </a:pPr>
+            <a:r>
+              <a:t/>
+            </a:r>
+            <a:endParaRPr/>
+          </a:p>
+        </p:txBody>
+      </p:sp>
+      <p:sp>
+        <p:nvSpPr>
+          <p:cNvPr id="195" name="Google Shape;195;p16:notes"/>
+          <p:cNvSpPr/>
+          <p:nvPr>
+            <p:ph idx="2" type="sldImg"/>
+          </p:nvPr>
+        </p:nvSpPr>
+        <p:spPr>
+          <a:xfrm>
+            <a:off x="1143225" y="685800"/>
+            <a:ext cx="4572225" cy="3429000"/>
+          </a:xfrm>
+          <a:custGeom>
+            <a:rect b="b" l="l" r="r" t="t"/>
+            <a:pathLst>
+              <a:path extrusionOk="0" h="120000" w="120000">
+                <a:moveTo>
+                  <a:pt x="0" y="0"/>
+                </a:moveTo>
+                <a:lnTo>
+                  <a:pt x="120000" y="0"/>
+                </a:lnTo>
+                <a:lnTo>
+                  <a:pt x="120000" y="120000"/>
+                </a:lnTo>
+                <a:lnTo>
+                  <a:pt x="0" y="120000"/>
+                </a:lnTo>
+                <a:close/>
+              </a:path>
+            </a:pathLst>
+          </a:custGeom>
+        </p:spPr>
+      </p:sp>
+    </p:spTree>
+  </p:cSld>
+  <p:clrMapOvr>
+    <a:masterClrMapping/>
+  </p:clrMapOvr>
+</p:notes>
+</file>
+
 <file path=ppt/notesSlides/notesSlide2.xml><?xml version="1.0" encoding="utf-8"?>
 <p:notes xmlns:a="http://schemas.openxmlformats.org/drawingml/2006/main" xmlns:r="http://schemas.openxmlformats.org/officeDocument/2006/relationships" xmlns:mc="http://schemas.openxmlformats.org/markup-compatibility/2006" xmlns:mv="urn:schemas-microsoft-com:mac:vml" xmlns:p="http://schemas.openxmlformats.org/presentationml/2006/main" xmlns:c="http://schemas.openxmlformats.org/drawingml/2006/chart" xmlns:dgm="http://schemas.openxmlformats.org/drawingml/2006/diagram" xmlns:o="urn:schemas-microsoft-com:office:office" xmlns:v="urn:schemas-microsoft-com:vml" xmlns:pvml="urn:schemas-microsoft-com:office:powerpoint" xmlns:com="http://schemas.openxmlformats.org/drawingml/2006/compatibility" xmlns:p14="http://schemas.microsoft.com/office/powerpoint/2010/main" xmlns:p15="http://schemas.microsoft.com/office/powerpoint/2012/main" showMasterPhAnim="0" showMasterSp="0">
   <p:cSld>
@@ -1486,7 +1686,7 @@
   <p:cSld>
     <p:spTree>
       <p:nvGrpSpPr>
-        <p:cNvPr id="98" name="Shape 98"/>
+        <p:cNvPr id="92" name="Shape 92"/>
         <p:cNvGrpSpPr/>
         <p:nvPr/>
       </p:nvGrpSpPr>
@@ -1500,7 +1700,7 @@
       </p:grpSpPr>
       <p:sp>
         <p:nvSpPr>
-          <p:cNvPr id="99" name="Google Shape;99;p3:notes"/>
+          <p:cNvPr id="93" name="Google Shape;93;p3:notes"/>
           <p:cNvSpPr txBox="1"/>
           <p:nvPr>
             <p:ph idx="1" type="body"/>
@@ -1539,7 +1739,7 @@
       </p:sp>
       <p:sp>
         <p:nvSpPr>
-          <p:cNvPr id="100" name="Google Shape;100;p3:notes"/>
+          <p:cNvPr id="94" name="Google Shape;94;p3:notes"/>
           <p:cNvSpPr/>
           <p:nvPr>
             <p:ph idx="2" type="sldImg"/>
@@ -1585,7 +1785,7 @@
   <p:cSld>
     <p:spTree>
       <p:nvGrpSpPr>
-        <p:cNvPr id="110" name="Shape 110"/>
+        <p:cNvPr id="98" name="Shape 98"/>
         <p:cNvGrpSpPr/>
         <p:nvPr/>
       </p:nvGrpSpPr>
@@ -1599,7 +1799,7 @@
       </p:grpSpPr>
       <p:sp>
         <p:nvSpPr>
-          <p:cNvPr id="111" name="Google Shape;111;p4:notes"/>
+          <p:cNvPr id="99" name="Google Shape;99;p4:notes"/>
           <p:cNvSpPr txBox="1"/>
           <p:nvPr>
             <p:ph idx="1" type="body"/>
@@ -1638,7 +1838,7 @@
       </p:sp>
       <p:sp>
         <p:nvSpPr>
-          <p:cNvPr id="112" name="Google Shape;112;p4:notes"/>
+          <p:cNvPr id="100" name="Google Shape;100;p4:notes"/>
           <p:cNvSpPr/>
           <p:nvPr>
             <p:ph idx="2" type="sldImg"/>
@@ -1684,7 +1884,7 @@
   <p:cSld>
     <p:spTree>
       <p:nvGrpSpPr>
-        <p:cNvPr id="116" name="Shape 116"/>
+        <p:cNvPr id="104" name="Shape 104"/>
         <p:cNvGrpSpPr/>
         <p:nvPr/>
       </p:nvGrpSpPr>
@@ -1698,7 +1898,7 @@
       </p:grpSpPr>
       <p:sp>
         <p:nvSpPr>
-          <p:cNvPr id="117" name="Google Shape;117;p5:notes"/>
+          <p:cNvPr id="105" name="Google Shape;105;p5:notes"/>
           <p:cNvSpPr txBox="1"/>
           <p:nvPr>
             <p:ph idx="1" type="body"/>
@@ -1737,7 +1937,7 @@
       </p:sp>
       <p:sp>
         <p:nvSpPr>
-          <p:cNvPr id="118" name="Google Shape;118;p5:notes"/>
+          <p:cNvPr id="106" name="Google Shape;106;p5:notes"/>
           <p:cNvSpPr/>
           <p:nvPr>
             <p:ph idx="2" type="sldImg"/>
@@ -1783,7 +1983,7 @@
   <p:cSld>
     <p:spTree>
       <p:nvGrpSpPr>
-        <p:cNvPr id="122" name="Shape 122"/>
+        <p:cNvPr id="110" name="Shape 110"/>
         <p:cNvGrpSpPr/>
         <p:nvPr/>
       </p:nvGrpSpPr>
@@ -1797,7 +1997,7 @@
       </p:grpSpPr>
       <p:sp>
         <p:nvSpPr>
-          <p:cNvPr id="123" name="Google Shape;123;p6:notes"/>
+          <p:cNvPr id="111" name="Google Shape;111;p6:notes"/>
           <p:cNvSpPr txBox="1"/>
           <p:nvPr>
             <p:ph idx="1" type="body"/>
@@ -1836,7 +2036,7 @@
       </p:sp>
       <p:sp>
         <p:nvSpPr>
-          <p:cNvPr id="124" name="Google Shape;124;p6:notes"/>
+          <p:cNvPr id="112" name="Google Shape;112;p6:notes"/>
           <p:cNvSpPr/>
           <p:nvPr>
             <p:ph idx="2" type="sldImg"/>
@@ -1882,7 +2082,7 @@
   <p:cSld>
     <p:spTree>
       <p:nvGrpSpPr>
-        <p:cNvPr id="129" name="Shape 129"/>
+        <p:cNvPr id="116" name="Shape 116"/>
         <p:cNvGrpSpPr/>
         <p:nvPr/>
       </p:nvGrpSpPr>
@@ -1896,7 +2096,7 @@
       </p:grpSpPr>
       <p:sp>
         <p:nvSpPr>
-          <p:cNvPr id="130" name="Google Shape;130;p7:notes"/>
+          <p:cNvPr id="117" name="Google Shape;117;p7:notes"/>
           <p:cNvSpPr txBox="1"/>
           <p:nvPr>
             <p:ph idx="1" type="body"/>
@@ -1935,7 +2135,7 @@
       </p:sp>
       <p:sp>
         <p:nvSpPr>
-          <p:cNvPr id="131" name="Google Shape;131;p7:notes"/>
+          <p:cNvPr id="118" name="Google Shape;118;p7:notes"/>
           <p:cNvSpPr/>
           <p:nvPr>
             <p:ph idx="2" type="sldImg"/>
@@ -1981,7 +2181,7 @@
   <p:cSld>
     <p:spTree>
       <p:nvGrpSpPr>
-        <p:cNvPr id="136" name="Shape 136"/>
+        <p:cNvPr id="122" name="Shape 122"/>
         <p:cNvGrpSpPr/>
         <p:nvPr/>
       </p:nvGrpSpPr>
@@ -1995,7 +2195,7 @@
       </p:grpSpPr>
       <p:sp>
         <p:nvSpPr>
-          <p:cNvPr id="137" name="Google Shape;137;p8:notes"/>
+          <p:cNvPr id="123" name="Google Shape;123;p8:notes"/>
           <p:cNvSpPr txBox="1"/>
           <p:nvPr>
             <p:ph idx="1" type="body"/>
@@ -2034,7 +2234,7 @@
       </p:sp>
       <p:sp>
         <p:nvSpPr>
-          <p:cNvPr id="138" name="Google Shape;138;p8:notes"/>
+          <p:cNvPr id="124" name="Google Shape;124;p8:notes"/>
           <p:cNvSpPr/>
           <p:nvPr>
             <p:ph idx="2" type="sldImg"/>
@@ -2080,7 +2280,7 @@
   <p:cSld>
     <p:spTree>
       <p:nvGrpSpPr>
-        <p:cNvPr id="143" name="Shape 143"/>
+        <p:cNvPr id="128" name="Shape 128"/>
         <p:cNvGrpSpPr/>
         <p:nvPr/>
       </p:nvGrpSpPr>
@@ -2094,7 +2294,7 @@
       </p:grpSpPr>
       <p:sp>
         <p:nvSpPr>
-          <p:cNvPr id="144" name="Google Shape;144;p9:notes"/>
+          <p:cNvPr id="129" name="Google Shape;129;p9:notes"/>
           <p:cNvSpPr txBox="1"/>
           <p:nvPr>
             <p:ph idx="1" type="body"/>
@@ -2133,7 +2333,7 @@
       </p:sp>
       <p:sp>
         <p:nvSpPr>
-          <p:cNvPr id="145" name="Google Shape;145;p9:notes"/>
+          <p:cNvPr id="130" name="Google Shape;130;p9:notes"/>
           <p:cNvSpPr/>
           <p:nvPr>
             <p:ph idx="2" type="sldImg"/>
@@ -2193,7 +2393,7 @@
       </p:grpSpPr>
       <p:sp>
         <p:nvSpPr>
-          <p:cNvPr id="12" name="Google Shape;12;p17"/>
+          <p:cNvPr id="12" name="Google Shape;12;p18"/>
           <p:cNvSpPr txBox="1"/>
           <p:nvPr>
             <p:ph type="ctrTitle"/>
@@ -2329,7 +2529,7 @@
       </p:sp>
       <p:sp>
         <p:nvSpPr>
-          <p:cNvPr id="13" name="Google Shape;13;p17"/>
+          <p:cNvPr id="13" name="Google Shape;13;p18"/>
           <p:cNvSpPr txBox="1"/>
           <p:nvPr>
             <p:ph idx="1" type="subTitle"/>
@@ -2512,7 +2712,7 @@
       </p:sp>
       <p:sp>
         <p:nvSpPr>
-          <p:cNvPr id="14" name="Google Shape;14;p17"/>
+          <p:cNvPr id="14" name="Google Shape;14;p18"/>
           <p:cNvSpPr txBox="1"/>
           <p:nvPr>
             <p:ph idx="10" type="dt"/>
@@ -2641,7 +2841,7 @@
       </p:sp>
       <p:sp>
         <p:nvSpPr>
-          <p:cNvPr id="15" name="Google Shape;15;p17"/>
+          <p:cNvPr id="15" name="Google Shape;15;p18"/>
           <p:cNvSpPr txBox="1"/>
           <p:nvPr>
             <p:ph idx="11" type="ftr"/>
@@ -2770,7 +2970,7 @@
       </p:sp>
       <p:sp>
         <p:nvSpPr>
-          <p:cNvPr id="16" name="Google Shape;16;p17"/>
+          <p:cNvPr id="16" name="Google Shape;16;p18"/>
           <p:cNvSpPr txBox="1"/>
           <p:nvPr>
             <p:ph idx="12" type="sldNum"/>
@@ -2903,7 +3103,7 @@
       </p:grpSpPr>
       <p:sp>
         <p:nvSpPr>
-          <p:cNvPr id="69" name="Google Shape;69;p26"/>
+          <p:cNvPr id="69" name="Google Shape;69;p27"/>
           <p:cNvSpPr txBox="1"/>
           <p:nvPr>
             <p:ph type="title"/>
@@ -3038,7 +3238,7 @@
       </p:sp>
       <p:sp>
         <p:nvSpPr>
-          <p:cNvPr id="70" name="Google Shape;70;p26"/>
+          <p:cNvPr id="70" name="Google Shape;70;p27"/>
           <p:cNvSpPr txBox="1"/>
           <p:nvPr>
             <p:ph idx="1" type="body"/>
@@ -3221,7 +3421,7 @@
       </p:sp>
       <p:sp>
         <p:nvSpPr>
-          <p:cNvPr id="71" name="Google Shape;71;p26"/>
+          <p:cNvPr id="71" name="Google Shape;71;p27"/>
           <p:cNvSpPr txBox="1"/>
           <p:nvPr>
             <p:ph idx="10" type="dt"/>
@@ -3350,7 +3550,7 @@
       </p:sp>
       <p:sp>
         <p:nvSpPr>
-          <p:cNvPr id="72" name="Google Shape;72;p26"/>
+          <p:cNvPr id="72" name="Google Shape;72;p27"/>
           <p:cNvSpPr txBox="1"/>
           <p:nvPr>
             <p:ph idx="11" type="ftr"/>
@@ -3479,7 +3679,7 @@
       </p:sp>
       <p:sp>
         <p:nvSpPr>
-          <p:cNvPr id="73" name="Google Shape;73;p26"/>
+          <p:cNvPr id="73" name="Google Shape;73;p27"/>
           <p:cNvSpPr txBox="1"/>
           <p:nvPr>
             <p:ph idx="12" type="sldNum"/>
@@ -3612,7 +3812,7 @@
       </p:grpSpPr>
       <p:sp>
         <p:nvSpPr>
-          <p:cNvPr id="75" name="Google Shape;75;p27"/>
+          <p:cNvPr id="75" name="Google Shape;75;p28"/>
           <p:cNvSpPr txBox="1"/>
           <p:nvPr>
             <p:ph type="title"/>
@@ -3747,7 +3947,7 @@
       </p:sp>
       <p:sp>
         <p:nvSpPr>
-          <p:cNvPr id="76" name="Google Shape;76;p27"/>
+          <p:cNvPr id="76" name="Google Shape;76;p28"/>
           <p:cNvSpPr txBox="1"/>
           <p:nvPr>
             <p:ph idx="1" type="body"/>
@@ -3930,7 +4130,7 @@
       </p:sp>
       <p:sp>
         <p:nvSpPr>
-          <p:cNvPr id="77" name="Google Shape;77;p27"/>
+          <p:cNvPr id="77" name="Google Shape;77;p28"/>
           <p:cNvSpPr txBox="1"/>
           <p:nvPr>
             <p:ph idx="10" type="dt"/>
@@ -4059,7 +4259,7 @@
       </p:sp>
       <p:sp>
         <p:nvSpPr>
-          <p:cNvPr id="78" name="Google Shape;78;p27"/>
+          <p:cNvPr id="78" name="Google Shape;78;p28"/>
           <p:cNvSpPr txBox="1"/>
           <p:nvPr>
             <p:ph idx="11" type="ftr"/>
@@ -4188,7 +4388,7 @@
       </p:sp>
       <p:sp>
         <p:nvSpPr>
-          <p:cNvPr id="79" name="Google Shape;79;p27"/>
+          <p:cNvPr id="79" name="Google Shape;79;p28"/>
           <p:cNvSpPr txBox="1"/>
           <p:nvPr>
             <p:ph idx="12" type="sldNum"/>
@@ -4321,7 +4521,7 @@
       </p:grpSpPr>
       <p:sp>
         <p:nvSpPr>
-          <p:cNvPr id="18" name="Google Shape;18;p18"/>
+          <p:cNvPr id="18" name="Google Shape;18;p19"/>
           <p:cNvSpPr txBox="1"/>
           <p:nvPr>
             <p:ph type="title"/>
@@ -4456,7 +4656,7 @@
       </p:sp>
       <p:sp>
         <p:nvSpPr>
-          <p:cNvPr id="19" name="Google Shape;19;p18"/>
+          <p:cNvPr id="19" name="Google Shape;19;p19"/>
           <p:cNvSpPr txBox="1"/>
           <p:nvPr>
             <p:ph idx="1" type="body"/>
@@ -4639,7 +4839,7 @@
       </p:sp>
       <p:sp>
         <p:nvSpPr>
-          <p:cNvPr id="20" name="Google Shape;20;p18"/>
+          <p:cNvPr id="20" name="Google Shape;20;p19"/>
           <p:cNvSpPr txBox="1"/>
           <p:nvPr>
             <p:ph idx="10" type="dt"/>
@@ -4768,7 +4968,7 @@
       </p:sp>
       <p:sp>
         <p:nvSpPr>
-          <p:cNvPr id="21" name="Google Shape;21;p18"/>
+          <p:cNvPr id="21" name="Google Shape;21;p19"/>
           <p:cNvSpPr txBox="1"/>
           <p:nvPr>
             <p:ph idx="11" type="ftr"/>
@@ -4897,7 +5097,7 @@
       </p:sp>
       <p:sp>
         <p:nvSpPr>
-          <p:cNvPr id="22" name="Google Shape;22;p18"/>
+          <p:cNvPr id="22" name="Google Shape;22;p19"/>
           <p:cNvSpPr txBox="1"/>
           <p:nvPr>
             <p:ph idx="12" type="sldNum"/>
@@ -5030,7 +5230,7 @@
       </p:grpSpPr>
       <p:sp>
         <p:nvSpPr>
-          <p:cNvPr id="24" name="Google Shape;24;p19"/>
+          <p:cNvPr id="24" name="Google Shape;24;p20"/>
           <p:cNvSpPr txBox="1"/>
           <p:nvPr>
             <p:ph type="title"/>
@@ -5166,7 +5366,7 @@
       </p:sp>
       <p:sp>
         <p:nvSpPr>
-          <p:cNvPr id="25" name="Google Shape;25;p19"/>
+          <p:cNvPr id="25" name="Google Shape;25;p20"/>
           <p:cNvSpPr txBox="1"/>
           <p:nvPr>
             <p:ph idx="1" type="body"/>
@@ -5385,7 +5585,7 @@
       </p:sp>
       <p:sp>
         <p:nvSpPr>
-          <p:cNvPr id="26" name="Google Shape;26;p19"/>
+          <p:cNvPr id="26" name="Google Shape;26;p20"/>
           <p:cNvSpPr txBox="1"/>
           <p:nvPr>
             <p:ph idx="10" type="dt"/>
@@ -5514,7 +5714,7 @@
       </p:sp>
       <p:sp>
         <p:nvSpPr>
-          <p:cNvPr id="27" name="Google Shape;27;p19"/>
+          <p:cNvPr id="27" name="Google Shape;27;p20"/>
           <p:cNvSpPr txBox="1"/>
           <p:nvPr>
             <p:ph idx="11" type="ftr"/>
@@ -5643,7 +5843,7 @@
       </p:sp>
       <p:sp>
         <p:nvSpPr>
-          <p:cNvPr id="28" name="Google Shape;28;p19"/>
+          <p:cNvPr id="28" name="Google Shape;28;p20"/>
           <p:cNvSpPr txBox="1"/>
           <p:nvPr>
             <p:ph idx="12" type="sldNum"/>
@@ -5776,7 +5976,7 @@
       </p:grpSpPr>
       <p:sp>
         <p:nvSpPr>
-          <p:cNvPr id="30" name="Google Shape;30;p20"/>
+          <p:cNvPr id="30" name="Google Shape;30;p21"/>
           <p:cNvSpPr txBox="1"/>
           <p:nvPr>
             <p:ph type="title"/>
@@ -5911,7 +6111,7 @@
       </p:sp>
       <p:sp>
         <p:nvSpPr>
-          <p:cNvPr id="31" name="Google Shape;31;p20"/>
+          <p:cNvPr id="31" name="Google Shape;31;p21"/>
           <p:cNvSpPr txBox="1"/>
           <p:nvPr>
             <p:ph idx="1" type="body"/>
@@ -6094,7 +6294,7 @@
       </p:sp>
       <p:sp>
         <p:nvSpPr>
-          <p:cNvPr id="32" name="Google Shape;32;p20"/>
+          <p:cNvPr id="32" name="Google Shape;32;p21"/>
           <p:cNvSpPr txBox="1"/>
           <p:nvPr>
             <p:ph idx="2" type="body"/>
@@ -6277,7 +6477,7 @@
       </p:sp>
       <p:sp>
         <p:nvSpPr>
-          <p:cNvPr id="33" name="Google Shape;33;p20"/>
+          <p:cNvPr id="33" name="Google Shape;33;p21"/>
           <p:cNvSpPr txBox="1"/>
           <p:nvPr>
             <p:ph idx="10" type="dt"/>
@@ -6406,7 +6606,7 @@
       </p:sp>
       <p:sp>
         <p:nvSpPr>
-          <p:cNvPr id="34" name="Google Shape;34;p20"/>
+          <p:cNvPr id="34" name="Google Shape;34;p21"/>
           <p:cNvSpPr txBox="1"/>
           <p:nvPr>
             <p:ph idx="11" type="ftr"/>
@@ -6535,7 +6735,7 @@
       </p:sp>
       <p:sp>
         <p:nvSpPr>
-          <p:cNvPr id="35" name="Google Shape;35;p20"/>
+          <p:cNvPr id="35" name="Google Shape;35;p21"/>
           <p:cNvSpPr txBox="1"/>
           <p:nvPr>
             <p:ph idx="12" type="sldNum"/>
@@ -6668,7 +6868,7 @@
       </p:grpSpPr>
       <p:sp>
         <p:nvSpPr>
-          <p:cNvPr id="37" name="Google Shape;37;p21"/>
+          <p:cNvPr id="37" name="Google Shape;37;p22"/>
           <p:cNvSpPr txBox="1"/>
           <p:nvPr>
             <p:ph type="title"/>
@@ -6803,7 +7003,7 @@
       </p:sp>
       <p:sp>
         <p:nvSpPr>
-          <p:cNvPr id="38" name="Google Shape;38;p21"/>
+          <p:cNvPr id="38" name="Google Shape;38;p22"/>
           <p:cNvSpPr txBox="1"/>
           <p:nvPr>
             <p:ph idx="1" type="body"/>
@@ -6986,7 +7186,7 @@
       </p:sp>
       <p:sp>
         <p:nvSpPr>
-          <p:cNvPr id="39" name="Google Shape;39;p21"/>
+          <p:cNvPr id="39" name="Google Shape;39;p22"/>
           <p:cNvSpPr txBox="1"/>
           <p:nvPr>
             <p:ph idx="2" type="body"/>
@@ -7169,7 +7369,7 @@
       </p:sp>
       <p:sp>
         <p:nvSpPr>
-          <p:cNvPr id="40" name="Google Shape;40;p21"/>
+          <p:cNvPr id="40" name="Google Shape;40;p22"/>
           <p:cNvSpPr txBox="1"/>
           <p:nvPr>
             <p:ph idx="3" type="body"/>
@@ -7352,7 +7552,7 @@
       </p:sp>
       <p:sp>
         <p:nvSpPr>
-          <p:cNvPr id="41" name="Google Shape;41;p21"/>
+          <p:cNvPr id="41" name="Google Shape;41;p22"/>
           <p:cNvSpPr txBox="1"/>
           <p:nvPr>
             <p:ph idx="4" type="body"/>
@@ -7535,7 +7735,7 @@
       </p:sp>
       <p:sp>
         <p:nvSpPr>
-          <p:cNvPr id="42" name="Google Shape;42;p21"/>
+          <p:cNvPr id="42" name="Google Shape;42;p22"/>
           <p:cNvSpPr txBox="1"/>
           <p:nvPr>
             <p:ph idx="10" type="dt"/>
@@ -7664,7 +7864,7 @@
       </p:sp>
       <p:sp>
         <p:nvSpPr>
-          <p:cNvPr id="43" name="Google Shape;43;p21"/>
+          <p:cNvPr id="43" name="Google Shape;43;p22"/>
           <p:cNvSpPr txBox="1"/>
           <p:nvPr>
             <p:ph idx="11" type="ftr"/>
@@ -7793,7 +7993,7 @@
       </p:sp>
       <p:sp>
         <p:nvSpPr>
-          <p:cNvPr id="44" name="Google Shape;44;p21"/>
+          <p:cNvPr id="44" name="Google Shape;44;p22"/>
           <p:cNvSpPr txBox="1"/>
           <p:nvPr>
             <p:ph idx="12" type="sldNum"/>
@@ -7926,7 +8126,7 @@
       </p:grpSpPr>
       <p:sp>
         <p:nvSpPr>
-          <p:cNvPr id="46" name="Google Shape;46;p22"/>
+          <p:cNvPr id="46" name="Google Shape;46;p23"/>
           <p:cNvSpPr txBox="1"/>
           <p:nvPr>
             <p:ph type="title"/>
@@ -8061,7 +8261,7 @@
       </p:sp>
       <p:sp>
         <p:nvSpPr>
-          <p:cNvPr id="47" name="Google Shape;47;p22"/>
+          <p:cNvPr id="47" name="Google Shape;47;p23"/>
           <p:cNvSpPr txBox="1"/>
           <p:nvPr>
             <p:ph idx="10" type="dt"/>
@@ -8190,7 +8390,7 @@
       </p:sp>
       <p:sp>
         <p:nvSpPr>
-          <p:cNvPr id="48" name="Google Shape;48;p22"/>
+          <p:cNvPr id="48" name="Google Shape;48;p23"/>
           <p:cNvSpPr txBox="1"/>
           <p:nvPr>
             <p:ph idx="11" type="ftr"/>
@@ -8319,7 +8519,7 @@
       </p:sp>
       <p:sp>
         <p:nvSpPr>
-          <p:cNvPr id="49" name="Google Shape;49;p22"/>
+          <p:cNvPr id="49" name="Google Shape;49;p23"/>
           <p:cNvSpPr txBox="1"/>
           <p:nvPr>
             <p:ph idx="12" type="sldNum"/>
@@ -8452,7 +8652,7 @@
       </p:grpSpPr>
       <p:sp>
         <p:nvSpPr>
-          <p:cNvPr id="51" name="Google Shape;51;p23"/>
+          <p:cNvPr id="51" name="Google Shape;51;p24"/>
           <p:cNvSpPr txBox="1"/>
           <p:nvPr>
             <p:ph idx="10" type="dt"/>
@@ -8581,7 +8781,7 @@
       </p:sp>
       <p:sp>
         <p:nvSpPr>
-          <p:cNvPr id="52" name="Google Shape;52;p23"/>
+          <p:cNvPr id="52" name="Google Shape;52;p24"/>
           <p:cNvSpPr txBox="1"/>
           <p:nvPr>
             <p:ph idx="11" type="ftr"/>
@@ -8710,7 +8910,7 @@
       </p:sp>
       <p:sp>
         <p:nvSpPr>
-          <p:cNvPr id="53" name="Google Shape;53;p23"/>
+          <p:cNvPr id="53" name="Google Shape;53;p24"/>
           <p:cNvSpPr txBox="1"/>
           <p:nvPr>
             <p:ph idx="12" type="sldNum"/>
@@ -8843,7 +9043,7 @@
       </p:grpSpPr>
       <p:sp>
         <p:nvSpPr>
-          <p:cNvPr id="55" name="Google Shape;55;p24"/>
+          <p:cNvPr id="55" name="Google Shape;55;p25"/>
           <p:cNvSpPr txBox="1"/>
           <p:nvPr>
             <p:ph type="title"/>
@@ -8979,7 +9179,7 @@
       </p:sp>
       <p:sp>
         <p:nvSpPr>
-          <p:cNvPr id="56" name="Google Shape;56;p24"/>
+          <p:cNvPr id="56" name="Google Shape;56;p25"/>
           <p:cNvSpPr txBox="1"/>
           <p:nvPr>
             <p:ph idx="1" type="body"/>
@@ -9162,7 +9362,7 @@
       </p:sp>
       <p:sp>
         <p:nvSpPr>
-          <p:cNvPr id="57" name="Google Shape;57;p24"/>
+          <p:cNvPr id="57" name="Google Shape;57;p25"/>
           <p:cNvSpPr txBox="1"/>
           <p:nvPr>
             <p:ph idx="2" type="body"/>
@@ -9345,7 +9545,7 @@
       </p:sp>
       <p:sp>
         <p:nvSpPr>
-          <p:cNvPr id="58" name="Google Shape;58;p24"/>
+          <p:cNvPr id="58" name="Google Shape;58;p25"/>
           <p:cNvSpPr txBox="1"/>
           <p:nvPr>
             <p:ph idx="10" type="dt"/>
@@ -9474,7 +9674,7 @@
       </p:sp>
       <p:sp>
         <p:nvSpPr>
-          <p:cNvPr id="59" name="Google Shape;59;p24"/>
+          <p:cNvPr id="59" name="Google Shape;59;p25"/>
           <p:cNvSpPr txBox="1"/>
           <p:nvPr>
             <p:ph idx="11" type="ftr"/>
@@ -9603,7 +9803,7 @@
       </p:sp>
       <p:sp>
         <p:nvSpPr>
-          <p:cNvPr id="60" name="Google Shape;60;p24"/>
+          <p:cNvPr id="60" name="Google Shape;60;p25"/>
           <p:cNvSpPr txBox="1"/>
           <p:nvPr>
             <p:ph idx="12" type="sldNum"/>
@@ -9736,7 +9936,7 @@
       </p:grpSpPr>
       <p:sp>
         <p:nvSpPr>
-          <p:cNvPr id="62" name="Google Shape;62;p25"/>
+          <p:cNvPr id="62" name="Google Shape;62;p26"/>
           <p:cNvSpPr txBox="1"/>
           <p:nvPr>
             <p:ph type="title"/>
@@ -9872,7 +10072,7 @@
       </p:sp>
       <p:sp>
         <p:nvSpPr>
-          <p:cNvPr id="63" name="Google Shape;63;p25"/>
+          <p:cNvPr id="63" name="Google Shape;63;p26"/>
           <p:cNvSpPr/>
           <p:nvPr>
             <p:ph idx="2" type="pic"/>
@@ -10136,7 +10336,7 @@
       </p:sp>
       <p:sp>
         <p:nvSpPr>
-          <p:cNvPr id="64" name="Google Shape;64;p25"/>
+          <p:cNvPr id="64" name="Google Shape;64;p26"/>
           <p:cNvSpPr txBox="1"/>
           <p:nvPr>
             <p:ph idx="1" type="body"/>
@@ -10319,7 +10519,7 @@
       </p:sp>
       <p:sp>
         <p:nvSpPr>
-          <p:cNvPr id="65" name="Google Shape;65;p25"/>
+          <p:cNvPr id="65" name="Google Shape;65;p26"/>
           <p:cNvSpPr txBox="1"/>
           <p:nvPr>
             <p:ph idx="10" type="dt"/>
@@ -10448,7 +10648,7 @@
       </p:sp>
       <p:sp>
         <p:nvSpPr>
-          <p:cNvPr id="66" name="Google Shape;66;p25"/>
+          <p:cNvPr id="66" name="Google Shape;66;p26"/>
           <p:cNvSpPr txBox="1"/>
           <p:nvPr>
             <p:ph idx="11" type="ftr"/>
@@ -10577,7 +10777,7 @@
       </p:sp>
       <p:sp>
         <p:nvSpPr>
-          <p:cNvPr id="67" name="Google Shape;67;p25"/>
+          <p:cNvPr id="67" name="Google Shape;67;p26"/>
           <p:cNvSpPr txBox="1"/>
           <p:nvPr>
             <p:ph idx="12" type="sldNum"/>
@@ -10717,7 +10917,7 @@
       </p:grpSpPr>
       <p:sp>
         <p:nvSpPr>
-          <p:cNvPr id="6" name="Google Shape;6;p16"/>
+          <p:cNvPr id="6" name="Google Shape;6;p17"/>
           <p:cNvSpPr txBox="1"/>
           <p:nvPr>
             <p:ph type="title"/>
@@ -10861,7 +11061,7 @@
       </p:sp>
       <p:sp>
         <p:nvSpPr>
-          <p:cNvPr id="7" name="Google Shape;7;p16"/>
+          <p:cNvPr id="7" name="Google Shape;7;p17"/>
           <p:cNvSpPr txBox="1"/>
           <p:nvPr>
             <p:ph idx="1" type="body"/>
@@ -11125,7 +11325,7 @@
       </p:sp>
       <p:sp>
         <p:nvSpPr>
-          <p:cNvPr id="8" name="Google Shape;8;p16"/>
+          <p:cNvPr id="8" name="Google Shape;8;p17"/>
           <p:cNvSpPr txBox="1"/>
           <p:nvPr>
             <p:ph idx="10" type="dt"/>
@@ -11326,7 +11526,7 @@
       </p:sp>
       <p:sp>
         <p:nvSpPr>
-          <p:cNvPr id="9" name="Google Shape;9;p16"/>
+          <p:cNvPr id="9" name="Google Shape;9;p17"/>
           <p:cNvSpPr txBox="1"/>
           <p:nvPr>
             <p:ph idx="11" type="ftr"/>
@@ -11527,7 +11727,7 @@
       </p:sp>
       <p:sp>
         <p:nvSpPr>
-          <p:cNvPr id="10" name="Google Shape;10;p16"/>
+          <p:cNvPr id="10" name="Google Shape;10;p17"/>
           <p:cNvSpPr txBox="1"/>
           <p:nvPr>
             <p:ph idx="12" type="sldNum"/>
@@ -12477,7 +12677,7 @@
             </a:pPr>
             <a:r>
               <a:rPr lang="en-US"/>
-              <a:t>Atomic functions</a:t>
+              <a:t>Numba for CUDA</a:t>
             </a:r>
             <a:endParaRPr/>
           </a:p>
@@ -12546,7 +12746,7 @@
   <p:cSld>
     <p:spTree>
       <p:nvGrpSpPr>
-        <p:cNvPr id="153" name="Shape 153"/>
+        <p:cNvPr id="139" name="Shape 139"/>
         <p:cNvGrpSpPr/>
         <p:nvPr/>
       </p:nvGrpSpPr>
@@ -12560,7 +12760,7 @@
       </p:grpSpPr>
       <p:sp>
         <p:nvSpPr>
-          <p:cNvPr id="154" name="Google Shape;154;p10"/>
+          <p:cNvPr id="140" name="Google Shape;140;p10"/>
           <p:cNvSpPr txBox="1"/>
           <p:nvPr>
             <p:ph type="title"/>
@@ -12604,7 +12804,7 @@
             </a:pPr>
             <a:r>
               <a:rPr lang="en-US"/>
-              <a:t>Atomic functions</a:t>
+              <a:t>Kernel Invocation</a:t>
             </a:r>
             <a:endParaRPr/>
           </a:p>
@@ -12612,7 +12812,7 @@
       </p:sp>
       <p:sp>
         <p:nvSpPr>
-          <p:cNvPr id="155" name="Google Shape;155;p10"/>
+          <p:cNvPr id="141" name="Google Shape;141;p10"/>
           <p:cNvSpPr txBox="1"/>
           <p:nvPr>
             <p:ph idx="1" type="body"/>
@@ -12655,30 +12855,7 @@
             </a:pPr>
             <a:r>
               <a:rPr lang="en-US"/>
-              <a:t>An atomic function performs a read-modify-write atomic operation on one 32-bit or 64-bit word residing in global or shared memory.</a:t>
-            </a:r>
-            <a:endParaRPr/>
-          </a:p>
-          <a:p>
-            <a:pPr indent="-228600" lvl="0" marL="228600" rtl="0" algn="l">
-              <a:lnSpc>
-                <a:spcPct val="90000"/>
-              </a:lnSpc>
-              <a:spcBef>
-                <a:spcPts val="1000"/>
-              </a:spcBef>
-              <a:spcAft>
-                <a:spcPts val="0"/>
-              </a:spcAft>
-              <a:buClr>
-                <a:schemeClr val="dk1"/>
-              </a:buClr>
-              <a:buSzPts val="2800"/>
-              <a:buChar char="•"/>
-            </a:pPr>
-            <a:r>
-              <a:rPr lang="en-US"/>
-              <a:t>It does not act as memory fences and does not imply synchronization or ordering constraints for memory operations .</a:t>
+              <a:t>A kernel is typically launched in the following way:</a:t>
             </a:r>
             <a:endParaRPr/>
           </a:p>
@@ -12701,30 +12878,168 @@
             </a:pPr>
             <a:r>
               <a:rPr lang="en-US"/>
-              <a:t>The order in which concurrent atomic updates are performed is arbitrary.</a:t>
+              <a:t>Instantiate the kernel proper, by specifying a number of blocks (or “blocks per grid”), and a number of threads per block. The product of the two will give the total number of threads launched. Kernel instantiation is done by taking the compiled kernel and indexing it with a tuple of integers.</a:t>
             </a:r>
             <a:endParaRPr/>
           </a:p>
           <a:p>
-            <a:pPr indent="-228600" lvl="0" marL="228600" rtl="0" algn="l">
-              <a:lnSpc>
-                <a:spcPct val="90000"/>
-              </a:lnSpc>
-              <a:spcBef>
-                <a:spcPts val="1000"/>
-              </a:spcBef>
-              <a:spcAft>
-                <a:spcPts val="0"/>
-              </a:spcAft>
-              <a:buClr>
-                <a:schemeClr val="dk1"/>
-              </a:buClr>
-              <a:buSzPts val="2800"/>
+            <a:pPr indent="-228600" lvl="1" marL="685800" rtl="0" algn="l">
+              <a:lnSpc>
+                <a:spcPct val="90000"/>
+              </a:lnSpc>
+              <a:spcBef>
+                <a:spcPts val="500"/>
+              </a:spcBef>
+              <a:spcAft>
+                <a:spcPts val="0"/>
+              </a:spcAft>
+              <a:buClr>
+                <a:schemeClr val="dk1"/>
+              </a:buClr>
+              <a:buSzPts val="2400"/>
               <a:buChar char="•"/>
             </a:pPr>
             <a:r>
               <a:rPr lang="en-US"/>
-              <a:t>Atomic functions can only be used in device functions.</a:t>
+              <a:t>Running the kernel, by passing it the input array (and any separate output arrays if necessary). By default, running a kernel is synchronous: the function returns when the kernel has finished executing and the data is synchronized back.</a:t>
+            </a:r>
+            <a:endParaRPr/>
+          </a:p>
+        </p:txBody>
+      </p:sp>
+      <p:sp>
+        <p:nvSpPr>
+          <p:cNvPr id="142" name="Google Shape;142;p10"/>
+          <p:cNvSpPr/>
+          <p:nvPr/>
+        </p:nvSpPr>
+        <p:spPr>
+          <a:xfrm>
+            <a:off x="2652075" y="5238391"/>
+            <a:ext cx="6595620" cy="1477328"/>
+          </a:xfrm>
+          <a:prstGeom prst="rect">
+            <a:avLst/>
+          </a:prstGeom>
+          <a:solidFill>
+            <a:schemeClr val="lt1"/>
+          </a:solidFill>
+          <a:ln cap="flat" cmpd="sng" w="12700">
+            <a:solidFill>
+              <a:schemeClr val="dk1"/>
+            </a:solidFill>
+            <a:prstDash val="solid"/>
+            <a:miter lim="800000"/>
+            <a:headEnd len="sm" w="sm" type="none"/>
+            <a:tailEnd len="sm" w="sm" type="none"/>
+          </a:ln>
+        </p:spPr>
+        <p:txBody>
+          <a:bodyPr anchorCtr="0" anchor="t" bIns="45700" lIns="91425" spcFirstLastPara="1" rIns="91425" wrap="square" tIns="45700">
+            <a:spAutoFit/>
+          </a:bodyPr>
+          <a:lstStyle/>
+          <a:p>
+            <a:pPr indent="0" lvl="0" marL="0" marR="0" rtl="0" algn="l">
+              <a:spcBef>
+                <a:spcPts val="0"/>
+              </a:spcBef>
+              <a:spcAft>
+                <a:spcPts val="0"/>
+              </a:spcAft>
+              <a:buNone/>
+            </a:pPr>
+            <a:r>
+              <a:rPr lang="en-US" sz="1800">
+                <a:solidFill>
+                  <a:schemeClr val="dk1"/>
+                </a:solidFill>
+                <a:latin typeface="Calibri"/>
+                <a:ea typeface="Calibri"/>
+                <a:cs typeface="Calibri"/>
+                <a:sym typeface="Calibri"/>
+              </a:rPr>
+              <a:t>//a kernel invocation syntax</a:t>
+            </a:r>
+            <a:endParaRPr/>
+          </a:p>
+          <a:p>
+            <a:pPr indent="0" lvl="0" marL="0" marR="0" rtl="0" algn="l">
+              <a:spcBef>
+                <a:spcPts val="0"/>
+              </a:spcBef>
+              <a:spcAft>
+                <a:spcPts val="0"/>
+              </a:spcAft>
+              <a:buNone/>
+            </a:pPr>
+            <a:r>
+              <a:rPr lang="en-US" sz="1800">
+                <a:solidFill>
+                  <a:schemeClr val="dk1"/>
+                </a:solidFill>
+                <a:latin typeface="Calibri"/>
+                <a:ea typeface="Calibri"/>
+                <a:cs typeface="Calibri"/>
+                <a:sym typeface="Calibri"/>
+              </a:rPr>
+              <a:t>threadsperblock = 32</a:t>
+            </a:r>
+            <a:endParaRPr/>
+          </a:p>
+          <a:p>
+            <a:pPr indent="0" lvl="0" marL="0" marR="0" rtl="0" algn="l">
+              <a:spcBef>
+                <a:spcPts val="0"/>
+              </a:spcBef>
+              <a:spcAft>
+                <a:spcPts val="0"/>
+              </a:spcAft>
+              <a:buNone/>
+            </a:pPr>
+            <a:r>
+              <a:rPr lang="en-US" sz="1800">
+                <a:solidFill>
+                  <a:schemeClr val="dk1"/>
+                </a:solidFill>
+                <a:latin typeface="Calibri"/>
+                <a:ea typeface="Calibri"/>
+                <a:cs typeface="Calibri"/>
+                <a:sym typeface="Calibri"/>
+              </a:rPr>
+              <a:t>blockspergrid = (an_array.size + (threadsperblock - 1)) // threadsperblock</a:t>
+            </a:r>
+            <a:endParaRPr sz="1800">
+              <a:solidFill>
+                <a:schemeClr val="dk1"/>
+              </a:solidFill>
+              <a:latin typeface="Calibri"/>
+              <a:ea typeface="Calibri"/>
+              <a:cs typeface="Calibri"/>
+              <a:sym typeface="Calibri"/>
+            </a:endParaRPr>
+          </a:p>
+          <a:p>
+            <a:pPr indent="0" lvl="0" marL="0" marR="0" rtl="0" algn="l">
+              <a:spcBef>
+                <a:spcPts val="0"/>
+              </a:spcBef>
+              <a:spcAft>
+                <a:spcPts val="0"/>
+              </a:spcAft>
+              <a:buNone/>
+            </a:pPr>
+            <a:r>
+              <a:rPr lang="en-US" sz="1800">
+                <a:solidFill>
+                  <a:schemeClr val="dk1"/>
+                </a:solidFill>
+                <a:latin typeface="Calibri"/>
+                <a:ea typeface="Calibri"/>
+                <a:cs typeface="Calibri"/>
+                <a:sym typeface="Calibri"/>
+              </a:rPr>
+              <a:t>Kernel_name[blockspergrid, threadsperblock](an_array)</a:t>
             </a:r>
             <a:endParaRPr/>
           </a:p>
@@ -12743,7 +13058,7 @@
   <p:cSld>
     <p:spTree>
       <p:nvGrpSpPr>
-        <p:cNvPr id="159" name="Shape 159"/>
+        <p:cNvPr id="146" name="Shape 146"/>
         <p:cNvGrpSpPr/>
         <p:nvPr/>
       </p:nvGrpSpPr>
@@ -12757,7 +13072,7 @@
       </p:grpSpPr>
       <p:sp>
         <p:nvSpPr>
-          <p:cNvPr id="160" name="Google Shape;160;p11"/>
+          <p:cNvPr id="147" name="Google Shape;147;p11"/>
           <p:cNvSpPr txBox="1"/>
           <p:nvPr>
             <p:ph type="title"/>
@@ -12795,13 +13110,13 @@
               <a:buClr>
                 <a:schemeClr val="dk1"/>
               </a:buClr>
-              <a:buSzPts val="3600"/>
+              <a:buSzPts val="4400"/>
               <a:buFont typeface="Calibri"/>
               <a:buNone/>
             </a:pPr>
             <a:r>
-              <a:rPr lang="en-US" sz="3600"/>
-              <a:t>Atomic add functions from CUDA Toolkit documentation</a:t>
+              <a:rPr lang="en-US"/>
+              <a:t>Kernel invocation</a:t>
             </a:r>
             <a:endParaRPr/>
           </a:p>
@@ -12809,7 +13124,7 @@
       </p:sp>
       <p:sp>
         <p:nvSpPr>
-          <p:cNvPr id="161" name="Google Shape;161;p11"/>
+          <p:cNvPr id="148" name="Google Shape;148;p11"/>
           <p:cNvSpPr txBox="1"/>
           <p:nvPr>
             <p:ph idx="1" type="body"/>
@@ -12836,53 +13151,30 @@
           <a:p>
             <a:pPr indent="-228600" lvl="0" marL="228600" rtl="0" algn="l">
               <a:lnSpc>
-                <a:spcPct val="70000"/>
-              </a:lnSpc>
-              <a:spcBef>
-                <a:spcPts val="0"/>
-              </a:spcBef>
-              <a:spcAft>
-                <a:spcPts val="0"/>
-              </a:spcAft>
-              <a:buClr>
-                <a:schemeClr val="dk1"/>
-              </a:buClr>
-              <a:buSzPts val="1960"/>
+                <a:spcPct val="90000"/>
+              </a:lnSpc>
+              <a:spcBef>
+                <a:spcPts val="0"/>
+              </a:spcBef>
+              <a:spcAft>
+                <a:spcPts val="0"/>
+              </a:spcAft>
+              <a:buClr>
+                <a:schemeClr val="dk1"/>
+              </a:buClr>
+              <a:buSzPts val="2800"/>
               <a:buChar char="•"/>
             </a:pPr>
             <a:r>
-              <a:rPr lang="en-US" sz="1960"/>
-              <a:t>atomicAdd()</a:t>
-            </a:r>
-            <a:endParaRPr/>
-          </a:p>
-          <a:p>
-            <a:pPr indent="-228600" lvl="1" marL="685800" rtl="0" algn="l">
-              <a:lnSpc>
-                <a:spcPct val="70000"/>
-              </a:lnSpc>
-              <a:spcBef>
-                <a:spcPts val="500"/>
-              </a:spcBef>
-              <a:spcAft>
-                <a:spcPts val="0"/>
-              </a:spcAft>
-              <a:buClr>
-                <a:schemeClr val="dk1"/>
-              </a:buClr>
-              <a:buSzPts val="1679"/>
-              <a:buChar char="•"/>
-            </a:pPr>
-            <a:r>
-              <a:rPr lang="en-US" sz="1679"/>
-              <a:t>reads the 16-bit, 32-bit or 64-bit word old located at the address address in global or shared memory, computes (old + val), and stores the result back to memory at the same address. These three operations are performed in one atomic transaction. The function returns old.</a:t>
+              <a:rPr lang="en-US"/>
+              <a:t>It might seem curious to have a two-level hierarchy when declaring the number of threads needed by a kernel. The block size (i.e. number of threads per block) is often crucial:</a:t>
             </a:r>
             <a:endParaRPr/>
           </a:p>
           <a:p>
             <a:pPr indent="-228600" lvl="0" marL="228600" rtl="0" algn="l">
               <a:lnSpc>
-                <a:spcPct val="70000"/>
+                <a:spcPct val="90000"/>
               </a:lnSpc>
               <a:spcBef>
                 <a:spcPts val="1000"/>
@@ -12893,19 +13185,32 @@
               <a:buClr>
                 <a:schemeClr val="dk1"/>
               </a:buClr>
-              <a:buSzPts val="1960"/>
+              <a:buSzPts val="2800"/>
               <a:buChar char="•"/>
             </a:pPr>
             <a:r>
-              <a:rPr lang="en-US" sz="1960"/>
-              <a:t>int atomicAdd(int* address, int val);</a:t>
+              <a:rPr lang="en-US"/>
+              <a:t>On the software side, the block size determines how many threads share a given area of </a:t>
+            </a:r>
+            <a:r>
+              <a:rPr lang="en-US" u="sng">
+                <a:solidFill>
+                  <a:schemeClr val="hlink"/>
+                </a:solidFill>
+                <a:hlinkClick r:id="rId3"/>
+              </a:rPr>
+              <a:t>shared memory</a:t>
+            </a:r>
+            <a:r>
+              <a:rPr lang="en-US"/>
+              <a:t>.</a:t>
             </a:r>
             <a:endParaRPr/>
           </a:p>
           <a:p>
             <a:pPr indent="-228600" lvl="0" marL="228600" rtl="0" algn="l">
               <a:lnSpc>
-                <a:spcPct val="70000"/>
+                <a:spcPct val="90000"/>
               </a:lnSpc>
               <a:spcBef>
                 <a:spcPts val="1000"/>
@@ -12916,19 +13221,32 @@
               <a:buClr>
                 <a:schemeClr val="dk1"/>
               </a:buClr>
-              <a:buSzPts val="1960"/>
+              <a:buSzPts val="2800"/>
               <a:buChar char="•"/>
             </a:pPr>
             <a:r>
-              <a:rPr lang="en-US" sz="1960"/>
-              <a:t>unsigned int atomicAdd(unsigned int* address, unsigned int val);</a:t>
+              <a:rPr lang="en-US"/>
+              <a:t>On the hardware side, the block size must be large enough for full occupation of execution units; recommendations can be found in the </a:t>
+            </a:r>
+            <a:r>
+              <a:rPr lang="en-US" u="sng">
+                <a:solidFill>
+                  <a:schemeClr val="hlink"/>
+                </a:solidFill>
+                <a:hlinkClick r:id="rId4"/>
+              </a:rPr>
+              <a:t>CUDA C Programming Guide</a:t>
+            </a:r>
+            <a:r>
+              <a:rPr lang="en-US"/>
+              <a:t>.</a:t>
             </a:r>
             <a:endParaRPr/>
           </a:p>
           <a:p>
             <a:pPr indent="-228600" lvl="0" marL="228600" rtl="0" algn="l">
               <a:lnSpc>
-                <a:spcPct val="70000"/>
+                <a:spcPct val="90000"/>
               </a:lnSpc>
               <a:spcBef>
                 <a:spcPts val="1000"/>
@@ -12939,19 +13257,28 @@
               <a:buClr>
                 <a:schemeClr val="dk1"/>
               </a:buClr>
-              <a:buSzPts val="1960"/>
+              <a:buSzPts val="2800"/>
               <a:buChar char="•"/>
             </a:pPr>
             <a:r>
-              <a:rPr lang="en-US" sz="1960"/>
-              <a:t>unsigned long long int atomicAdd(unsigned long long int* address, unsigned long long int val);</a:t>
+              <a:rPr lang="en-US"/>
+              <a:t>More details on blocks and grids: </a:t>
+            </a:r>
+            <a:r>
+              <a:rPr lang="en-US" u="sng">
+                <a:solidFill>
+                  <a:schemeClr val="hlink"/>
+                </a:solidFill>
+                <a:hlinkClick r:id="rId5"/>
+              </a:rPr>
+              <a:t>https://numba.pydata.org/numba-doc/latest/cuda/kernels.html</a:t>
             </a:r>
             <a:endParaRPr/>
           </a:p>
           <a:p>
-            <a:pPr indent="-228600" lvl="0" marL="228600" rtl="0" algn="l">
-              <a:lnSpc>
-                <a:spcPct val="70000"/>
+            <a:pPr indent="-50800" lvl="0" marL="228600" rtl="0" algn="l">
+              <a:lnSpc>
+                <a:spcPct val="90000"/>
               </a:lnSpc>
               <a:spcBef>
                 <a:spcPts val="1000"/>
@@ -12962,127 +13289,11 @@
               <a:buClr>
                 <a:schemeClr val="dk1"/>
               </a:buClr>
-              <a:buSzPts val="1960"/>
-              <a:buChar char="•"/>
+              <a:buSzPts val="2800"/>
+              <a:buNone/>
             </a:pPr>
             <a:r>
-              <a:rPr lang="en-US" sz="1960"/>
-              <a:t>float atomicAdd(float* address, float val);</a:t>
-            </a:r>
-            <a:endParaRPr/>
-          </a:p>
-          <a:p>
-            <a:pPr indent="-228600" lvl="0" marL="228600" rtl="0" algn="l">
-              <a:lnSpc>
-                <a:spcPct val="70000"/>
-              </a:lnSpc>
-              <a:spcBef>
-                <a:spcPts val="1000"/>
-              </a:spcBef>
-              <a:spcAft>
-                <a:spcPts val="0"/>
-              </a:spcAft>
-              <a:buClr>
-                <a:schemeClr val="dk1"/>
-              </a:buClr>
-              <a:buSzPts val="1960"/>
-              <a:buChar char="•"/>
-            </a:pPr>
-            <a:r>
-              <a:rPr lang="en-US" sz="1960"/>
-              <a:t>double atomicAdd(double* address, double val);</a:t>
-            </a:r>
-            <a:endParaRPr/>
-          </a:p>
-          <a:p>
-            <a:pPr indent="-228600" lvl="0" marL="228600" rtl="0" algn="l">
-              <a:lnSpc>
-                <a:spcPct val="70000"/>
-              </a:lnSpc>
-              <a:spcBef>
-                <a:spcPts val="1000"/>
-              </a:spcBef>
-              <a:spcAft>
-                <a:spcPts val="0"/>
-              </a:spcAft>
-              <a:buClr>
-                <a:schemeClr val="dk1"/>
-              </a:buClr>
-              <a:buSzPts val="1960"/>
-              <a:buChar char="•"/>
-            </a:pPr>
-            <a:r>
-              <a:rPr lang="en-US" sz="1960"/>
-              <a:t>__half2 atomicAdd(__half2 *address, __half2 val);</a:t>
-            </a:r>
-            <a:endParaRPr/>
-          </a:p>
-          <a:p>
-            <a:pPr indent="-228600" lvl="0" marL="228600" rtl="0" algn="l">
-              <a:lnSpc>
-                <a:spcPct val="70000"/>
-              </a:lnSpc>
-              <a:spcBef>
-                <a:spcPts val="1000"/>
-              </a:spcBef>
-              <a:spcAft>
-                <a:spcPts val="0"/>
-              </a:spcAft>
-              <a:buClr>
-                <a:schemeClr val="dk1"/>
-              </a:buClr>
-              <a:buSzPts val="1960"/>
-              <a:buChar char="•"/>
-            </a:pPr>
-            <a:r>
-              <a:rPr lang="en-US" sz="1960"/>
-              <a:t>__half atomicAdd(__half *address, __half val);</a:t>
-            </a:r>
-            <a:endParaRPr/>
-          </a:p>
-          <a:p>
-            <a:pPr indent="-228600" lvl="0" marL="228600" rtl="0" algn="l">
-              <a:lnSpc>
-                <a:spcPct val="70000"/>
-              </a:lnSpc>
-              <a:spcBef>
-                <a:spcPts val="1000"/>
-              </a:spcBef>
-              <a:spcAft>
-                <a:spcPts val="0"/>
-              </a:spcAft>
-              <a:buClr>
-                <a:schemeClr val="dk1"/>
-              </a:buClr>
-              <a:buSzPts val="1960"/>
-              <a:buChar char="•"/>
-            </a:pPr>
-            <a:r>
-              <a:rPr lang="en-US" sz="1960"/>
-              <a:t>__nv_bfloat162 atomicAdd(__nv_bfloat162 *address, __nv_bfloat162 val);</a:t>
-            </a:r>
-            <a:endParaRPr/>
-          </a:p>
-          <a:p>
-            <a:pPr indent="-228600" lvl="0" marL="228600" rtl="0" algn="l">
-              <a:lnSpc>
-                <a:spcPct val="70000"/>
-              </a:lnSpc>
-              <a:spcBef>
-                <a:spcPts val="1000"/>
-              </a:spcBef>
-              <a:spcAft>
-                <a:spcPts val="0"/>
-              </a:spcAft>
-              <a:buClr>
-                <a:schemeClr val="dk1"/>
-              </a:buClr>
-              <a:buSzPts val="1960"/>
-              <a:buChar char="•"/>
-            </a:pPr>
-            <a:r>
-              <a:rPr lang="en-US" sz="1960"/>
-              <a:t>__nv_bfloat16 atomicAdd(__nv_bfloat16 *address, __nv_bfloat16 val);</a:t>
+              <a:t/>
             </a:r>
             <a:endParaRPr/>
           </a:p>
@@ -13101,7 +13312,7 @@
   <p:cSld>
     <p:spTree>
       <p:nvGrpSpPr>
-        <p:cNvPr id="165" name="Shape 165"/>
+        <p:cNvPr id="152" name="Shape 152"/>
         <p:cNvGrpSpPr/>
         <p:nvPr/>
       </p:nvGrpSpPr>
@@ -13115,7 +13326,7 @@
       </p:grpSpPr>
       <p:sp>
         <p:nvSpPr>
-          <p:cNvPr id="166" name="Google Shape;166;p12"/>
+          <p:cNvPr id="153" name="Google Shape;153;p12"/>
           <p:cNvSpPr txBox="1"/>
           <p:nvPr>
             <p:ph type="title"/>
@@ -13159,7 +13370,7 @@
             </a:pPr>
             <a:r>
               <a:rPr lang="en-US"/>
-              <a:t>Other atomic functions</a:t>
+              <a:t>Numba example</a:t>
             </a:r>
             <a:endParaRPr/>
           </a:p>
@@ -13167,7 +13378,7 @@
       </p:sp>
       <p:sp>
         <p:nvSpPr>
-          <p:cNvPr id="167" name="Google Shape;167;p12"/>
+          <p:cNvPr id="154" name="Google Shape;154;p12"/>
           <p:cNvSpPr txBox="1"/>
           <p:nvPr>
             <p:ph idx="1" type="body"/>
@@ -13194,214 +13405,30 @@
           <a:p>
             <a:pPr indent="-228600" lvl="0" marL="228600" rtl="0" algn="l">
               <a:lnSpc>
-                <a:spcPct val="70000"/>
-              </a:lnSpc>
-              <a:spcBef>
-                <a:spcPts val="0"/>
-              </a:spcBef>
-              <a:spcAft>
-                <a:spcPts val="0"/>
-              </a:spcAft>
-              <a:buClr>
-                <a:schemeClr val="dk1"/>
-              </a:buClr>
-              <a:buSzPts val="2380"/>
+                <a:spcPct val="90000"/>
+              </a:lnSpc>
+              <a:spcBef>
+                <a:spcPts val="0"/>
+              </a:spcBef>
+              <a:spcAft>
+                <a:spcPts val="0"/>
+              </a:spcAft>
+              <a:buClr>
+                <a:schemeClr val="dk1"/>
+              </a:buClr>
+              <a:buSzPts val="2800"/>
               <a:buChar char="•"/>
             </a:pPr>
             <a:r>
-              <a:rPr lang="en-US" sz="2380"/>
-              <a:t>Arithmetic Functions</a:t>
-            </a:r>
-            <a:endParaRPr/>
-          </a:p>
-          <a:p>
-            <a:pPr indent="-228600" lvl="1" marL="685800" rtl="0" algn="l">
-              <a:lnSpc>
-                <a:spcPct val="70000"/>
-              </a:lnSpc>
-              <a:spcBef>
-                <a:spcPts val="500"/>
-              </a:spcBef>
-              <a:spcAft>
-                <a:spcPts val="0"/>
-              </a:spcAft>
-              <a:buClr>
-                <a:schemeClr val="dk1"/>
-              </a:buClr>
-              <a:buSzPts val="2040"/>
-              <a:buChar char="•"/>
-            </a:pPr>
-            <a:r>
-              <a:rPr lang="en-US" sz="2040"/>
-              <a:t>atomicAdd()</a:t>
-            </a:r>
-            <a:endParaRPr/>
-          </a:p>
-          <a:p>
-            <a:pPr indent="-228600" lvl="1" marL="685800" rtl="0" algn="l">
-              <a:lnSpc>
-                <a:spcPct val="70000"/>
-              </a:lnSpc>
-              <a:spcBef>
-                <a:spcPts val="500"/>
-              </a:spcBef>
-              <a:spcAft>
-                <a:spcPts val="0"/>
-              </a:spcAft>
-              <a:buClr>
-                <a:schemeClr val="dk1"/>
-              </a:buClr>
-              <a:buSzPts val="2040"/>
-              <a:buChar char="•"/>
-            </a:pPr>
-            <a:r>
-              <a:rPr lang="en-US" sz="2040"/>
-              <a:t>atomicSub()</a:t>
-            </a:r>
-            <a:endParaRPr/>
-          </a:p>
-          <a:p>
-            <a:pPr indent="-228600" lvl="1" marL="685800" rtl="0" algn="l">
-              <a:lnSpc>
-                <a:spcPct val="70000"/>
-              </a:lnSpc>
-              <a:spcBef>
-                <a:spcPts val="500"/>
-              </a:spcBef>
-              <a:spcAft>
-                <a:spcPts val="0"/>
-              </a:spcAft>
-              <a:buClr>
-                <a:schemeClr val="dk1"/>
-              </a:buClr>
-              <a:buSzPts val="2040"/>
-              <a:buChar char="•"/>
-            </a:pPr>
-            <a:r>
-              <a:rPr lang="en-US" sz="2040"/>
-              <a:t>atomicExch()</a:t>
-            </a:r>
-            <a:endParaRPr/>
-          </a:p>
-          <a:p>
-            <a:pPr indent="-228600" lvl="1" marL="685800" rtl="0" algn="l">
-              <a:lnSpc>
-                <a:spcPct val="70000"/>
-              </a:lnSpc>
-              <a:spcBef>
-                <a:spcPts val="500"/>
-              </a:spcBef>
-              <a:spcAft>
-                <a:spcPts val="0"/>
-              </a:spcAft>
-              <a:buClr>
-                <a:schemeClr val="dk1"/>
-              </a:buClr>
-              <a:buSzPts val="2040"/>
-              <a:buChar char="•"/>
-            </a:pPr>
-            <a:r>
-              <a:rPr lang="en-US" sz="2040"/>
-              <a:t>atomicMin()</a:t>
-            </a:r>
-            <a:endParaRPr/>
-          </a:p>
-          <a:p>
-            <a:pPr indent="-228600" lvl="1" marL="685800" rtl="0" algn="l">
-              <a:lnSpc>
-                <a:spcPct val="70000"/>
-              </a:lnSpc>
-              <a:spcBef>
-                <a:spcPts val="500"/>
-              </a:spcBef>
-              <a:spcAft>
-                <a:spcPts val="0"/>
-              </a:spcAft>
-              <a:buClr>
-                <a:schemeClr val="dk1"/>
-              </a:buClr>
-              <a:buSzPts val="2040"/>
-              <a:buChar char="•"/>
-            </a:pPr>
-            <a:r>
-              <a:rPr lang="en-US" sz="2040"/>
-              <a:t>atomicMax()</a:t>
-            </a:r>
-            <a:endParaRPr/>
-          </a:p>
-          <a:p>
-            <a:pPr indent="-228600" lvl="1" marL="685800" rtl="0" algn="l">
-              <a:lnSpc>
-                <a:spcPct val="70000"/>
-              </a:lnSpc>
-              <a:spcBef>
-                <a:spcPts val="500"/>
-              </a:spcBef>
-              <a:spcAft>
-                <a:spcPts val="0"/>
-              </a:spcAft>
-              <a:buClr>
-                <a:schemeClr val="dk1"/>
-              </a:buClr>
-              <a:buSzPts val="2040"/>
-              <a:buChar char="•"/>
-            </a:pPr>
-            <a:r>
-              <a:rPr lang="en-US" sz="2040"/>
-              <a:t>atomicInc()</a:t>
-            </a:r>
-            <a:endParaRPr/>
-          </a:p>
-          <a:p>
-            <a:pPr indent="-228600" lvl="1" marL="685800" rtl="0" algn="l">
-              <a:lnSpc>
-                <a:spcPct val="70000"/>
-              </a:lnSpc>
-              <a:spcBef>
-                <a:spcPts val="500"/>
-              </a:spcBef>
-              <a:spcAft>
-                <a:spcPts val="0"/>
-              </a:spcAft>
-              <a:buClr>
-                <a:schemeClr val="dk1"/>
-              </a:buClr>
-              <a:buSzPts val="2040"/>
-              <a:buChar char="•"/>
-            </a:pPr>
-            <a:r>
-              <a:rPr lang="en-US" sz="2040"/>
-              <a:t>atomicDec()</a:t>
-            </a:r>
-            <a:endParaRPr/>
-          </a:p>
-          <a:p>
-            <a:pPr indent="-228600" lvl="1" marL="685800" rtl="0" algn="l">
-              <a:lnSpc>
-                <a:spcPct val="70000"/>
-              </a:lnSpc>
-              <a:spcBef>
-                <a:spcPts val="500"/>
-              </a:spcBef>
-              <a:spcAft>
-                <a:spcPts val="0"/>
-              </a:spcAft>
-              <a:buClr>
-                <a:schemeClr val="dk1"/>
-              </a:buClr>
-              <a:buSzPts val="2040"/>
-              <a:buChar char="•"/>
-            </a:pPr>
-            <a:r>
-              <a:rPr lang="en-US" sz="2040"/>
-              <a:t>atomicCAS()</a:t>
+              <a:rPr lang="en-US"/>
+              <a:t>Let us check a simple example of subtracting two matrix</a:t>
             </a:r>
             <a:endParaRPr/>
           </a:p>
           <a:p>
             <a:pPr indent="-228600" lvl="0" marL="228600" rtl="0" algn="l">
               <a:lnSpc>
-                <a:spcPct val="70000"/>
+                <a:spcPct val="90000"/>
               </a:lnSpc>
               <a:spcBef>
                 <a:spcPts val="1000"/>
@@ -13412,88 +13439,19 @@
               <a:buClr>
                 <a:schemeClr val="dk1"/>
               </a:buClr>
-              <a:buSzPts val="2380"/>
+              <a:buSzPts val="2800"/>
               <a:buChar char="•"/>
             </a:pPr>
             <a:r>
-              <a:rPr lang="en-US" sz="2380"/>
-              <a:t> Bitwise Functions</a:t>
-            </a:r>
-            <a:endParaRPr/>
-          </a:p>
-          <a:p>
-            <a:pPr indent="-228600" lvl="1" marL="685800" rtl="0" algn="l">
-              <a:lnSpc>
-                <a:spcPct val="70000"/>
-              </a:lnSpc>
-              <a:spcBef>
-                <a:spcPts val="500"/>
-              </a:spcBef>
-              <a:spcAft>
-                <a:spcPts val="0"/>
-              </a:spcAft>
-              <a:buClr>
-                <a:schemeClr val="dk1"/>
-              </a:buClr>
-              <a:buSzPts val="2040"/>
-              <a:buChar char="•"/>
-            </a:pPr>
-            <a:r>
-              <a:rPr lang="en-US" sz="2040"/>
-              <a:t>atomicAnd()</a:t>
-            </a:r>
-            <a:endParaRPr/>
-          </a:p>
-          <a:p>
-            <a:pPr indent="-228600" lvl="1" marL="685800" rtl="0" algn="l">
-              <a:lnSpc>
-                <a:spcPct val="70000"/>
-              </a:lnSpc>
-              <a:spcBef>
-                <a:spcPts val="500"/>
-              </a:spcBef>
-              <a:spcAft>
-                <a:spcPts val="0"/>
-              </a:spcAft>
-              <a:buClr>
-                <a:schemeClr val="dk1"/>
-              </a:buClr>
-              <a:buSzPts val="2040"/>
-              <a:buChar char="•"/>
-            </a:pPr>
-            <a:r>
-              <a:rPr lang="en-US" sz="2040"/>
-              <a:t> atomicOr()</a:t>
-            </a:r>
-            <a:endParaRPr/>
-          </a:p>
-          <a:p>
-            <a:pPr indent="-228600" lvl="1" marL="685800" rtl="0" algn="l">
-              <a:lnSpc>
-                <a:spcPct val="70000"/>
-              </a:lnSpc>
-              <a:spcBef>
-                <a:spcPts val="500"/>
-              </a:spcBef>
-              <a:spcAft>
-                <a:spcPts val="0"/>
-              </a:spcAft>
-              <a:buClr>
-                <a:schemeClr val="dk1"/>
-              </a:buClr>
-              <a:buSzPts val="2040"/>
-              <a:buChar char="•"/>
-            </a:pPr>
-            <a:r>
-              <a:rPr lang="en-US" sz="2040"/>
-              <a:t>atomicXor()</a:t>
+              <a:rPr lang="en-US"/>
+              <a:t>Suppose there are two 2D-matrix with all element values as 1(can be anything, selected 1 to subtract and get 0 result as shown in figure below)</a:t>
             </a:r>
             <a:endParaRPr/>
           </a:p>
           <a:p>
             <a:pPr indent="-228600" lvl="0" marL="228600" rtl="0" algn="l">
               <a:lnSpc>
-                <a:spcPct val="70000"/>
+                <a:spcPct val="90000"/>
               </a:lnSpc>
               <a:spcBef>
                 <a:spcPts val="1000"/>
@@ -13504,23 +13462,1036 @@
               <a:buClr>
                 <a:schemeClr val="dk1"/>
               </a:buClr>
-              <a:buSzPts val="2380"/>
+              <a:buSzPts val="2800"/>
               <a:buChar char="•"/>
             </a:pPr>
             <a:r>
-              <a:rPr lang="en-US" sz="2380"/>
-              <a:t>For details: </a:t>
+              <a:rPr lang="en-US"/>
+              <a:t>We can use GPU to perform subtraction of each element instead of CPU serial subtraction</a:t>
             </a:r>
+            <a:endParaRPr/>
+          </a:p>
+          <a:p>
+            <a:pPr indent="-228600" lvl="0" marL="228600" rtl="0" algn="l">
+              <a:lnSpc>
+                <a:spcPct val="90000"/>
+              </a:lnSpc>
+              <a:spcBef>
+                <a:spcPts val="1000"/>
+              </a:spcBef>
+              <a:spcAft>
+                <a:spcPts val="0"/>
+              </a:spcAft>
+              <a:buClr>
+                <a:schemeClr val="dk1"/>
+              </a:buClr>
+              <a:buSzPts val="2800"/>
+              <a:buChar char="•"/>
+            </a:pPr>
             <a:r>
-              <a:rPr lang="en-US" sz="2380" u="sng">
-                <a:solidFill>
-                  <a:schemeClr val="hlink"/>
-                </a:solidFill>
-                <a:hlinkClick r:id="rId3"/>
+              <a:rPr lang="en-US"/>
+              <a:t>We need to import cuda from numba to use in the python file</a:t>
+            </a:r>
+            <a:endParaRPr/>
+          </a:p>
+          <a:p>
+            <a:pPr indent="0" lvl="0" marL="0" rtl="0" algn="l">
+              <a:lnSpc>
+                <a:spcPct val="90000"/>
+              </a:lnSpc>
+              <a:spcBef>
+                <a:spcPts val="1000"/>
+              </a:spcBef>
+              <a:spcAft>
+                <a:spcPts val="0"/>
+              </a:spcAft>
+              <a:buClr>
+                <a:schemeClr val="dk1"/>
+              </a:buClr>
+              <a:buSzPts val="2800"/>
+              <a:buNone/>
+            </a:pPr>
+            <a:r>
+              <a:t/>
+            </a:r>
+            <a:endParaRPr/>
+          </a:p>
+        </p:txBody>
+      </p:sp>
+      <p:graphicFrame>
+        <p:nvGraphicFramePr>
+          <p:cNvPr id="155" name="Google Shape;155;p12"/>
+          <p:cNvGraphicFramePr/>
+          <p:nvPr/>
+        </p:nvGraphicFramePr>
+        <p:xfrm>
+          <a:off x="2273175" y="5081150"/>
+          <a:ext cx="3000000" cy="3000000"/>
+        </p:xfrm>
+        <a:graphic>
+          <a:graphicData uri="http://schemas.openxmlformats.org/drawingml/2006/table">
+            <a:tbl>
+              <a:tblPr>
+                <a:noFill/>
+                <a:tableStyleId>{439280B0-F447-4D44-ABE0-3E711CF2670E}</a:tableStyleId>
+              </a:tblPr>
+              <a:tblGrid>
+                <a:gridCol w="384050"/>
+                <a:gridCol w="384050"/>
+                <a:gridCol w="384050"/>
+              </a:tblGrid>
+              <a:tr h="381000">
+                <a:tc>
+                  <a:txBody>
+                    <a:bodyPr/>
+                    <a:lstStyle/>
+                    <a:p>
+                      <a:pPr indent="0" lvl="0" marL="0" rtl="0" algn="l">
+                        <a:spcBef>
+                          <a:spcPts val="0"/>
+                        </a:spcBef>
+                        <a:spcAft>
+                          <a:spcPts val="0"/>
+                        </a:spcAft>
+                        <a:buNone/>
+                      </a:pPr>
+                      <a:r>
+                        <a:rPr lang="en-US"/>
+                        <a:t>1</a:t>
+                      </a:r>
+                      <a:endParaRPr/>
+                    </a:p>
+                  </a:txBody>
+                  <a:tcPr marT="91425" marB="91425" marR="91425" marL="91425"/>
+                </a:tc>
+                <a:tc>
+                  <a:txBody>
+                    <a:bodyPr/>
+                    <a:lstStyle/>
+                    <a:p>
+                      <a:pPr indent="0" lvl="0" marL="0" rtl="0" algn="l">
+                        <a:spcBef>
+                          <a:spcPts val="0"/>
+                        </a:spcBef>
+                        <a:spcAft>
+                          <a:spcPts val="0"/>
+                        </a:spcAft>
+                        <a:buNone/>
+                      </a:pPr>
+                      <a:r>
+                        <a:rPr lang="en-US"/>
+                        <a:t>1</a:t>
+                      </a:r>
+                      <a:endParaRPr/>
+                    </a:p>
+                  </a:txBody>
+                  <a:tcPr marT="91425" marB="91425" marR="91425" marL="91425"/>
+                </a:tc>
+                <a:tc>
+                  <a:txBody>
+                    <a:bodyPr/>
+                    <a:lstStyle/>
+                    <a:p>
+                      <a:pPr indent="0" lvl="0" marL="0" rtl="0" algn="l">
+                        <a:spcBef>
+                          <a:spcPts val="0"/>
+                        </a:spcBef>
+                        <a:spcAft>
+                          <a:spcPts val="0"/>
+                        </a:spcAft>
+                        <a:buNone/>
+                      </a:pPr>
+                      <a:r>
+                        <a:rPr lang="en-US"/>
+                        <a:t>1</a:t>
+                      </a:r>
+                      <a:endParaRPr/>
+                    </a:p>
+                  </a:txBody>
+                  <a:tcPr marT="91425" marB="91425" marR="91425" marL="91425"/>
+                </a:tc>
+              </a:tr>
+              <a:tr h="381000">
+                <a:tc>
+                  <a:txBody>
+                    <a:bodyPr/>
+                    <a:lstStyle/>
+                    <a:p>
+                      <a:pPr indent="0" lvl="0" marL="0" rtl="0" algn="l">
+                        <a:spcBef>
+                          <a:spcPts val="0"/>
+                        </a:spcBef>
+                        <a:spcAft>
+                          <a:spcPts val="0"/>
+                        </a:spcAft>
+                        <a:buNone/>
+                      </a:pPr>
+                      <a:r>
+                        <a:rPr lang="en-US"/>
+                        <a:t>1</a:t>
+                      </a:r>
+                      <a:endParaRPr/>
+                    </a:p>
+                  </a:txBody>
+                  <a:tcPr marT="91425" marB="91425" marR="91425" marL="91425"/>
+                </a:tc>
+                <a:tc>
+                  <a:txBody>
+                    <a:bodyPr/>
+                    <a:lstStyle/>
+                    <a:p>
+                      <a:pPr indent="0" lvl="0" marL="0" rtl="0" algn="l">
+                        <a:spcBef>
+                          <a:spcPts val="0"/>
+                        </a:spcBef>
+                        <a:spcAft>
+                          <a:spcPts val="0"/>
+                        </a:spcAft>
+                        <a:buNone/>
+                      </a:pPr>
+                      <a:r>
+                        <a:rPr lang="en-US"/>
+                        <a:t>1</a:t>
+                      </a:r>
+                      <a:endParaRPr/>
+                    </a:p>
+                  </a:txBody>
+                  <a:tcPr marT="91425" marB="91425" marR="91425" marL="91425"/>
+                </a:tc>
+                <a:tc>
+                  <a:txBody>
+                    <a:bodyPr/>
+                    <a:lstStyle/>
+                    <a:p>
+                      <a:pPr indent="0" lvl="0" marL="0" rtl="0" algn="l">
+                        <a:spcBef>
+                          <a:spcPts val="0"/>
+                        </a:spcBef>
+                        <a:spcAft>
+                          <a:spcPts val="0"/>
+                        </a:spcAft>
+                        <a:buNone/>
+                      </a:pPr>
+                      <a:r>
+                        <a:rPr lang="en-US"/>
+                        <a:t>1</a:t>
+                      </a:r>
+                      <a:endParaRPr/>
+                    </a:p>
+                  </a:txBody>
+                  <a:tcPr marT="91425" marB="91425" marR="91425" marL="91425"/>
+                </a:tc>
+              </a:tr>
+              <a:tr h="381000">
+                <a:tc>
+                  <a:txBody>
+                    <a:bodyPr/>
+                    <a:lstStyle/>
+                    <a:p>
+                      <a:pPr indent="0" lvl="0" marL="0" rtl="0" algn="l">
+                        <a:spcBef>
+                          <a:spcPts val="0"/>
+                        </a:spcBef>
+                        <a:spcAft>
+                          <a:spcPts val="0"/>
+                        </a:spcAft>
+                        <a:buNone/>
+                      </a:pPr>
+                      <a:r>
+                        <a:rPr lang="en-US"/>
+                        <a:t>1</a:t>
+                      </a:r>
+                      <a:endParaRPr/>
+                    </a:p>
+                  </a:txBody>
+                  <a:tcPr marT="91425" marB="91425" marR="91425" marL="91425"/>
+                </a:tc>
+                <a:tc>
+                  <a:txBody>
+                    <a:bodyPr/>
+                    <a:lstStyle/>
+                    <a:p>
+                      <a:pPr indent="0" lvl="0" marL="0" rtl="0" algn="l">
+                        <a:spcBef>
+                          <a:spcPts val="0"/>
+                        </a:spcBef>
+                        <a:spcAft>
+                          <a:spcPts val="0"/>
+                        </a:spcAft>
+                        <a:buNone/>
+                      </a:pPr>
+                      <a:r>
+                        <a:rPr lang="en-US"/>
+                        <a:t>1</a:t>
+                      </a:r>
+                      <a:endParaRPr/>
+                    </a:p>
+                  </a:txBody>
+                  <a:tcPr marT="91425" marB="91425" marR="91425" marL="91425"/>
+                </a:tc>
+                <a:tc>
+                  <a:txBody>
+                    <a:bodyPr/>
+                    <a:lstStyle/>
+                    <a:p>
+                      <a:pPr indent="0" lvl="0" marL="0" rtl="0" algn="l">
+                        <a:spcBef>
+                          <a:spcPts val="0"/>
+                        </a:spcBef>
+                        <a:spcAft>
+                          <a:spcPts val="0"/>
+                        </a:spcAft>
+                        <a:buNone/>
+                      </a:pPr>
+                      <a:r>
+                        <a:rPr lang="en-US"/>
+                        <a:t>1</a:t>
+                      </a:r>
+                      <a:endParaRPr/>
+                    </a:p>
+                  </a:txBody>
+                  <a:tcPr marT="91425" marB="91425" marR="91425" marL="91425"/>
+                </a:tc>
+              </a:tr>
+            </a:tbl>
+          </a:graphicData>
+        </a:graphic>
+      </p:graphicFrame>
+      <p:graphicFrame>
+        <p:nvGraphicFramePr>
+          <p:cNvPr id="156" name="Google Shape;156;p12"/>
+          <p:cNvGraphicFramePr/>
+          <p:nvPr/>
+        </p:nvGraphicFramePr>
+        <p:xfrm>
+          <a:off x="4367375" y="5081150"/>
+          <a:ext cx="3000000" cy="3000000"/>
+        </p:xfrm>
+        <a:graphic>
+          <a:graphicData uri="http://schemas.openxmlformats.org/drawingml/2006/table">
+            <a:tbl>
+              <a:tblPr>
+                <a:noFill/>
+                <a:tableStyleId>{439280B0-F447-4D44-ABE0-3E711CF2670E}</a:tableStyleId>
+              </a:tblPr>
+              <a:tblGrid>
+                <a:gridCol w="384050"/>
+                <a:gridCol w="384050"/>
+                <a:gridCol w="384050"/>
+              </a:tblGrid>
+              <a:tr h="381000">
+                <a:tc>
+                  <a:txBody>
+                    <a:bodyPr/>
+                    <a:lstStyle/>
+                    <a:p>
+                      <a:pPr indent="0" lvl="0" marL="0" rtl="0" algn="l">
+                        <a:spcBef>
+                          <a:spcPts val="0"/>
+                        </a:spcBef>
+                        <a:spcAft>
+                          <a:spcPts val="0"/>
+                        </a:spcAft>
+                        <a:buNone/>
+                      </a:pPr>
+                      <a:r>
+                        <a:rPr lang="en-US"/>
+                        <a:t>1</a:t>
+                      </a:r>
+                      <a:endParaRPr/>
+                    </a:p>
+                  </a:txBody>
+                  <a:tcPr marT="91425" marB="91425" marR="91425" marL="91425"/>
+                </a:tc>
+                <a:tc>
+                  <a:txBody>
+                    <a:bodyPr/>
+                    <a:lstStyle/>
+                    <a:p>
+                      <a:pPr indent="0" lvl="0" marL="0" rtl="0" algn="l">
+                        <a:spcBef>
+                          <a:spcPts val="0"/>
+                        </a:spcBef>
+                        <a:spcAft>
+                          <a:spcPts val="0"/>
+                        </a:spcAft>
+                        <a:buNone/>
+                      </a:pPr>
+                      <a:r>
+                        <a:rPr lang="en-US"/>
+                        <a:t>1</a:t>
+                      </a:r>
+                      <a:endParaRPr/>
+                    </a:p>
+                  </a:txBody>
+                  <a:tcPr marT="91425" marB="91425" marR="91425" marL="91425"/>
+                </a:tc>
+                <a:tc>
+                  <a:txBody>
+                    <a:bodyPr/>
+                    <a:lstStyle/>
+                    <a:p>
+                      <a:pPr indent="0" lvl="0" marL="0" rtl="0" algn="l">
+                        <a:spcBef>
+                          <a:spcPts val="0"/>
+                        </a:spcBef>
+                        <a:spcAft>
+                          <a:spcPts val="0"/>
+                        </a:spcAft>
+                        <a:buNone/>
+                      </a:pPr>
+                      <a:r>
+                        <a:rPr lang="en-US"/>
+                        <a:t>1</a:t>
+                      </a:r>
+                      <a:endParaRPr/>
+                    </a:p>
+                  </a:txBody>
+                  <a:tcPr marT="91425" marB="91425" marR="91425" marL="91425"/>
+                </a:tc>
+              </a:tr>
+              <a:tr h="381000">
+                <a:tc>
+                  <a:txBody>
+                    <a:bodyPr/>
+                    <a:lstStyle/>
+                    <a:p>
+                      <a:pPr indent="0" lvl="0" marL="0" rtl="0" algn="l">
+                        <a:spcBef>
+                          <a:spcPts val="0"/>
+                        </a:spcBef>
+                        <a:spcAft>
+                          <a:spcPts val="0"/>
+                        </a:spcAft>
+                        <a:buNone/>
+                      </a:pPr>
+                      <a:r>
+                        <a:rPr lang="en-US"/>
+                        <a:t>1</a:t>
+                      </a:r>
+                      <a:endParaRPr/>
+                    </a:p>
+                  </a:txBody>
+                  <a:tcPr marT="91425" marB="91425" marR="91425" marL="91425"/>
+                </a:tc>
+                <a:tc>
+                  <a:txBody>
+                    <a:bodyPr/>
+                    <a:lstStyle/>
+                    <a:p>
+                      <a:pPr indent="0" lvl="0" marL="0" rtl="0" algn="l">
+                        <a:spcBef>
+                          <a:spcPts val="0"/>
+                        </a:spcBef>
+                        <a:spcAft>
+                          <a:spcPts val="0"/>
+                        </a:spcAft>
+                        <a:buNone/>
+                      </a:pPr>
+                      <a:r>
+                        <a:rPr lang="en-US"/>
+                        <a:t>1</a:t>
+                      </a:r>
+                      <a:endParaRPr/>
+                    </a:p>
+                  </a:txBody>
+                  <a:tcPr marT="91425" marB="91425" marR="91425" marL="91425"/>
+                </a:tc>
+                <a:tc>
+                  <a:txBody>
+                    <a:bodyPr/>
+                    <a:lstStyle/>
+                    <a:p>
+                      <a:pPr indent="0" lvl="0" marL="0" rtl="0" algn="l">
+                        <a:spcBef>
+                          <a:spcPts val="0"/>
+                        </a:spcBef>
+                        <a:spcAft>
+                          <a:spcPts val="0"/>
+                        </a:spcAft>
+                        <a:buNone/>
+                      </a:pPr>
+                      <a:r>
+                        <a:rPr lang="en-US"/>
+                        <a:t>1</a:t>
+                      </a:r>
+                      <a:endParaRPr/>
+                    </a:p>
+                  </a:txBody>
+                  <a:tcPr marT="91425" marB="91425" marR="91425" marL="91425"/>
+                </a:tc>
+              </a:tr>
+              <a:tr h="381000">
+                <a:tc>
+                  <a:txBody>
+                    <a:bodyPr/>
+                    <a:lstStyle/>
+                    <a:p>
+                      <a:pPr indent="0" lvl="0" marL="0" rtl="0" algn="l">
+                        <a:spcBef>
+                          <a:spcPts val="0"/>
+                        </a:spcBef>
+                        <a:spcAft>
+                          <a:spcPts val="0"/>
+                        </a:spcAft>
+                        <a:buNone/>
+                      </a:pPr>
+                      <a:r>
+                        <a:rPr lang="en-US"/>
+                        <a:t>1</a:t>
+                      </a:r>
+                      <a:endParaRPr/>
+                    </a:p>
+                  </a:txBody>
+                  <a:tcPr marT="91425" marB="91425" marR="91425" marL="91425"/>
+                </a:tc>
+                <a:tc>
+                  <a:txBody>
+                    <a:bodyPr/>
+                    <a:lstStyle/>
+                    <a:p>
+                      <a:pPr indent="0" lvl="0" marL="0" rtl="0" algn="l">
+                        <a:spcBef>
+                          <a:spcPts val="0"/>
+                        </a:spcBef>
+                        <a:spcAft>
+                          <a:spcPts val="0"/>
+                        </a:spcAft>
+                        <a:buNone/>
+                      </a:pPr>
+                      <a:r>
+                        <a:rPr lang="en-US"/>
+                        <a:t>1</a:t>
+                      </a:r>
+                      <a:endParaRPr/>
+                    </a:p>
+                  </a:txBody>
+                  <a:tcPr marT="91425" marB="91425" marR="91425" marL="91425"/>
+                </a:tc>
+                <a:tc>
+                  <a:txBody>
+                    <a:bodyPr/>
+                    <a:lstStyle/>
+                    <a:p>
+                      <a:pPr indent="0" lvl="0" marL="0" rtl="0" algn="l">
+                        <a:spcBef>
+                          <a:spcPts val="0"/>
+                        </a:spcBef>
+                        <a:spcAft>
+                          <a:spcPts val="0"/>
+                        </a:spcAft>
+                        <a:buNone/>
+                      </a:pPr>
+                      <a:r>
+                        <a:rPr lang="en-US"/>
+                        <a:t>1</a:t>
+                      </a:r>
+                      <a:endParaRPr/>
+                    </a:p>
+                  </a:txBody>
+                  <a:tcPr marT="91425" marB="91425" marR="91425" marL="91425"/>
+                </a:tc>
+              </a:tr>
+            </a:tbl>
+          </a:graphicData>
+        </a:graphic>
+      </p:graphicFrame>
+      <p:graphicFrame>
+        <p:nvGraphicFramePr>
+          <p:cNvPr id="157" name="Google Shape;157;p12"/>
+          <p:cNvGraphicFramePr/>
+          <p:nvPr/>
+        </p:nvGraphicFramePr>
+        <p:xfrm>
+          <a:off x="6753975" y="5081150"/>
+          <a:ext cx="3000000" cy="3000000"/>
+        </p:xfrm>
+        <a:graphic>
+          <a:graphicData uri="http://schemas.openxmlformats.org/drawingml/2006/table">
+            <a:tbl>
+              <a:tblPr>
+                <a:noFill/>
+                <a:tableStyleId>{439280B0-F447-4D44-ABE0-3E711CF2670E}</a:tableStyleId>
+              </a:tblPr>
+              <a:tblGrid>
+                <a:gridCol w="382850"/>
+                <a:gridCol w="382850"/>
+                <a:gridCol w="382850"/>
+              </a:tblGrid>
+              <a:tr h="392400">
+                <a:tc>
+                  <a:txBody>
+                    <a:bodyPr/>
+                    <a:lstStyle/>
+                    <a:p>
+                      <a:pPr indent="0" lvl="0" marL="0" rtl="0" algn="l">
+                        <a:spcBef>
+                          <a:spcPts val="0"/>
+                        </a:spcBef>
+                        <a:spcAft>
+                          <a:spcPts val="0"/>
+                        </a:spcAft>
+                        <a:buNone/>
+                      </a:pPr>
+                      <a:r>
+                        <a:rPr lang="en-US"/>
+                        <a:t>1</a:t>
+                      </a:r>
+                      <a:endParaRPr/>
+                    </a:p>
+                  </a:txBody>
+                  <a:tcPr marT="91425" marB="91425" marR="91425" marL="91425"/>
+                </a:tc>
+                <a:tc>
+                  <a:txBody>
+                    <a:bodyPr/>
+                    <a:lstStyle/>
+                    <a:p>
+                      <a:pPr indent="0" lvl="0" marL="0" rtl="0" algn="l">
+                        <a:spcBef>
+                          <a:spcPts val="0"/>
+                        </a:spcBef>
+                        <a:spcAft>
+                          <a:spcPts val="0"/>
+                        </a:spcAft>
+                        <a:buNone/>
+                      </a:pPr>
+                      <a:r>
+                        <a:rPr lang="en-US"/>
+                        <a:t>1</a:t>
+                      </a:r>
+                      <a:endParaRPr/>
+                    </a:p>
+                  </a:txBody>
+                  <a:tcPr marT="91425" marB="91425" marR="91425" marL="91425"/>
+                </a:tc>
+                <a:tc>
+                  <a:txBody>
+                    <a:bodyPr/>
+                    <a:lstStyle/>
+                    <a:p>
+                      <a:pPr indent="0" lvl="0" marL="0" rtl="0" algn="l">
+                        <a:spcBef>
+                          <a:spcPts val="0"/>
+                        </a:spcBef>
+                        <a:spcAft>
+                          <a:spcPts val="0"/>
+                        </a:spcAft>
+                        <a:buNone/>
+                      </a:pPr>
+                      <a:r>
+                        <a:rPr lang="en-US"/>
+                        <a:t>1</a:t>
+                      </a:r>
+                      <a:endParaRPr/>
+                    </a:p>
+                  </a:txBody>
+                  <a:tcPr marT="91425" marB="91425" marR="91425" marL="91425"/>
+                </a:tc>
+              </a:tr>
+              <a:tr h="392400">
+                <a:tc>
+                  <a:txBody>
+                    <a:bodyPr/>
+                    <a:lstStyle/>
+                    <a:p>
+                      <a:pPr indent="0" lvl="0" marL="0" rtl="0" algn="l">
+                        <a:spcBef>
+                          <a:spcPts val="0"/>
+                        </a:spcBef>
+                        <a:spcAft>
+                          <a:spcPts val="0"/>
+                        </a:spcAft>
+                        <a:buNone/>
+                      </a:pPr>
+                      <a:r>
+                        <a:rPr lang="en-US"/>
+                        <a:t>1</a:t>
+                      </a:r>
+                      <a:endParaRPr/>
+                    </a:p>
+                  </a:txBody>
+                  <a:tcPr marT="91425" marB="91425" marR="91425" marL="91425"/>
+                </a:tc>
+                <a:tc>
+                  <a:txBody>
+                    <a:bodyPr/>
+                    <a:lstStyle/>
+                    <a:p>
+                      <a:pPr indent="0" lvl="0" marL="0" rtl="0" algn="l">
+                        <a:spcBef>
+                          <a:spcPts val="0"/>
+                        </a:spcBef>
+                        <a:spcAft>
+                          <a:spcPts val="0"/>
+                        </a:spcAft>
+                        <a:buNone/>
+                      </a:pPr>
+                      <a:r>
+                        <a:rPr lang="en-US"/>
+                        <a:t>1</a:t>
+                      </a:r>
+                      <a:endParaRPr/>
+                    </a:p>
+                  </a:txBody>
+                  <a:tcPr marT="91425" marB="91425" marR="91425" marL="91425"/>
+                </a:tc>
+                <a:tc>
+                  <a:txBody>
+                    <a:bodyPr/>
+                    <a:lstStyle/>
+                    <a:p>
+                      <a:pPr indent="0" lvl="0" marL="0" rtl="0" algn="l">
+                        <a:spcBef>
+                          <a:spcPts val="0"/>
+                        </a:spcBef>
+                        <a:spcAft>
+                          <a:spcPts val="0"/>
+                        </a:spcAft>
+                        <a:buNone/>
+                      </a:pPr>
+                      <a:r>
+                        <a:rPr lang="en-US"/>
+                        <a:t>1</a:t>
+                      </a:r>
+                      <a:endParaRPr/>
+                    </a:p>
+                  </a:txBody>
+                  <a:tcPr marT="91425" marB="91425" marR="91425" marL="91425"/>
+                </a:tc>
+              </a:tr>
+              <a:tr h="392400">
+                <a:tc>
+                  <a:txBody>
+                    <a:bodyPr/>
+                    <a:lstStyle/>
+                    <a:p>
+                      <a:pPr indent="0" lvl="0" marL="0" rtl="0" algn="l">
+                        <a:spcBef>
+                          <a:spcPts val="0"/>
+                        </a:spcBef>
+                        <a:spcAft>
+                          <a:spcPts val="0"/>
+                        </a:spcAft>
+                        <a:buNone/>
+                      </a:pPr>
+                      <a:r>
+                        <a:rPr lang="en-US"/>
+                        <a:t>1</a:t>
+                      </a:r>
+                      <a:endParaRPr/>
+                    </a:p>
+                  </a:txBody>
+                  <a:tcPr marT="91425" marB="91425" marR="91425" marL="91425"/>
+                </a:tc>
+                <a:tc>
+                  <a:txBody>
+                    <a:bodyPr/>
+                    <a:lstStyle/>
+                    <a:p>
+                      <a:pPr indent="0" lvl="0" marL="0" rtl="0" algn="l">
+                        <a:spcBef>
+                          <a:spcPts val="0"/>
+                        </a:spcBef>
+                        <a:spcAft>
+                          <a:spcPts val="0"/>
+                        </a:spcAft>
+                        <a:buNone/>
+                      </a:pPr>
+                      <a:r>
+                        <a:rPr lang="en-US"/>
+                        <a:t>1</a:t>
+                      </a:r>
+                      <a:endParaRPr/>
+                    </a:p>
+                  </a:txBody>
+                  <a:tcPr marT="91425" marB="91425" marR="91425" marL="91425"/>
+                </a:tc>
+                <a:tc>
+                  <a:txBody>
+                    <a:bodyPr/>
+                    <a:lstStyle/>
+                    <a:p>
+                      <a:pPr indent="0" lvl="0" marL="0" rtl="0" algn="l">
+                        <a:spcBef>
+                          <a:spcPts val="0"/>
+                        </a:spcBef>
+                        <a:spcAft>
+                          <a:spcPts val="0"/>
+                        </a:spcAft>
+                        <a:buNone/>
+                      </a:pPr>
+                      <a:r>
+                        <a:rPr lang="en-US"/>
+                        <a:t>1</a:t>
+                      </a:r>
+                      <a:endParaRPr/>
+                    </a:p>
+                  </a:txBody>
+                  <a:tcPr marT="91425" marB="91425" marR="91425" marL="91425"/>
+                </a:tc>
+              </a:tr>
+            </a:tbl>
+          </a:graphicData>
+        </a:graphic>
+      </p:graphicFrame>
+      <p:sp>
+        <p:nvSpPr>
+          <p:cNvPr id="158" name="Google Shape;158;p12"/>
+          <p:cNvSpPr txBox="1"/>
+          <p:nvPr/>
+        </p:nvSpPr>
+        <p:spPr>
+          <a:xfrm>
+            <a:off x="3985300" y="5501863"/>
+            <a:ext cx="273600" cy="254400"/>
+          </a:xfrm>
+          <a:prstGeom prst="rect">
+            <a:avLst/>
+          </a:prstGeom>
+          <a:noFill/>
+          <a:ln>
+            <a:noFill/>
+          </a:ln>
+        </p:spPr>
+        <p:txBody>
+          <a:bodyPr anchorCtr="0" anchor="t" bIns="91425" lIns="91425" spcFirstLastPara="1" rIns="91425" wrap="square" tIns="91425">
+            <a:noAutofit/>
+          </a:bodyPr>
+          <a:lstStyle/>
+          <a:p>
+            <a:pPr indent="0" lvl="0" marL="0" rtl="0" algn="l">
+              <a:spcBef>
+                <a:spcPts val="0"/>
+              </a:spcBef>
+              <a:spcAft>
+                <a:spcPts val="0"/>
+              </a:spcAft>
+              <a:buNone/>
+            </a:pPr>
+            <a:r>
+              <a:rPr lang="en-US">
+                <a:latin typeface="Calibri"/>
+                <a:ea typeface="Calibri"/>
+                <a:cs typeface="Calibri"/>
+                <a:sym typeface="Calibri"/>
               </a:rPr>
-              <a:t>https://docs.nvidia.com/cuda/cuda-c-programming-guide/index.html</a:t>
+              <a:t>-</a:t>
             </a:r>
-            <a:endParaRPr sz="2380"/>
+            <a:endParaRPr>
+              <a:latin typeface="Calibri"/>
+              <a:ea typeface="Calibri"/>
+              <a:cs typeface="Calibri"/>
+              <a:sym typeface="Calibri"/>
+            </a:endParaRPr>
+          </a:p>
+        </p:txBody>
+      </p:sp>
+      <p:sp>
+        <p:nvSpPr>
+          <p:cNvPr id="159" name="Google Shape;159;p12"/>
+          <p:cNvSpPr txBox="1"/>
+          <p:nvPr/>
+        </p:nvSpPr>
+        <p:spPr>
+          <a:xfrm>
+            <a:off x="2669625" y="6395775"/>
+            <a:ext cx="905700" cy="254400"/>
+          </a:xfrm>
+          <a:prstGeom prst="rect">
+            <a:avLst/>
+          </a:prstGeom>
+          <a:noFill/>
+          <a:ln>
+            <a:noFill/>
+          </a:ln>
+        </p:spPr>
+        <p:txBody>
+          <a:bodyPr anchorCtr="0" anchor="t" bIns="91425" lIns="91425" spcFirstLastPara="1" rIns="91425" wrap="square" tIns="91425">
+            <a:noAutofit/>
+          </a:bodyPr>
+          <a:lstStyle/>
+          <a:p>
+            <a:pPr indent="0" lvl="0" marL="0" rtl="0" algn="l">
+              <a:spcBef>
+                <a:spcPts val="0"/>
+              </a:spcBef>
+              <a:spcAft>
+                <a:spcPts val="0"/>
+              </a:spcAft>
+              <a:buNone/>
+            </a:pPr>
+            <a:r>
+              <a:rPr lang="en-US">
+                <a:latin typeface="Calibri"/>
+                <a:ea typeface="Calibri"/>
+                <a:cs typeface="Calibri"/>
+                <a:sym typeface="Calibri"/>
+              </a:rPr>
+              <a:t>A</a:t>
+            </a:r>
+            <a:endParaRPr>
+              <a:latin typeface="Calibri"/>
+              <a:ea typeface="Calibri"/>
+              <a:cs typeface="Calibri"/>
+              <a:sym typeface="Calibri"/>
+            </a:endParaRPr>
+          </a:p>
+        </p:txBody>
+      </p:sp>
+      <p:sp>
+        <p:nvSpPr>
+          <p:cNvPr id="160" name="Google Shape;160;p12"/>
+          <p:cNvSpPr txBox="1"/>
+          <p:nvPr/>
+        </p:nvSpPr>
+        <p:spPr>
+          <a:xfrm>
+            <a:off x="4716350" y="6395775"/>
+            <a:ext cx="905700" cy="254400"/>
+          </a:xfrm>
+          <a:prstGeom prst="rect">
+            <a:avLst/>
+          </a:prstGeom>
+          <a:noFill/>
+          <a:ln>
+            <a:noFill/>
+          </a:ln>
+        </p:spPr>
+        <p:txBody>
+          <a:bodyPr anchorCtr="0" anchor="t" bIns="91425" lIns="91425" spcFirstLastPara="1" rIns="91425" wrap="square" tIns="91425">
+            <a:noAutofit/>
+          </a:bodyPr>
+          <a:lstStyle/>
+          <a:p>
+            <a:pPr indent="0" lvl="0" marL="0" rtl="0" algn="l">
+              <a:spcBef>
+                <a:spcPts val="0"/>
+              </a:spcBef>
+              <a:spcAft>
+                <a:spcPts val="0"/>
+              </a:spcAft>
+              <a:buNone/>
+            </a:pPr>
+            <a:r>
+              <a:rPr lang="en-US">
+                <a:latin typeface="Calibri"/>
+                <a:ea typeface="Calibri"/>
+                <a:cs typeface="Calibri"/>
+                <a:sym typeface="Calibri"/>
+              </a:rPr>
+              <a:t>B</a:t>
+            </a:r>
+            <a:endParaRPr>
+              <a:latin typeface="Calibri"/>
+              <a:ea typeface="Calibri"/>
+              <a:cs typeface="Calibri"/>
+              <a:sym typeface="Calibri"/>
+            </a:endParaRPr>
+          </a:p>
+        </p:txBody>
+      </p:sp>
+      <p:sp>
+        <p:nvSpPr>
+          <p:cNvPr id="161" name="Google Shape;161;p12"/>
+          <p:cNvSpPr txBox="1"/>
+          <p:nvPr/>
+        </p:nvSpPr>
+        <p:spPr>
+          <a:xfrm>
+            <a:off x="7307400" y="6395775"/>
+            <a:ext cx="905700" cy="254400"/>
+          </a:xfrm>
+          <a:prstGeom prst="rect">
+            <a:avLst/>
+          </a:prstGeom>
+          <a:noFill/>
+          <a:ln>
+            <a:noFill/>
+          </a:ln>
+        </p:spPr>
+        <p:txBody>
+          <a:bodyPr anchorCtr="0" anchor="t" bIns="91425" lIns="91425" spcFirstLastPara="1" rIns="91425" wrap="square" tIns="91425">
+            <a:noAutofit/>
+          </a:bodyPr>
+          <a:lstStyle/>
+          <a:p>
+            <a:pPr indent="0" lvl="0" marL="0" rtl="0" algn="l">
+              <a:spcBef>
+                <a:spcPts val="0"/>
+              </a:spcBef>
+              <a:spcAft>
+                <a:spcPts val="0"/>
+              </a:spcAft>
+              <a:buNone/>
+            </a:pPr>
+            <a:r>
+              <a:rPr lang="en-US">
+                <a:latin typeface="Calibri"/>
+                <a:ea typeface="Calibri"/>
+                <a:cs typeface="Calibri"/>
+                <a:sym typeface="Calibri"/>
+              </a:rPr>
+              <a:t>C</a:t>
+            </a:r>
+            <a:endParaRPr>
+              <a:latin typeface="Calibri"/>
+              <a:ea typeface="Calibri"/>
+              <a:cs typeface="Calibri"/>
+              <a:sym typeface="Calibri"/>
+            </a:endParaRPr>
+          </a:p>
+        </p:txBody>
+      </p:sp>
+      <p:sp>
+        <p:nvSpPr>
+          <p:cNvPr id="162" name="Google Shape;162;p12"/>
+          <p:cNvSpPr txBox="1"/>
+          <p:nvPr/>
+        </p:nvSpPr>
+        <p:spPr>
+          <a:xfrm>
+            <a:off x="6235138" y="5611538"/>
+            <a:ext cx="273600" cy="254400"/>
+          </a:xfrm>
+          <a:prstGeom prst="rect">
+            <a:avLst/>
+          </a:prstGeom>
+          <a:noFill/>
+          <a:ln>
+            <a:noFill/>
+          </a:ln>
+        </p:spPr>
+        <p:txBody>
+          <a:bodyPr anchorCtr="0" anchor="t" bIns="91425" lIns="91425" spcFirstLastPara="1" rIns="91425" wrap="square" tIns="91425">
+            <a:noAutofit/>
+          </a:bodyPr>
+          <a:lstStyle/>
+          <a:p>
+            <a:pPr indent="0" lvl="0" marL="0" rtl="0" algn="l">
+              <a:spcBef>
+                <a:spcPts val="0"/>
+              </a:spcBef>
+              <a:spcAft>
+                <a:spcPts val="0"/>
+              </a:spcAft>
+              <a:buNone/>
+            </a:pPr>
+            <a:r>
+              <a:rPr lang="en-US">
+                <a:latin typeface="Calibri"/>
+                <a:ea typeface="Calibri"/>
+                <a:cs typeface="Calibri"/>
+                <a:sym typeface="Calibri"/>
+              </a:rPr>
+              <a:t>=</a:t>
+            </a:r>
+            <a:endParaRPr>
+              <a:latin typeface="Calibri"/>
+              <a:ea typeface="Calibri"/>
+              <a:cs typeface="Calibri"/>
+              <a:sym typeface="Calibri"/>
+            </a:endParaRPr>
           </a:p>
         </p:txBody>
       </p:sp>
@@ -13537,7 +14508,7 @@
   <p:cSld>
     <p:spTree>
       <p:nvGrpSpPr>
-        <p:cNvPr id="171" name="Shape 171"/>
+        <p:cNvPr id="166" name="Shape 166"/>
         <p:cNvGrpSpPr/>
         <p:nvPr/>
       </p:nvGrpSpPr>
@@ -13551,7 +14522,7 @@
       </p:grpSpPr>
       <p:sp>
         <p:nvSpPr>
-          <p:cNvPr id="172" name="Google Shape;172;p13"/>
+          <p:cNvPr id="167" name="Google Shape;167;p13"/>
           <p:cNvSpPr txBox="1"/>
           <p:nvPr>
             <p:ph type="title"/>
@@ -13595,7 +14566,7 @@
             </a:pPr>
             <a:r>
               <a:rPr lang="en-US"/>
-              <a:t>Atomic functions limitations</a:t>
+              <a:t>Numba example</a:t>
             </a:r>
             <a:endParaRPr/>
           </a:p>
@@ -13603,16 +14574,14 @@
       </p:sp>
       <p:sp>
         <p:nvSpPr>
-          <p:cNvPr id="173" name="Google Shape;173;p13"/>
-          <p:cNvSpPr txBox="1"/>
-          <p:nvPr>
-            <p:ph idx="1" type="body"/>
-          </p:nvPr>
+          <p:cNvPr id="168" name="Google Shape;168;p13"/>
+          <p:cNvSpPr/>
+          <p:nvPr/>
         </p:nvSpPr>
         <p:spPr>
           <a:xfrm>
-            <a:off x="838200" y="1825625"/>
-            <a:ext cx="10515600" cy="4351338"/>
+            <a:off x="3770722" y="1905506"/>
+            <a:ext cx="7899661" cy="3046988"/>
           </a:xfrm>
           <a:prstGeom prst="rect">
             <a:avLst/>
@@ -13624,121 +14593,359 @@
         </p:spPr>
         <p:txBody>
           <a:bodyPr anchorCtr="0" anchor="t" bIns="45700" lIns="91425" spcFirstLastPara="1" rIns="91425" wrap="square" tIns="45700">
-            <a:normAutofit/>
+            <a:spAutoFit/>
           </a:bodyPr>
           <a:lstStyle/>
           <a:p>
-            <a:pPr indent="-228600" lvl="0" marL="228600" rtl="0" algn="l">
-              <a:lnSpc>
-                <a:spcPct val="90000"/>
-              </a:lnSpc>
-              <a:spcBef>
-                <a:spcPts val="0"/>
-              </a:spcBef>
-              <a:spcAft>
-                <a:spcPts val="0"/>
-              </a:spcAft>
-              <a:buClr>
-                <a:schemeClr val="dk1"/>
-              </a:buClr>
-              <a:buSzPts val="2800"/>
-              <a:buChar char="•"/>
+            <a:pPr indent="0" lvl="0" marL="0" marR="0" rtl="0" algn="l">
+              <a:spcBef>
+                <a:spcPts val="0"/>
+              </a:spcBef>
+              <a:spcAft>
+                <a:spcPts val="0"/>
+              </a:spcAft>
+              <a:buNone/>
             </a:pPr>
             <a:r>
-              <a:rPr lang="en-US"/>
-              <a:t>Atomic functions are slower compared to normal accesses</a:t>
+              <a:rPr lang="en-US" sz="1600">
+                <a:solidFill>
+                  <a:schemeClr val="dk1"/>
+                </a:solidFill>
+                <a:latin typeface="Calibri"/>
+                <a:ea typeface="Calibri"/>
+                <a:cs typeface="Calibri"/>
+                <a:sym typeface="Calibri"/>
+              </a:rPr>
+              <a:t>@cuda.jit</a:t>
+            </a:r>
+            <a:endParaRPr sz="1600">
+              <a:solidFill>
+                <a:schemeClr val="dk1"/>
+              </a:solidFill>
+              <a:latin typeface="Calibri"/>
+              <a:ea typeface="Calibri"/>
+              <a:cs typeface="Calibri"/>
+              <a:sym typeface="Calibri"/>
+            </a:endParaRPr>
+          </a:p>
+          <a:p>
+            <a:pPr indent="0" lvl="0" marL="0" marR="0" rtl="0" algn="l">
+              <a:spcBef>
+                <a:spcPts val="0"/>
+              </a:spcBef>
+              <a:spcAft>
+                <a:spcPts val="0"/>
+              </a:spcAft>
+              <a:buNone/>
+            </a:pPr>
+            <a:r>
+              <a:rPr lang="en-US" sz="1600">
+                <a:solidFill>
+                  <a:schemeClr val="dk1"/>
+                </a:solidFill>
+                <a:latin typeface="Calibri"/>
+                <a:ea typeface="Calibri"/>
+                <a:cs typeface="Calibri"/>
+                <a:sym typeface="Calibri"/>
+              </a:rPr>
+              <a:t>def kernel_op(A, B, C):</a:t>
             </a:r>
             <a:endParaRPr/>
           </a:p>
           <a:p>
-            <a:pPr indent="-228600" lvl="1" marL="685800" rtl="0" algn="l">
-              <a:lnSpc>
-                <a:spcPct val="90000"/>
-              </a:lnSpc>
-              <a:spcBef>
-                <a:spcPts val="500"/>
-              </a:spcBef>
-              <a:spcAft>
-                <a:spcPts val="0"/>
-              </a:spcAft>
-              <a:buClr>
-                <a:schemeClr val="dk1"/>
-              </a:buClr>
-              <a:buSzPts val="2400"/>
-              <a:buChar char="•"/>
+            <a:pPr indent="0" lvl="0" marL="0" marR="0" rtl="0" algn="l">
+              <a:spcBef>
+                <a:spcPts val="0"/>
+              </a:spcBef>
+              <a:spcAft>
+                <a:spcPts val="0"/>
+              </a:spcAft>
+              <a:buNone/>
             </a:pPr>
             <a:r>
-              <a:rPr lang="en-US"/>
-              <a:t>Threads might need to wait idly to get access to a memory location for their atomic operations</a:t>
+              <a:t/>
+            </a:r>
+            <a:endParaRPr sz="1600">
+              <a:solidFill>
+                <a:schemeClr val="dk1"/>
+              </a:solidFill>
+              <a:latin typeface="Calibri"/>
+              <a:ea typeface="Calibri"/>
+              <a:cs typeface="Calibri"/>
+              <a:sym typeface="Calibri"/>
+            </a:endParaRPr>
+          </a:p>
+          <a:p>
+            <a:pPr indent="0" lvl="0" marL="0" marR="0" rtl="0" algn="l">
+              <a:spcBef>
+                <a:spcPts val="0"/>
+              </a:spcBef>
+              <a:spcAft>
+                <a:spcPts val="0"/>
+              </a:spcAft>
+              <a:buNone/>
+            </a:pPr>
+            <a:r>
+              <a:rPr lang="en-US" sz="1600">
+                <a:solidFill>
+                  <a:schemeClr val="dk1"/>
+                </a:solidFill>
+                <a:latin typeface="Calibri"/>
+                <a:ea typeface="Calibri"/>
+                <a:cs typeface="Calibri"/>
+                <a:sym typeface="Calibri"/>
+              </a:rPr>
+              <a:t>    #cuda.grid returns the absolute position of the current thread in the entire grid of blocks</a:t>
             </a:r>
             <a:endParaRPr/>
           </a:p>
           <a:p>
-            <a:pPr indent="-228600" lvl="1" marL="685800" rtl="0" algn="l">
-              <a:lnSpc>
-                <a:spcPct val="90000"/>
-              </a:lnSpc>
-              <a:spcBef>
-                <a:spcPts val="500"/>
-              </a:spcBef>
-              <a:spcAft>
-                <a:spcPts val="0"/>
-              </a:spcAft>
-              <a:buClr>
-                <a:schemeClr val="dk1"/>
-              </a:buClr>
-              <a:buSzPts val="2400"/>
-              <a:buChar char="•"/>
+            <a:pPr indent="0" lvl="0" marL="0" marR="0" rtl="0" algn="l">
+              <a:spcBef>
+                <a:spcPts val="0"/>
+              </a:spcBef>
+              <a:spcAft>
+                <a:spcPts val="0"/>
+              </a:spcAft>
+              <a:buNone/>
             </a:pPr>
             <a:r>
-              <a:rPr lang="en-US"/>
-              <a:t>Performance can thus degrade when many threads need to perform atomic operations on a smaller location</a:t>
+              <a:rPr lang="en-US" sz="1600">
+                <a:solidFill>
+                  <a:schemeClr val="dk1"/>
+                </a:solidFill>
+                <a:latin typeface="Calibri"/>
+                <a:ea typeface="Calibri"/>
+                <a:cs typeface="Calibri"/>
+                <a:sym typeface="Calibri"/>
+              </a:rPr>
+              <a:t>    x, y = cuda.grid(2)</a:t>
             </a:r>
             <a:endParaRPr/>
           </a:p>
           <a:p>
-            <a:pPr indent="-228600" lvl="0" marL="228600" rtl="0" algn="l">
-              <a:lnSpc>
-                <a:spcPct val="90000"/>
-              </a:lnSpc>
-              <a:spcBef>
-                <a:spcPts val="1000"/>
-              </a:spcBef>
-              <a:spcAft>
-                <a:spcPts val="0"/>
-              </a:spcAft>
-              <a:buClr>
-                <a:schemeClr val="dk1"/>
-              </a:buClr>
-              <a:buSzPts val="2800"/>
-              <a:buChar char="•"/>
+            <a:pPr indent="0" lvl="0" marL="0" marR="0" rtl="0" algn="l">
+              <a:spcBef>
+                <a:spcPts val="0"/>
+              </a:spcBef>
+              <a:spcAft>
+                <a:spcPts val="0"/>
+              </a:spcAft>
+              <a:buNone/>
             </a:pPr>
             <a:r>
-              <a:rPr lang="en-US"/>
-              <a:t>Atomic functions perform a limited set of operations with certain data types and might not be useful for complex operations</a:t>
+              <a:t/>
+            </a:r>
+            <a:endParaRPr sz="1600">
+              <a:solidFill>
+                <a:schemeClr val="dk1"/>
+              </a:solidFill>
+              <a:latin typeface="Calibri"/>
+              <a:ea typeface="Calibri"/>
+              <a:cs typeface="Calibri"/>
+              <a:sym typeface="Calibri"/>
+            </a:endParaRPr>
+          </a:p>
+          <a:p>
+            <a:pPr indent="0" lvl="0" marL="0" marR="0" rtl="0" algn="l">
+              <a:spcBef>
+                <a:spcPts val="0"/>
+              </a:spcBef>
+              <a:spcAft>
+                <a:spcPts val="0"/>
+              </a:spcAft>
+              <a:buNone/>
+            </a:pPr>
+            <a:r>
+              <a:rPr lang="en-US" sz="1600">
+                <a:solidFill>
+                  <a:schemeClr val="dk1"/>
+                </a:solidFill>
+                <a:latin typeface="Calibri"/>
+                <a:ea typeface="Calibri"/>
+                <a:cs typeface="Calibri"/>
+                <a:sym typeface="Calibri"/>
+              </a:rPr>
+              <a:t>    if x &gt;= C.shape[0] and y &gt;= C.shape[1]:</a:t>
             </a:r>
             <a:endParaRPr/>
           </a:p>
           <a:p>
-            <a:pPr indent="-228600" lvl="0" marL="228600" rtl="0" algn="l">
-              <a:lnSpc>
-                <a:spcPct val="90000"/>
-              </a:lnSpc>
-              <a:spcBef>
-                <a:spcPts val="1000"/>
-              </a:spcBef>
-              <a:spcAft>
-                <a:spcPts val="0"/>
-              </a:spcAft>
-              <a:buClr>
-                <a:schemeClr val="dk1"/>
-              </a:buClr>
-              <a:buSzPts val="2800"/>
-              <a:buChar char="•"/>
+            <a:pPr indent="0" lvl="0" marL="0" marR="0" rtl="0" algn="l">
+              <a:spcBef>
+                <a:spcPts val="0"/>
+              </a:spcBef>
+              <a:spcAft>
+                <a:spcPts val="0"/>
+              </a:spcAft>
+              <a:buNone/>
             </a:pPr>
             <a:r>
-              <a:rPr lang="en-US"/>
-              <a:t>Since there is no ordering constraints on thread, it does not provide synchronization or barrier</a:t>
+              <a:rPr lang="en-US" sz="1600">
+                <a:solidFill>
+                  <a:schemeClr val="dk1"/>
+                </a:solidFill>
+                <a:latin typeface="Calibri"/>
+                <a:ea typeface="Calibri"/>
+                <a:cs typeface="Calibri"/>
+                <a:sym typeface="Calibri"/>
+              </a:rPr>
+              <a:t>        # Quit if (x, y) is outside of valid C boundary</a:t>
+            </a:r>
+            <a:endParaRPr/>
+          </a:p>
+          <a:p>
+            <a:pPr indent="0" lvl="0" marL="0" marR="0" rtl="0" algn="l">
+              <a:spcBef>
+                <a:spcPts val="0"/>
+              </a:spcBef>
+              <a:spcAft>
+                <a:spcPts val="0"/>
+              </a:spcAft>
+              <a:buNone/>
+            </a:pPr>
+            <a:r>
+              <a:rPr lang="en-US" sz="1600">
+                <a:solidFill>
+                  <a:schemeClr val="dk1"/>
+                </a:solidFill>
+                <a:latin typeface="Calibri"/>
+                <a:ea typeface="Calibri"/>
+                <a:cs typeface="Calibri"/>
+                <a:sym typeface="Calibri"/>
+              </a:rPr>
+              <a:t>        return</a:t>
+            </a:r>
+            <a:endParaRPr/>
+          </a:p>
+          <a:p>
+            <a:pPr indent="0" lvl="0" marL="0" marR="0" rtl="0" algn="l">
+              <a:spcBef>
+                <a:spcPts val="0"/>
+              </a:spcBef>
+              <a:spcAft>
+                <a:spcPts val="0"/>
+              </a:spcAft>
+              <a:buNone/>
+            </a:pPr>
+            <a:r>
+              <a:t/>
+            </a:r>
+            <a:endParaRPr sz="1600">
+              <a:solidFill>
+                <a:schemeClr val="dk1"/>
+              </a:solidFill>
+              <a:latin typeface="Calibri"/>
+              <a:ea typeface="Calibri"/>
+              <a:cs typeface="Calibri"/>
+              <a:sym typeface="Calibri"/>
+            </a:endParaRPr>
+          </a:p>
+          <a:p>
+            <a:pPr indent="0" lvl="0" marL="0" marR="0" rtl="0" algn="l">
+              <a:spcBef>
+                <a:spcPts val="0"/>
+              </a:spcBef>
+              <a:spcAft>
+                <a:spcPts val="0"/>
+              </a:spcAft>
+              <a:buNone/>
+            </a:pPr>
+            <a:r>
+              <a:rPr lang="en-US" sz="1600">
+                <a:solidFill>
+                  <a:schemeClr val="dk1"/>
+                </a:solidFill>
+                <a:latin typeface="Calibri"/>
+                <a:ea typeface="Calibri"/>
+                <a:cs typeface="Calibri"/>
+                <a:sym typeface="Calibri"/>
+              </a:rPr>
+              <a:t>    # Each thread computes one element in the result matrix.</a:t>
+            </a:r>
+            <a:endParaRPr/>
+          </a:p>
+          <a:p>
+            <a:pPr indent="0" lvl="0" marL="0" marR="0" rtl="0" algn="l">
+              <a:spcBef>
+                <a:spcPts val="0"/>
+              </a:spcBef>
+              <a:spcAft>
+                <a:spcPts val="0"/>
+              </a:spcAft>
+              <a:buNone/>
+            </a:pPr>
+            <a:r>
+              <a:rPr lang="en-US" sz="1600">
+                <a:solidFill>
+                  <a:schemeClr val="dk1"/>
+                </a:solidFill>
+                <a:latin typeface="Calibri"/>
+                <a:ea typeface="Calibri"/>
+                <a:cs typeface="Calibri"/>
+                <a:sym typeface="Calibri"/>
+              </a:rPr>
+              <a:t>    C[x,y]=A[x,y]-B[x,y]</a:t>
+            </a:r>
+            <a:endParaRPr/>
+          </a:p>
+        </p:txBody>
+      </p:sp>
+      <p:sp>
+        <p:nvSpPr>
+          <p:cNvPr id="169" name="Google Shape;169;p13"/>
+          <p:cNvSpPr/>
+          <p:nvPr/>
+        </p:nvSpPr>
+        <p:spPr>
+          <a:xfrm>
+            <a:off x="934278" y="2087217"/>
+            <a:ext cx="2345635" cy="2961861"/>
+          </a:xfrm>
+          <a:prstGeom prst="roundRect">
+            <a:avLst>
+              <a:gd fmla="val 16667" name="adj"/>
+            </a:avLst>
+          </a:prstGeom>
+          <a:solidFill>
+            <a:schemeClr val="accent1"/>
+          </a:solidFill>
+          <a:ln cap="flat" cmpd="sng" w="12700">
+            <a:solidFill>
+              <a:srgbClr val="31538F"/>
+            </a:solidFill>
+            <a:prstDash val="solid"/>
+            <a:miter lim="800000"/>
+            <a:headEnd len="sm" w="sm" type="none"/>
+            <a:tailEnd len="sm" w="sm" type="none"/>
+          </a:ln>
+        </p:spPr>
+        <p:txBody>
+          <a:bodyPr anchorCtr="0" anchor="ctr" bIns="45700" lIns="91425" spcFirstLastPara="1" rIns="91425" wrap="square" tIns="45700">
+            <a:noAutofit/>
+          </a:bodyPr>
+          <a:lstStyle/>
+          <a:p>
+            <a:pPr indent="0" lvl="0" marL="0" marR="0" rtl="0" algn="ctr">
+              <a:spcBef>
+                <a:spcPts val="0"/>
+              </a:spcBef>
+              <a:spcAft>
+                <a:spcPts val="0"/>
+              </a:spcAft>
+              <a:buNone/>
+            </a:pPr>
+            <a:r>
+              <a:rPr lang="en-US" sz="1800">
+                <a:solidFill>
+                  <a:schemeClr val="lt1"/>
+                </a:solidFill>
+                <a:latin typeface="Calibri"/>
+                <a:ea typeface="Calibri"/>
+                <a:cs typeface="Calibri"/>
+                <a:sym typeface="Calibri"/>
+              </a:rPr>
+              <a:t>The example shows a kernel which adds elements from 2D array A and B corresponding to thread id</a:t>
             </a:r>
             <a:endParaRPr/>
           </a:p>
@@ -13757,7 +14964,7 @@
   <p:cSld>
     <p:spTree>
       <p:nvGrpSpPr>
-        <p:cNvPr id="177" name="Shape 177"/>
+        <p:cNvPr id="173" name="Shape 173"/>
         <p:cNvGrpSpPr/>
         <p:nvPr/>
       </p:nvGrpSpPr>
@@ -13771,7 +14978,7 @@
       </p:grpSpPr>
       <p:sp>
         <p:nvSpPr>
-          <p:cNvPr id="178" name="Google Shape;178;p14"/>
+          <p:cNvPr id="174" name="Google Shape;174;p14"/>
           <p:cNvSpPr txBox="1"/>
           <p:nvPr>
             <p:ph type="title"/>
@@ -13815,7 +15022,7 @@
             </a:pPr>
             <a:r>
               <a:rPr lang="en-US"/>
-              <a:t>Exercise </a:t>
+              <a:t>Numba example: </a:t>
             </a:r>
             <a:endParaRPr/>
           </a:p>
@@ -13823,16 +15030,14 @@
       </p:sp>
       <p:sp>
         <p:nvSpPr>
-          <p:cNvPr id="179" name="Google Shape;179;p14"/>
-          <p:cNvSpPr txBox="1"/>
-          <p:nvPr>
-            <p:ph idx="1" type="body"/>
-          </p:nvPr>
+          <p:cNvPr id="175" name="Google Shape;175;p14"/>
+          <p:cNvSpPr/>
+          <p:nvPr/>
         </p:nvSpPr>
         <p:spPr>
           <a:xfrm>
-            <a:off x="838200" y="1825625"/>
-            <a:ext cx="10515600" cy="4351338"/>
+            <a:off x="4396034" y="1782050"/>
+            <a:ext cx="7795966" cy="4524315"/>
           </a:xfrm>
           <a:prstGeom prst="rect">
             <a:avLst/>
@@ -13844,276 +15049,721 @@
         </p:spPr>
         <p:txBody>
           <a:bodyPr anchorCtr="0" anchor="t" bIns="45700" lIns="91425" spcFirstLastPara="1" rIns="91425" wrap="square" tIns="45700">
-            <a:normAutofit/>
+            <a:spAutoFit/>
           </a:bodyPr>
           <a:lstStyle/>
           <a:p>
-            <a:pPr indent="-215900" lvl="0" marL="228600" rtl="0" algn="l">
-              <a:lnSpc>
-                <a:spcPct val="90000"/>
-              </a:lnSpc>
-              <a:spcBef>
-                <a:spcPts val="0"/>
-              </a:spcBef>
-              <a:spcAft>
-                <a:spcPts val="0"/>
-              </a:spcAft>
-              <a:buClr>
-                <a:schemeClr val="dk1"/>
-              </a:buClr>
-              <a:buSzPts val="2600"/>
-              <a:buChar char="•"/>
+            <a:pPr indent="0" lvl="0" marL="0" marR="0" rtl="0" algn="l">
+              <a:spcBef>
+                <a:spcPts val="0"/>
+              </a:spcBef>
+              <a:spcAft>
+                <a:spcPts val="0"/>
+              </a:spcAft>
+              <a:buNone/>
             </a:pPr>
             <a:r>
-              <a:rPr lang="en-US" sz="2600"/>
-              <a:t>Exercise 1: Run the given program for atomic addition and analyze the output of with and without atomic function</a:t>
+              <a:rPr lang="en-US" sz="1800">
+                <a:solidFill>
+                  <a:schemeClr val="dk1"/>
+                </a:solidFill>
+                <a:latin typeface="Calibri"/>
+                <a:ea typeface="Calibri"/>
+                <a:cs typeface="Calibri"/>
+                <a:sym typeface="Calibri"/>
+              </a:rPr>
+              <a:t># Initialite the data array</a:t>
             </a:r>
-            <a:endParaRPr sz="2600"/>
+            <a:endParaRPr/>
           </a:p>
           <a:p>
-            <a:pPr indent="-228600" lvl="1" marL="685800" rtl="0" algn="l">
-              <a:lnSpc>
-                <a:spcPct val="90000"/>
-              </a:lnSpc>
-              <a:spcBef>
-                <a:spcPts val="0"/>
-              </a:spcBef>
-              <a:spcAft>
-                <a:spcPts val="0"/>
-              </a:spcAft>
-              <a:buSzPts val="1800"/>
-              <a:buChar char="•"/>
+            <a:pPr indent="0" lvl="0" marL="0" marR="0" rtl="0" algn="l">
+              <a:spcBef>
+                <a:spcPts val="0"/>
+              </a:spcBef>
+              <a:spcAft>
+                <a:spcPts val="0"/>
+              </a:spcAft>
+              <a:buNone/>
             </a:pPr>
             <a:r>
-              <a:rPr lang="en-US" sz="2200"/>
-              <a:t>While using </a:t>
+              <a:rPr lang="en-US" sz="1800">
+                <a:solidFill>
+                  <a:schemeClr val="dk1"/>
+                </a:solidFill>
+                <a:latin typeface="Calibri"/>
+                <a:ea typeface="Calibri"/>
+                <a:cs typeface="Calibri"/>
+                <a:sym typeface="Calibri"/>
+              </a:rPr>
+              <a:t>A = numpy.ones([48,48], dtype = float)</a:t>
             </a:r>
-            <a:r>
-              <a:rPr lang="en-US" sz="850">
-                <a:solidFill>
-                  <a:srgbClr val="DCDCAA"/>
-                </a:solidFill>
-                <a:highlight>
-                  <a:srgbClr val="1E1E1E"/>
-                </a:highlight>
-                <a:latin typeface="Consolas"/>
-                <a:ea typeface="Consolas"/>
-                <a:cs typeface="Consolas"/>
-                <a:sym typeface="Consolas"/>
-              </a:rPr>
-              <a:t>simple_count </a:t>
-            </a:r>
-            <a:r>
-              <a:rPr lang="en-US" sz="2200"/>
-              <a:t>what output do you observe? Run it multiple times and check. Is the output consistent? </a:t>
-            </a:r>
-            <a:endParaRPr sz="2200"/>
+            <a:endParaRPr/>
           </a:p>
           <a:p>
-            <a:pPr indent="-215900" lvl="0" marL="228600" rtl="0" algn="l">
-              <a:lnSpc>
-                <a:spcPct val="90000"/>
-              </a:lnSpc>
-              <a:spcBef>
-                <a:spcPts val="1000"/>
-              </a:spcBef>
-              <a:spcAft>
-                <a:spcPts val="0"/>
-              </a:spcAft>
-              <a:buClr>
-                <a:schemeClr val="dk1"/>
-              </a:buClr>
-              <a:buSzPts val="2600"/>
-              <a:buChar char="•"/>
+            <a:pPr indent="0" lvl="0" marL="0" marR="0" rtl="0" algn="l">
+              <a:spcBef>
+                <a:spcPts val="0"/>
+              </a:spcBef>
+              <a:spcAft>
+                <a:spcPts val="0"/>
+              </a:spcAft>
+              <a:buNone/>
             </a:pPr>
             <a:r>
-              <a:rPr lang="en-US" sz="2600"/>
-              <a:t>Exercise 2:</a:t>
+              <a:rPr lang="en-US" sz="1800">
+                <a:solidFill>
+                  <a:schemeClr val="dk1"/>
+                </a:solidFill>
+                <a:latin typeface="Calibri"/>
+                <a:ea typeface="Calibri"/>
+                <a:cs typeface="Calibri"/>
+                <a:sym typeface="Calibri"/>
+              </a:rPr>
+              <a:t>B = numpy.ones([48,48], dtype =float)</a:t>
             </a:r>
-            <a:endParaRPr sz="2600"/>
+            <a:endParaRPr/>
           </a:p>
           <a:p>
-            <a:pPr indent="-215900" lvl="1" marL="685800" rtl="0" algn="l">
-              <a:lnSpc>
-                <a:spcPct val="90000"/>
-              </a:lnSpc>
-              <a:spcBef>
-                <a:spcPts val="500"/>
-              </a:spcBef>
-              <a:spcAft>
-                <a:spcPts val="0"/>
-              </a:spcAft>
-              <a:buClr>
-                <a:schemeClr val="dk1"/>
-              </a:buClr>
-              <a:buSzPts val="2200"/>
-              <a:buChar char="•"/>
-            </a:pPr>
-            <a:r>
-              <a:rPr lang="en-US" sz="2200"/>
-              <a:t>Using atomicMax to compute max value in the list</a:t>
-            </a:r>
-            <a:endParaRPr sz="2200"/>
-          </a:p>
-          <a:p>
-            <a:pPr indent="-215900" lvl="1" marL="685800" rtl="0" algn="l">
-              <a:lnSpc>
-                <a:spcPct val="90000"/>
-              </a:lnSpc>
-              <a:spcBef>
-                <a:spcPts val="500"/>
-              </a:spcBef>
-              <a:spcAft>
-                <a:spcPts val="0"/>
-              </a:spcAft>
-              <a:buClr>
-                <a:schemeClr val="dk1"/>
-              </a:buClr>
-              <a:buSzPts val="2200"/>
-              <a:buChar char="•"/>
-            </a:pPr>
-            <a:r>
-              <a:rPr lang="en-US" sz="2200"/>
-              <a:t>Create a list of size 900,000 and set the values from 1 to 900,000</a:t>
-            </a:r>
-            <a:endParaRPr sz="2200"/>
-          </a:p>
-          <a:p>
-            <a:pPr indent="-215900" lvl="1" marL="685800" rtl="0" algn="l">
-              <a:lnSpc>
-                <a:spcPct val="90000"/>
-              </a:lnSpc>
-              <a:spcBef>
-                <a:spcPts val="500"/>
-              </a:spcBef>
-              <a:spcAft>
-                <a:spcPts val="0"/>
-              </a:spcAft>
-              <a:buClr>
-                <a:schemeClr val="dk1"/>
-              </a:buClr>
-              <a:buSzPts val="2200"/>
-              <a:buChar char="•"/>
-            </a:pPr>
-            <a:r>
-              <a:rPr lang="en-US" sz="2200"/>
-              <a:t>Write a CUDA kernel to find max from the list using simple comparison</a:t>
-            </a:r>
-            <a:endParaRPr sz="2200"/>
-          </a:p>
-          <a:p>
-            <a:pPr indent="-215900" lvl="2" marL="1143000" rtl="0" algn="l">
-              <a:lnSpc>
-                <a:spcPct val="90000"/>
-              </a:lnSpc>
-              <a:spcBef>
-                <a:spcPts val="500"/>
-              </a:spcBef>
-              <a:spcAft>
-                <a:spcPts val="0"/>
-              </a:spcAft>
-              <a:buClr>
-                <a:schemeClr val="dk1"/>
-              </a:buClr>
-              <a:buSzPts val="1800"/>
-              <a:buChar char="•"/>
-            </a:pPr>
-            <a:r>
-              <a:rPr lang="en-US" sz="1800"/>
-              <a:t>Eg. Let max = 0, if val&gt; max, max = val</a:t>
-            </a:r>
-            <a:endParaRPr sz="1800"/>
-          </a:p>
-          <a:p>
-            <a:pPr indent="-215900" lvl="1" marL="685800" rtl="0" algn="l">
-              <a:lnSpc>
-                <a:spcPct val="90000"/>
-              </a:lnSpc>
-              <a:spcBef>
-                <a:spcPts val="500"/>
-              </a:spcBef>
-              <a:spcAft>
-                <a:spcPts val="0"/>
-              </a:spcAft>
-              <a:buClr>
-                <a:schemeClr val="dk1"/>
-              </a:buClr>
-              <a:buSzPts val="2200"/>
-              <a:buChar char="•"/>
-            </a:pPr>
-            <a:r>
-              <a:rPr lang="en-US" sz="2200"/>
-              <a:t>Write a CUDA kernel to find max from the list using atomicMax</a:t>
-            </a:r>
-            <a:endParaRPr sz="2200"/>
-          </a:p>
-          <a:p>
-            <a:pPr indent="-215900" lvl="2" marL="1143000" rtl="0" algn="l">
-              <a:lnSpc>
-                <a:spcPct val="90000"/>
-              </a:lnSpc>
-              <a:spcBef>
-                <a:spcPts val="500"/>
-              </a:spcBef>
-              <a:spcAft>
-                <a:spcPts val="0"/>
-              </a:spcAft>
-              <a:buClr>
-                <a:schemeClr val="dk1"/>
-              </a:buClr>
-              <a:buSzPts val="1800"/>
-              <a:buChar char="•"/>
-            </a:pPr>
-            <a:r>
-              <a:rPr lang="en-US" sz="1800"/>
-              <a:t>Eg. Let max = 0, atomicMax(max,val)</a:t>
-            </a:r>
-            <a:endParaRPr sz="1800"/>
-          </a:p>
-          <a:p>
-            <a:pPr indent="-215900" lvl="1" marL="685800" rtl="0" algn="l">
-              <a:lnSpc>
-                <a:spcPct val="90000"/>
-              </a:lnSpc>
-              <a:spcBef>
-                <a:spcPts val="500"/>
-              </a:spcBef>
-              <a:spcAft>
-                <a:spcPts val="0"/>
-              </a:spcAft>
-              <a:buClr>
-                <a:schemeClr val="dk1"/>
-              </a:buClr>
-              <a:buSzPts val="2200"/>
-              <a:buChar char="•"/>
-            </a:pPr>
-            <a:r>
-              <a:rPr lang="en-US" sz="2200"/>
-              <a:t>Check your output to ensure that atomicMax finds the max, that is 900,000</a:t>
-            </a:r>
-            <a:endParaRPr sz="2200"/>
-          </a:p>
-          <a:p>
-            <a:pPr indent="-50800" lvl="0" marL="228600" rtl="0" algn="l">
-              <a:lnSpc>
-                <a:spcPct val="90000"/>
-              </a:lnSpc>
-              <a:spcBef>
-                <a:spcPts val="1000"/>
-              </a:spcBef>
-              <a:spcAft>
-                <a:spcPts val="0"/>
-              </a:spcAft>
-              <a:buClr>
-                <a:schemeClr val="dk1"/>
-              </a:buClr>
-              <a:buSzPts val="2800"/>
+            <a:pPr indent="0" lvl="0" marL="0" marR="0" rtl="0" algn="l">
+              <a:spcBef>
+                <a:spcPts val="0"/>
+              </a:spcBef>
+              <a:spcAft>
+                <a:spcPts val="0"/>
+              </a:spcAft>
               <a:buNone/>
             </a:pPr>
             <a:r>
               <a:t/>
             </a:r>
-            <a:endParaRPr sz="2600"/>
+            <a:endParaRPr sz="1800">
+              <a:solidFill>
+                <a:schemeClr val="dk1"/>
+              </a:solidFill>
+              <a:latin typeface="Calibri"/>
+              <a:ea typeface="Calibri"/>
+              <a:cs typeface="Calibri"/>
+              <a:sym typeface="Calibri"/>
+            </a:endParaRPr>
+          </a:p>
+          <a:p>
+            <a:pPr indent="0" lvl="0" marL="0" marR="0" rtl="0" algn="l">
+              <a:spcBef>
+                <a:spcPts val="0"/>
+              </a:spcBef>
+              <a:spcAft>
+                <a:spcPts val="0"/>
+              </a:spcAft>
+              <a:buNone/>
+            </a:pPr>
+            <a:r>
+              <a:rPr lang="en-US" sz="1800">
+                <a:solidFill>
+                  <a:schemeClr val="dk1"/>
+                </a:solidFill>
+                <a:latin typeface="Calibri"/>
+                <a:ea typeface="Calibri"/>
+                <a:cs typeface="Calibri"/>
+                <a:sym typeface="Calibri"/>
+              </a:rPr>
+              <a:t>#copy the host variables to device</a:t>
+            </a:r>
+            <a:endParaRPr/>
+          </a:p>
+          <a:p>
+            <a:pPr indent="0" lvl="0" marL="0" marR="0" rtl="0" algn="l">
+              <a:spcBef>
+                <a:spcPts val="0"/>
+              </a:spcBef>
+              <a:spcAft>
+                <a:spcPts val="0"/>
+              </a:spcAft>
+              <a:buNone/>
+            </a:pPr>
+            <a:r>
+              <a:rPr lang="en-US" sz="1800">
+                <a:solidFill>
+                  <a:schemeClr val="dk1"/>
+                </a:solidFill>
+                <a:latin typeface="Calibri"/>
+                <a:ea typeface="Calibri"/>
+                <a:cs typeface="Calibri"/>
+                <a:sym typeface="Calibri"/>
+              </a:rPr>
+              <a:t>A_global_mem = cuda.to_device(A)</a:t>
+            </a:r>
+            <a:endParaRPr/>
+          </a:p>
+          <a:p>
+            <a:pPr indent="0" lvl="0" marL="0" marR="0" rtl="0" algn="l">
+              <a:spcBef>
+                <a:spcPts val="0"/>
+              </a:spcBef>
+              <a:spcAft>
+                <a:spcPts val="0"/>
+              </a:spcAft>
+              <a:buNone/>
+            </a:pPr>
+            <a:r>
+              <a:rPr lang="en-US" sz="1800">
+                <a:solidFill>
+                  <a:schemeClr val="dk1"/>
+                </a:solidFill>
+                <a:latin typeface="Calibri"/>
+                <a:ea typeface="Calibri"/>
+                <a:cs typeface="Calibri"/>
+                <a:sym typeface="Calibri"/>
+              </a:rPr>
+              <a:t>B_global_mem = cuda.to_device(B)</a:t>
+            </a:r>
+            <a:endParaRPr/>
+          </a:p>
+          <a:p>
+            <a:pPr indent="0" lvl="0" marL="0" marR="0" rtl="0" algn="l">
+              <a:spcBef>
+                <a:spcPts val="0"/>
+              </a:spcBef>
+              <a:spcAft>
+                <a:spcPts val="0"/>
+              </a:spcAft>
+              <a:buNone/>
+            </a:pPr>
+            <a:r>
+              <a:t/>
+            </a:r>
+            <a:endParaRPr sz="1800">
+              <a:solidFill>
+                <a:schemeClr val="dk1"/>
+              </a:solidFill>
+              <a:latin typeface="Calibri"/>
+              <a:ea typeface="Calibri"/>
+              <a:cs typeface="Calibri"/>
+              <a:sym typeface="Calibri"/>
+            </a:endParaRPr>
+          </a:p>
+          <a:p>
+            <a:pPr indent="0" lvl="0" marL="0" marR="0" rtl="0" algn="l">
+              <a:spcBef>
+                <a:spcPts val="0"/>
+              </a:spcBef>
+              <a:spcAft>
+                <a:spcPts val="0"/>
+              </a:spcAft>
+              <a:buNone/>
+            </a:pPr>
+            <a:r>
+              <a:rPr lang="en-US" sz="1800">
+                <a:solidFill>
+                  <a:schemeClr val="dk1"/>
+                </a:solidFill>
+                <a:latin typeface="Calibri"/>
+                <a:ea typeface="Calibri"/>
+                <a:cs typeface="Calibri"/>
+                <a:sym typeface="Calibri"/>
+              </a:rPr>
+              <a:t>#Create memory for C in device</a:t>
+            </a:r>
+            <a:endParaRPr/>
+          </a:p>
+          <a:p>
+            <a:pPr indent="0" lvl="0" marL="0" marR="0" rtl="0" algn="l">
+              <a:spcBef>
+                <a:spcPts val="0"/>
+              </a:spcBef>
+              <a:spcAft>
+                <a:spcPts val="0"/>
+              </a:spcAft>
+              <a:buNone/>
+            </a:pPr>
+            <a:r>
+              <a:rPr lang="en-US" sz="1800">
+                <a:solidFill>
+                  <a:schemeClr val="dk1"/>
+                </a:solidFill>
+                <a:latin typeface="Calibri"/>
+                <a:ea typeface="Calibri"/>
+                <a:cs typeface="Calibri"/>
+                <a:sym typeface="Calibri"/>
+              </a:rPr>
+              <a:t>C_global_mem = cuda.device_array((48,48))</a:t>
+            </a:r>
+            <a:endParaRPr/>
+          </a:p>
+          <a:p>
+            <a:pPr indent="0" lvl="0" marL="0" marR="0" rtl="0" algn="l">
+              <a:spcBef>
+                <a:spcPts val="0"/>
+              </a:spcBef>
+              <a:spcAft>
+                <a:spcPts val="0"/>
+              </a:spcAft>
+              <a:buNone/>
+            </a:pPr>
+            <a:r>
+              <a:t/>
+            </a:r>
+            <a:endParaRPr sz="1800">
+              <a:solidFill>
+                <a:schemeClr val="dk1"/>
+              </a:solidFill>
+              <a:latin typeface="Calibri"/>
+              <a:ea typeface="Calibri"/>
+              <a:cs typeface="Calibri"/>
+              <a:sym typeface="Calibri"/>
+            </a:endParaRPr>
+          </a:p>
+          <a:p>
+            <a:pPr indent="0" lvl="0" marL="0" marR="0" rtl="0" algn="l">
+              <a:spcBef>
+                <a:spcPts val="0"/>
+              </a:spcBef>
+              <a:spcAft>
+                <a:spcPts val="0"/>
+              </a:spcAft>
+              <a:buNone/>
+            </a:pPr>
+            <a:r>
+              <a:rPr lang="en-US" sz="1800">
+                <a:solidFill>
+                  <a:schemeClr val="dk1"/>
+                </a:solidFill>
+                <a:latin typeface="Calibri"/>
+                <a:ea typeface="Calibri"/>
+                <a:cs typeface="Calibri"/>
+                <a:sym typeface="Calibri"/>
+              </a:rPr>
+              <a:t># Configure the blocks</a:t>
+            </a:r>
+            <a:endParaRPr/>
+          </a:p>
+          <a:p>
+            <a:pPr indent="0" lvl="0" marL="0" marR="0" rtl="0" algn="l">
+              <a:spcBef>
+                <a:spcPts val="0"/>
+              </a:spcBef>
+              <a:spcAft>
+                <a:spcPts val="0"/>
+              </a:spcAft>
+              <a:buNone/>
+            </a:pPr>
+            <a:r>
+              <a:rPr lang="en-US" sz="1800">
+                <a:solidFill>
+                  <a:schemeClr val="dk1"/>
+                </a:solidFill>
+                <a:latin typeface="Calibri"/>
+                <a:ea typeface="Calibri"/>
+                <a:cs typeface="Calibri"/>
+                <a:sym typeface="Calibri"/>
+              </a:rPr>
+              <a:t>threadsperblock = (TPB, TPB)</a:t>
+            </a:r>
+            <a:endParaRPr/>
+          </a:p>
+          <a:p>
+            <a:pPr indent="0" lvl="0" marL="0" marR="0" rtl="0" algn="l">
+              <a:spcBef>
+                <a:spcPts val="0"/>
+              </a:spcBef>
+              <a:spcAft>
+                <a:spcPts val="0"/>
+              </a:spcAft>
+              <a:buNone/>
+            </a:pPr>
+            <a:r>
+              <a:rPr lang="en-US" sz="1800">
+                <a:solidFill>
+                  <a:schemeClr val="dk1"/>
+                </a:solidFill>
+                <a:latin typeface="Calibri"/>
+                <a:ea typeface="Calibri"/>
+                <a:cs typeface="Calibri"/>
+                <a:sym typeface="Calibri"/>
+              </a:rPr>
+              <a:t>blockspergrid_x = int(math.ceil(A.shape[0] / threadsperblock[1]))</a:t>
+            </a:r>
+            <a:endParaRPr/>
+          </a:p>
+          <a:p>
+            <a:pPr indent="0" lvl="0" marL="0" marR="0" rtl="0" algn="l">
+              <a:spcBef>
+                <a:spcPts val="0"/>
+              </a:spcBef>
+              <a:spcAft>
+                <a:spcPts val="0"/>
+              </a:spcAft>
+              <a:buNone/>
+            </a:pPr>
+            <a:r>
+              <a:rPr lang="en-US" sz="1800">
+                <a:solidFill>
+                  <a:schemeClr val="dk1"/>
+                </a:solidFill>
+                <a:latin typeface="Calibri"/>
+                <a:ea typeface="Calibri"/>
+                <a:cs typeface="Calibri"/>
+                <a:sym typeface="Calibri"/>
+              </a:rPr>
+              <a:t>blockspergrid_y = int(math.ceil(B.shape[1] / threadsperblock[0]))</a:t>
+            </a:r>
+            <a:endParaRPr/>
+          </a:p>
+          <a:p>
+            <a:pPr indent="0" lvl="0" marL="0" marR="0" rtl="0" algn="l">
+              <a:spcBef>
+                <a:spcPts val="0"/>
+              </a:spcBef>
+              <a:spcAft>
+                <a:spcPts val="0"/>
+              </a:spcAft>
+              <a:buNone/>
+            </a:pPr>
+            <a:r>
+              <a:rPr lang="en-US" sz="1800">
+                <a:solidFill>
+                  <a:schemeClr val="dk1"/>
+                </a:solidFill>
+                <a:latin typeface="Calibri"/>
+                <a:ea typeface="Calibri"/>
+                <a:cs typeface="Calibri"/>
+                <a:sym typeface="Calibri"/>
+              </a:rPr>
+              <a:t>blockspergrid = (blockspergrid_x, blockspergrid_y)</a:t>
+            </a:r>
+            <a:endParaRPr/>
+          </a:p>
+        </p:txBody>
+      </p:sp>
+      <p:sp>
+        <p:nvSpPr>
+          <p:cNvPr id="176" name="Google Shape;176;p14"/>
+          <p:cNvSpPr/>
+          <p:nvPr/>
+        </p:nvSpPr>
+        <p:spPr>
+          <a:xfrm>
+            <a:off x="838200" y="2092751"/>
+            <a:ext cx="1913641" cy="688157"/>
+          </a:xfrm>
+          <a:custGeom>
+            <a:rect b="b" l="l" r="r" t="t"/>
+            <a:pathLst>
+              <a:path extrusionOk="0" h="120000" w="120000">
+                <a:moveTo>
+                  <a:pt x="0" y="0"/>
+                </a:moveTo>
+                <a:lnTo>
+                  <a:pt x="120000" y="0"/>
+                </a:lnTo>
+                <a:lnTo>
+                  <a:pt x="120000" y="120000"/>
+                </a:lnTo>
+                <a:lnTo>
+                  <a:pt x="0" y="120000"/>
+                </a:lnTo>
+                <a:close/>
+              </a:path>
+              <a:path extrusionOk="0" fill="none" h="120000" w="120000">
+                <a:moveTo>
+                  <a:pt x="124400" y="51689"/>
+                </a:moveTo>
+                <a:lnTo>
+                  <a:pt x="209782" y="45271"/>
+                </a:lnTo>
+              </a:path>
+            </a:pathLst>
+          </a:custGeom>
+          <a:solidFill>
+            <a:schemeClr val="accent1"/>
+          </a:solidFill>
+          <a:ln cap="flat" cmpd="sng" w="12700">
+            <a:solidFill>
+              <a:srgbClr val="31538F"/>
+            </a:solidFill>
+            <a:prstDash val="solid"/>
+            <a:miter lim="800000"/>
+            <a:headEnd len="sm" w="sm" type="none"/>
+            <a:tailEnd len="sm" w="sm" type="none"/>
+          </a:ln>
+        </p:spPr>
+        <p:txBody>
+          <a:bodyPr anchorCtr="0" anchor="ctr" bIns="45700" lIns="91425" spcFirstLastPara="1" rIns="91425" wrap="square" tIns="45700">
+            <a:noAutofit/>
+          </a:bodyPr>
+          <a:lstStyle/>
+          <a:p>
+            <a:pPr indent="0" lvl="0" marL="0" marR="0" rtl="0" algn="ctr">
+              <a:spcBef>
+                <a:spcPts val="0"/>
+              </a:spcBef>
+              <a:spcAft>
+                <a:spcPts val="0"/>
+              </a:spcAft>
+              <a:buNone/>
+            </a:pPr>
+            <a:r>
+              <a:rPr lang="en-US" sz="1800">
+                <a:solidFill>
+                  <a:schemeClr val="lt1"/>
+                </a:solidFill>
+                <a:latin typeface="Calibri"/>
+                <a:ea typeface="Calibri"/>
+                <a:cs typeface="Calibri"/>
+                <a:sym typeface="Calibri"/>
+              </a:rPr>
+              <a:t>Initialize the matrices</a:t>
+            </a:r>
+            <a:endParaRPr/>
+          </a:p>
+        </p:txBody>
+      </p:sp>
+      <p:sp>
+        <p:nvSpPr>
+          <p:cNvPr id="177" name="Google Shape;177;p14"/>
+          <p:cNvSpPr/>
+          <p:nvPr/>
+        </p:nvSpPr>
+        <p:spPr>
+          <a:xfrm>
+            <a:off x="838200" y="3182971"/>
+            <a:ext cx="1913641" cy="688157"/>
+          </a:xfrm>
+          <a:custGeom>
+            <a:rect b="b" l="l" r="r" t="t"/>
+            <a:pathLst>
+              <a:path extrusionOk="0" h="120000" w="120000">
+                <a:moveTo>
+                  <a:pt x="0" y="0"/>
+                </a:moveTo>
+                <a:lnTo>
+                  <a:pt x="120000" y="0"/>
+                </a:lnTo>
+                <a:lnTo>
+                  <a:pt x="120000" y="120000"/>
+                </a:lnTo>
+                <a:lnTo>
+                  <a:pt x="0" y="120000"/>
+                </a:lnTo>
+                <a:close/>
+              </a:path>
+              <a:path extrusionOk="0" fill="none" h="120000" w="120000">
+                <a:moveTo>
+                  <a:pt x="124400" y="51689"/>
+                </a:moveTo>
+                <a:lnTo>
+                  <a:pt x="209782" y="45271"/>
+                </a:lnTo>
+              </a:path>
+            </a:pathLst>
+          </a:custGeom>
+          <a:solidFill>
+            <a:schemeClr val="accent1"/>
+          </a:solidFill>
+          <a:ln cap="flat" cmpd="sng" w="12700">
+            <a:solidFill>
+              <a:srgbClr val="31538F"/>
+            </a:solidFill>
+            <a:prstDash val="solid"/>
+            <a:miter lim="800000"/>
+            <a:headEnd len="sm" w="sm" type="none"/>
+            <a:tailEnd len="sm" w="sm" type="none"/>
+          </a:ln>
+        </p:spPr>
+        <p:txBody>
+          <a:bodyPr anchorCtr="0" anchor="ctr" bIns="45700" lIns="91425" spcFirstLastPara="1" rIns="91425" wrap="square" tIns="45700">
+            <a:noAutofit/>
+          </a:bodyPr>
+          <a:lstStyle/>
+          <a:p>
+            <a:pPr indent="0" lvl="0" marL="0" marR="0" rtl="0" algn="ctr">
+              <a:spcBef>
+                <a:spcPts val="0"/>
+              </a:spcBef>
+              <a:spcAft>
+                <a:spcPts val="0"/>
+              </a:spcAft>
+              <a:buNone/>
+            </a:pPr>
+            <a:r>
+              <a:rPr lang="en-US" sz="1800">
+                <a:solidFill>
+                  <a:schemeClr val="lt1"/>
+                </a:solidFill>
+                <a:latin typeface="Calibri"/>
+                <a:ea typeface="Calibri"/>
+                <a:cs typeface="Calibri"/>
+                <a:sym typeface="Calibri"/>
+              </a:rPr>
+              <a:t>Copy host values to device</a:t>
+            </a:r>
+            <a:endParaRPr/>
+          </a:p>
+        </p:txBody>
+      </p:sp>
+      <p:sp>
+        <p:nvSpPr>
+          <p:cNvPr id="178" name="Google Shape;178;p14"/>
+          <p:cNvSpPr/>
+          <p:nvPr/>
+        </p:nvSpPr>
+        <p:spPr>
+          <a:xfrm>
+            <a:off x="838200" y="4077093"/>
+            <a:ext cx="1913641" cy="688157"/>
+          </a:xfrm>
+          <a:custGeom>
+            <a:rect b="b" l="l" r="r" t="t"/>
+            <a:pathLst>
+              <a:path extrusionOk="0" h="120000" w="120000">
+                <a:moveTo>
+                  <a:pt x="0" y="0"/>
+                </a:moveTo>
+                <a:lnTo>
+                  <a:pt x="120000" y="0"/>
+                </a:lnTo>
+                <a:lnTo>
+                  <a:pt x="120000" y="120000"/>
+                </a:lnTo>
+                <a:lnTo>
+                  <a:pt x="0" y="120000"/>
+                </a:lnTo>
+                <a:close/>
+              </a:path>
+              <a:path extrusionOk="0" fill="none" h="120000" w="120000">
+                <a:moveTo>
+                  <a:pt x="124400" y="51689"/>
+                </a:moveTo>
+                <a:lnTo>
+                  <a:pt x="209782" y="45271"/>
+                </a:lnTo>
+              </a:path>
+            </a:pathLst>
+          </a:custGeom>
+          <a:solidFill>
+            <a:schemeClr val="accent1"/>
+          </a:solidFill>
+          <a:ln cap="flat" cmpd="sng" w="12700">
+            <a:solidFill>
+              <a:srgbClr val="31538F"/>
+            </a:solidFill>
+            <a:prstDash val="solid"/>
+            <a:miter lim="800000"/>
+            <a:headEnd len="sm" w="sm" type="none"/>
+            <a:tailEnd len="sm" w="sm" type="none"/>
+          </a:ln>
+        </p:spPr>
+        <p:txBody>
+          <a:bodyPr anchorCtr="0" anchor="ctr" bIns="45700" lIns="91425" spcFirstLastPara="1" rIns="91425" wrap="square" tIns="45700">
+            <a:noAutofit/>
+          </a:bodyPr>
+          <a:lstStyle/>
+          <a:p>
+            <a:pPr indent="0" lvl="0" marL="0" marR="0" rtl="0" algn="ctr">
+              <a:spcBef>
+                <a:spcPts val="0"/>
+              </a:spcBef>
+              <a:spcAft>
+                <a:spcPts val="0"/>
+              </a:spcAft>
+              <a:buNone/>
+            </a:pPr>
+            <a:r>
+              <a:rPr lang="en-US" sz="1600">
+                <a:solidFill>
+                  <a:schemeClr val="lt1"/>
+                </a:solidFill>
+                <a:latin typeface="Calibri"/>
+                <a:ea typeface="Calibri"/>
+                <a:cs typeface="Calibri"/>
+                <a:sym typeface="Calibri"/>
+              </a:rPr>
+              <a:t>Create memory for result matrix in device</a:t>
+            </a:r>
+            <a:endParaRPr/>
+          </a:p>
+        </p:txBody>
+      </p:sp>
+      <p:sp>
+        <p:nvSpPr>
+          <p:cNvPr id="179" name="Google Shape;179;p14"/>
+          <p:cNvSpPr/>
+          <p:nvPr/>
+        </p:nvSpPr>
+        <p:spPr>
+          <a:xfrm>
+            <a:off x="838200" y="5227163"/>
+            <a:ext cx="1913641" cy="688157"/>
+          </a:xfrm>
+          <a:custGeom>
+            <a:rect b="b" l="l" r="r" t="t"/>
+            <a:pathLst>
+              <a:path extrusionOk="0" h="120000" w="120000">
+                <a:moveTo>
+                  <a:pt x="0" y="0"/>
+                </a:moveTo>
+                <a:lnTo>
+                  <a:pt x="120000" y="0"/>
+                </a:lnTo>
+                <a:lnTo>
+                  <a:pt x="120000" y="120000"/>
+                </a:lnTo>
+                <a:lnTo>
+                  <a:pt x="0" y="120000"/>
+                </a:lnTo>
+                <a:close/>
+              </a:path>
+              <a:path extrusionOk="0" fill="none" h="120000" w="120000">
+                <a:moveTo>
+                  <a:pt x="124400" y="51689"/>
+                </a:moveTo>
+                <a:lnTo>
+                  <a:pt x="209782" y="45271"/>
+                </a:lnTo>
+              </a:path>
+            </a:pathLst>
+          </a:custGeom>
+          <a:solidFill>
+            <a:schemeClr val="accent1"/>
+          </a:solidFill>
+          <a:ln cap="flat" cmpd="sng" w="12700">
+            <a:solidFill>
+              <a:srgbClr val="31538F"/>
+            </a:solidFill>
+            <a:prstDash val="solid"/>
+            <a:miter lim="800000"/>
+            <a:headEnd len="sm" w="sm" type="none"/>
+            <a:tailEnd len="sm" w="sm" type="none"/>
+          </a:ln>
+        </p:spPr>
+        <p:txBody>
+          <a:bodyPr anchorCtr="0" anchor="ctr" bIns="45700" lIns="91425" spcFirstLastPara="1" rIns="91425" wrap="square" tIns="45700">
+            <a:noAutofit/>
+          </a:bodyPr>
+          <a:lstStyle/>
+          <a:p>
+            <a:pPr indent="0" lvl="0" marL="0" marR="0" rtl="0" algn="ctr">
+              <a:spcBef>
+                <a:spcPts val="0"/>
+              </a:spcBef>
+              <a:spcAft>
+                <a:spcPts val="0"/>
+              </a:spcAft>
+              <a:buNone/>
+            </a:pPr>
+            <a:r>
+              <a:rPr lang="en-US" sz="1600">
+                <a:solidFill>
+                  <a:schemeClr val="lt1"/>
+                </a:solidFill>
+                <a:latin typeface="Calibri"/>
+                <a:ea typeface="Calibri"/>
+                <a:cs typeface="Calibri"/>
+                <a:sym typeface="Calibri"/>
+              </a:rPr>
+              <a:t>Configure the thread blocks</a:t>
+            </a:r>
+            <a:endParaRPr/>
           </a:p>
         </p:txBody>
       </p:sp>
@@ -14188,7 +15838,7 @@
             </a:pPr>
             <a:r>
               <a:rPr lang="en-US"/>
-              <a:t>References</a:t>
+              <a:t>Numba example</a:t>
             </a:r>
             <a:endParaRPr/>
           </a:p>
@@ -14197,6 +15847,451 @@
       <p:sp>
         <p:nvSpPr>
           <p:cNvPr id="185" name="Google Shape;185;p15"/>
+          <p:cNvSpPr/>
+          <p:nvPr/>
+        </p:nvSpPr>
+        <p:spPr>
+          <a:xfrm>
+            <a:off x="1366101" y="3429000"/>
+            <a:ext cx="9700183" cy="1323439"/>
+          </a:xfrm>
+          <a:prstGeom prst="rect">
+            <a:avLst/>
+          </a:prstGeom>
+          <a:solidFill>
+            <a:schemeClr val="lt1"/>
+          </a:solidFill>
+          <a:ln cap="flat" cmpd="sng" w="12700">
+            <a:solidFill>
+              <a:schemeClr val="dk1"/>
+            </a:solidFill>
+            <a:prstDash val="solid"/>
+            <a:miter lim="800000"/>
+            <a:headEnd len="sm" w="sm" type="none"/>
+            <a:tailEnd len="sm" w="sm" type="none"/>
+          </a:ln>
+        </p:spPr>
+        <p:txBody>
+          <a:bodyPr anchorCtr="0" anchor="t" bIns="45700" lIns="91425" spcFirstLastPara="1" rIns="91425" wrap="square" tIns="45700">
+            <a:spAutoFit/>
+          </a:bodyPr>
+          <a:lstStyle/>
+          <a:p>
+            <a:pPr indent="0" lvl="0" marL="0" marR="0" rtl="0" algn="l">
+              <a:spcBef>
+                <a:spcPts val="0"/>
+              </a:spcBef>
+              <a:spcAft>
+                <a:spcPts val="0"/>
+              </a:spcAft>
+              <a:buNone/>
+            </a:pPr>
+            <a:r>
+              <a:rPr lang="en-US" sz="2000">
+                <a:solidFill>
+                  <a:schemeClr val="dk1"/>
+                </a:solidFill>
+                <a:latin typeface="Calibri"/>
+                <a:ea typeface="Calibri"/>
+                <a:cs typeface="Calibri"/>
+                <a:sym typeface="Calibri"/>
+              </a:rPr>
+              <a:t># Start the kernel </a:t>
+            </a:r>
+            <a:endParaRPr/>
+          </a:p>
+          <a:p>
+            <a:pPr indent="0" lvl="0" marL="0" marR="0" rtl="0" algn="l">
+              <a:spcBef>
+                <a:spcPts val="0"/>
+              </a:spcBef>
+              <a:spcAft>
+                <a:spcPts val="0"/>
+              </a:spcAft>
+              <a:buNone/>
+            </a:pPr>
+            <a:r>
+              <a:rPr lang="en-US" sz="2000">
+                <a:solidFill>
+                  <a:schemeClr val="dk1"/>
+                </a:solidFill>
+                <a:latin typeface="Calibri"/>
+                <a:ea typeface="Calibri"/>
+                <a:cs typeface="Calibri"/>
+                <a:sym typeface="Calibri"/>
+              </a:rPr>
+              <a:t>kernel_op[blockspergrid, threadsperblock](A_global_mem, B_global_mem, C_global_mem)</a:t>
+            </a:r>
+            <a:endParaRPr/>
+          </a:p>
+          <a:p>
+            <a:pPr indent="0" lvl="0" marL="0" marR="0" rtl="0" algn="l">
+              <a:spcBef>
+                <a:spcPts val="0"/>
+              </a:spcBef>
+              <a:spcAft>
+                <a:spcPts val="0"/>
+              </a:spcAft>
+              <a:buNone/>
+            </a:pPr>
+            <a:r>
+              <a:rPr lang="en-US" sz="2000">
+                <a:solidFill>
+                  <a:schemeClr val="dk1"/>
+                </a:solidFill>
+                <a:latin typeface="Calibri"/>
+                <a:ea typeface="Calibri"/>
+                <a:cs typeface="Calibri"/>
+                <a:sym typeface="Calibri"/>
+              </a:rPr>
+              <a:t>#copy the result to cpu</a:t>
+            </a:r>
+            <a:endParaRPr sz="2000">
+              <a:solidFill>
+                <a:schemeClr val="dk1"/>
+              </a:solidFill>
+              <a:latin typeface="Calibri"/>
+              <a:ea typeface="Calibri"/>
+              <a:cs typeface="Calibri"/>
+              <a:sym typeface="Calibri"/>
+            </a:endParaRPr>
+          </a:p>
+          <a:p>
+            <a:pPr indent="0" lvl="0" marL="0" marR="0" rtl="0" algn="l">
+              <a:spcBef>
+                <a:spcPts val="0"/>
+              </a:spcBef>
+              <a:spcAft>
+                <a:spcPts val="0"/>
+              </a:spcAft>
+              <a:buNone/>
+            </a:pPr>
+            <a:r>
+              <a:rPr lang="en-US" sz="2000">
+                <a:solidFill>
+                  <a:schemeClr val="dk1"/>
+                </a:solidFill>
+                <a:latin typeface="Calibri"/>
+                <a:ea typeface="Calibri"/>
+                <a:cs typeface="Calibri"/>
+                <a:sym typeface="Calibri"/>
+              </a:rPr>
+              <a:t>res = C_global_mem.copy_to_host()</a:t>
+            </a:r>
+            <a:endParaRPr/>
+          </a:p>
+        </p:txBody>
+      </p:sp>
+      <p:sp>
+        <p:nvSpPr>
+          <p:cNvPr id="186" name="Google Shape;186;p15"/>
+          <p:cNvSpPr txBox="1"/>
+          <p:nvPr>
+            <p:ph idx="1" type="body"/>
+          </p:nvPr>
+        </p:nvSpPr>
+        <p:spPr>
+          <a:xfrm>
+            <a:off x="838200" y="1825625"/>
+            <a:ext cx="10515600" cy="983563"/>
+          </a:xfrm>
+          <a:prstGeom prst="rect">
+            <a:avLst/>
+          </a:prstGeom>
+          <a:noFill/>
+          <a:ln>
+            <a:noFill/>
+          </a:ln>
+        </p:spPr>
+        <p:txBody>
+          <a:bodyPr anchorCtr="0" anchor="t" bIns="45700" lIns="91425" spcFirstLastPara="1" rIns="91425" wrap="square" tIns="45700">
+            <a:normAutofit/>
+          </a:bodyPr>
+          <a:lstStyle/>
+          <a:p>
+            <a:pPr indent="-228600" lvl="0" marL="228600" rtl="0" algn="l">
+              <a:lnSpc>
+                <a:spcPct val="90000"/>
+              </a:lnSpc>
+              <a:spcBef>
+                <a:spcPts val="0"/>
+              </a:spcBef>
+              <a:spcAft>
+                <a:spcPts val="0"/>
+              </a:spcAft>
+              <a:buClr>
+                <a:schemeClr val="dk1"/>
+              </a:buClr>
+              <a:buSzPts val="2800"/>
+              <a:buChar char="•"/>
+            </a:pPr>
+            <a:r>
+              <a:rPr lang="en-US"/>
+              <a:t>Syntax to execute the kernel in the code</a:t>
+            </a:r>
+            <a:endParaRPr/>
+          </a:p>
+          <a:p>
+            <a:pPr indent="-50800" lvl="0" marL="228600" rtl="0" algn="l">
+              <a:lnSpc>
+                <a:spcPct val="90000"/>
+              </a:lnSpc>
+              <a:spcBef>
+                <a:spcPts val="1000"/>
+              </a:spcBef>
+              <a:spcAft>
+                <a:spcPts val="0"/>
+              </a:spcAft>
+              <a:buClr>
+                <a:schemeClr val="dk1"/>
+              </a:buClr>
+              <a:buSzPts val="2800"/>
+              <a:buNone/>
+            </a:pPr>
+            <a:r>
+              <a:t/>
+            </a:r>
+            <a:endParaRPr/>
+          </a:p>
+        </p:txBody>
+      </p:sp>
+    </p:spTree>
+  </p:cSld>
+  <p:clrMapOvr>
+    <a:masterClrMapping/>
+  </p:clrMapOvr>
+</p:sld>
+</file>
+
+<file path=ppt/slides/slide16.xml><?xml version="1.0" encoding="utf-8"?>
+<p:sld xmlns:a="http://schemas.openxmlformats.org/drawingml/2006/main" xmlns:r="http://schemas.openxmlformats.org/officeDocument/2006/relationships" xmlns:mc="http://schemas.openxmlformats.org/markup-compatibility/2006" xmlns:mv="urn:schemas-microsoft-com:mac:vml" xmlns:p="http://schemas.openxmlformats.org/presentationml/2006/main" xmlns:c="http://schemas.openxmlformats.org/drawingml/2006/chart" xmlns:dgm="http://schemas.openxmlformats.org/drawingml/2006/diagram" xmlns:o="urn:schemas-microsoft-com:office:office" xmlns:v="urn:schemas-microsoft-com:vml" xmlns:pvml="urn:schemas-microsoft-com:office:powerpoint" xmlns:com="http://schemas.openxmlformats.org/drawingml/2006/compatibility" xmlns:p14="http://schemas.microsoft.com/office/powerpoint/2010/main" xmlns:p15="http://schemas.microsoft.com/office/powerpoint/2012/main">
+  <p:cSld>
+    <p:spTree>
+      <p:nvGrpSpPr>
+        <p:cNvPr id="190" name="Shape 190"/>
+        <p:cNvGrpSpPr/>
+        <p:nvPr/>
+      </p:nvGrpSpPr>
+      <p:grpSpPr>
+        <a:xfrm>
+          <a:off x="0" y="0"/>
+          <a:ext cx="0" cy="0"/>
+          <a:chOff x="0" y="0"/>
+          <a:chExt cx="0" cy="0"/>
+        </a:xfrm>
+      </p:grpSpPr>
+      <p:sp>
+        <p:nvSpPr>
+          <p:cNvPr id="191" name="Google Shape;191;g8b3da4550f_0_0"/>
+          <p:cNvSpPr txBox="1"/>
+          <p:nvPr>
+            <p:ph type="title"/>
+          </p:nvPr>
+        </p:nvSpPr>
+        <p:spPr>
+          <a:xfrm>
+            <a:off x="838200" y="365125"/>
+            <a:ext cx="10515600" cy="1325700"/>
+          </a:xfrm>
+          <a:prstGeom prst="rect">
+            <a:avLst/>
+          </a:prstGeom>
+        </p:spPr>
+        <p:txBody>
+          <a:bodyPr anchorCtr="0" anchor="ctr" bIns="45700" lIns="91425" spcFirstLastPara="1" rIns="91425" wrap="square" tIns="45700">
+            <a:noAutofit/>
+          </a:bodyPr>
+          <a:lstStyle/>
+          <a:p>
+            <a:pPr indent="0" lvl="0" marL="0" rtl="0" algn="l">
+              <a:spcBef>
+                <a:spcPts val="0"/>
+              </a:spcBef>
+              <a:spcAft>
+                <a:spcPts val="0"/>
+              </a:spcAft>
+              <a:buNone/>
+            </a:pPr>
+            <a:r>
+              <a:rPr lang="en-US"/>
+              <a:t>Instructions to run the program</a:t>
+            </a:r>
+            <a:endParaRPr/>
+          </a:p>
+        </p:txBody>
+      </p:sp>
+      <p:sp>
+        <p:nvSpPr>
+          <p:cNvPr id="192" name="Google Shape;192;g8b3da4550f_0_0"/>
+          <p:cNvSpPr txBox="1"/>
+          <p:nvPr>
+            <p:ph idx="1" type="body"/>
+          </p:nvPr>
+        </p:nvSpPr>
+        <p:spPr>
+          <a:xfrm>
+            <a:off x="838200" y="1825625"/>
+            <a:ext cx="10515600" cy="4351200"/>
+          </a:xfrm>
+          <a:prstGeom prst="rect">
+            <a:avLst/>
+          </a:prstGeom>
+        </p:spPr>
+        <p:txBody>
+          <a:bodyPr anchorCtr="0" anchor="t" bIns="45700" lIns="91425" spcFirstLastPara="1" rIns="91425" wrap="square" tIns="45700">
+            <a:noAutofit/>
+          </a:bodyPr>
+          <a:lstStyle/>
+          <a:p>
+            <a:pPr indent="-342900" lvl="0" marL="457200" rtl="0" algn="l">
+              <a:spcBef>
+                <a:spcPts val="1000"/>
+              </a:spcBef>
+              <a:spcAft>
+                <a:spcPts val="0"/>
+              </a:spcAft>
+              <a:buSzPts val="1800"/>
+              <a:buChar char="•"/>
+            </a:pPr>
+            <a:r>
+              <a:rPr lang="en-US"/>
+              <a:t>Before running the program make sure that CUDA, python and Numba are properly installed and set up in path</a:t>
+            </a:r>
+            <a:endParaRPr/>
+          </a:p>
+          <a:p>
+            <a:pPr indent="-342900" lvl="0" marL="457200" rtl="0" algn="l">
+              <a:spcBef>
+                <a:spcPts val="0"/>
+              </a:spcBef>
+              <a:spcAft>
+                <a:spcPts val="0"/>
+              </a:spcAft>
+              <a:buSzPts val="1800"/>
+              <a:buChar char="•"/>
+            </a:pPr>
+            <a:r>
+              <a:rPr lang="en-US"/>
+              <a:t>.ipynb files are the jupyter notebook files and need to be opened with Jupyter Notebook. It should be installed with Anaconda or you can install it manually (</a:t>
+            </a:r>
+            <a:r>
+              <a:rPr lang="en-US" sz="1100" u="sng">
+                <a:solidFill>
+                  <a:schemeClr val="hlink"/>
+                </a:solidFill>
+                <a:latin typeface="Arial"/>
+                <a:ea typeface="Arial"/>
+                <a:cs typeface="Arial"/>
+                <a:sym typeface="Arial"/>
+                <a:hlinkClick r:id="rId3"/>
+              </a:rPr>
+              <a:t>https://jupyter.org/install</a:t>
+            </a:r>
+            <a:r>
+              <a:rPr lang="en-US"/>
+              <a:t>)</a:t>
+            </a:r>
+            <a:endParaRPr/>
+          </a:p>
+          <a:p>
+            <a:pPr indent="-342900" lvl="0" marL="457200" rtl="0" algn="l">
+              <a:spcBef>
+                <a:spcPts val="0"/>
+              </a:spcBef>
+              <a:spcAft>
+                <a:spcPts val="0"/>
+              </a:spcAft>
+              <a:buSzPts val="1800"/>
+              <a:buChar char="•"/>
+            </a:pPr>
+            <a:r>
+              <a:rPr lang="en-US"/>
+              <a:t>.py files are the python files extracted from Jupyter Notebook and can be run as basic python programs </a:t>
+            </a:r>
+            <a:endParaRPr/>
+          </a:p>
+        </p:txBody>
+      </p:sp>
+    </p:spTree>
+  </p:cSld>
+  <p:clrMapOvr>
+    <a:masterClrMapping/>
+  </p:clrMapOvr>
+</p:sld>
+</file>
+
+<file path=ppt/slides/slide17.xml><?xml version="1.0" encoding="utf-8"?>
+<p:sld xmlns:a="http://schemas.openxmlformats.org/drawingml/2006/main" xmlns:r="http://schemas.openxmlformats.org/officeDocument/2006/relationships" xmlns:mc="http://schemas.openxmlformats.org/markup-compatibility/2006" xmlns:mv="urn:schemas-microsoft-com:mac:vml" xmlns:p="http://schemas.openxmlformats.org/presentationml/2006/main" xmlns:c="http://schemas.openxmlformats.org/drawingml/2006/chart" xmlns:dgm="http://schemas.openxmlformats.org/drawingml/2006/diagram" xmlns:o="urn:schemas-microsoft-com:office:office" xmlns:v="urn:schemas-microsoft-com:vml" xmlns:pvml="urn:schemas-microsoft-com:office:powerpoint" xmlns:com="http://schemas.openxmlformats.org/drawingml/2006/compatibility" xmlns:p14="http://schemas.microsoft.com/office/powerpoint/2010/main" xmlns:p15="http://schemas.microsoft.com/office/powerpoint/2012/main">
+  <p:cSld>
+    <p:spTree>
+      <p:nvGrpSpPr>
+        <p:cNvPr id="196" name="Shape 196"/>
+        <p:cNvGrpSpPr/>
+        <p:nvPr/>
+      </p:nvGrpSpPr>
+      <p:grpSpPr>
+        <a:xfrm>
+          <a:off x="0" y="0"/>
+          <a:ext cx="0" cy="0"/>
+          <a:chOff x="0" y="0"/>
+          <a:chExt cx="0" cy="0"/>
+        </a:xfrm>
+      </p:grpSpPr>
+      <p:sp>
+        <p:nvSpPr>
+          <p:cNvPr id="197" name="Google Shape;197;p16"/>
+          <p:cNvSpPr txBox="1"/>
+          <p:nvPr>
+            <p:ph type="title"/>
+          </p:nvPr>
+        </p:nvSpPr>
+        <p:spPr>
+          <a:xfrm>
+            <a:off x="838200" y="365125"/>
+            <a:ext cx="10515600" cy="1325563"/>
+          </a:xfrm>
+          <a:prstGeom prst="rect">
+            <a:avLst/>
+          </a:prstGeom>
+          <a:noFill/>
+          <a:ln>
+            <a:noFill/>
+          </a:ln>
+        </p:spPr>
+        <p:txBody>
+          <a:bodyPr anchorCtr="0" anchor="ctr" bIns="45700" lIns="91425" spcFirstLastPara="1" rIns="91425" wrap="square" tIns="45700">
+            <a:normAutofit/>
+          </a:bodyPr>
+          <a:lstStyle/>
+          <a:p>
+            <a:pPr indent="0" lvl="0" marL="0" rtl="0" algn="l">
+              <a:lnSpc>
+                <a:spcPct val="90000"/>
+              </a:lnSpc>
+              <a:spcBef>
+                <a:spcPts val="0"/>
+              </a:spcBef>
+              <a:spcAft>
+                <a:spcPts val="0"/>
+              </a:spcAft>
+              <a:buClr>
+                <a:schemeClr val="dk1"/>
+              </a:buClr>
+              <a:buSzPts val="4400"/>
+              <a:buFont typeface="Calibri"/>
+              <a:buNone/>
+            </a:pPr>
+            <a:r>
+              <a:rPr lang="en-US"/>
+              <a:t>Exercise</a:t>
+            </a:r>
+            <a:endParaRPr/>
+          </a:p>
+        </p:txBody>
+      </p:sp>
+      <p:sp>
+        <p:nvSpPr>
+          <p:cNvPr id="198" name="Google Shape;198;p16"/>
           <p:cNvSpPr txBox="1"/>
           <p:nvPr>
             <p:ph idx="1" type="body"/>
@@ -14238,13 +16333,113 @@
               <a:buChar char="•"/>
             </a:pPr>
             <a:r>
-              <a:rPr lang="en-US" u="sng">
-                <a:solidFill>
-                  <a:schemeClr val="hlink"/>
-                </a:solidFill>
-                <a:hlinkClick r:id="rId3"/>
-              </a:rPr>
-              <a:t>https://docs.nvidia.com/cuda/cuda-c-programming-guide/index.html</a:t>
+              <a:rPr lang="en-US"/>
+              <a:t>Review the code for Numba exercise</a:t>
+            </a:r>
+            <a:endParaRPr/>
+          </a:p>
+          <a:p>
+            <a:pPr indent="-165100" lvl="0" marL="228600" rtl="0" algn="l">
+              <a:lnSpc>
+                <a:spcPct val="90000"/>
+              </a:lnSpc>
+              <a:spcBef>
+                <a:spcPts val="0"/>
+              </a:spcBef>
+              <a:spcAft>
+                <a:spcPts val="0"/>
+              </a:spcAft>
+              <a:buSzPts val="1800"/>
+              <a:buChar char="•"/>
+            </a:pPr>
+            <a:r>
+              <a:rPr lang="en-US"/>
+              <a:t>Write a program for adding the vectors in CPU using loops and compare the results with using Numba for GPU CUDA</a:t>
+            </a:r>
+            <a:endParaRPr/>
+          </a:p>
+          <a:p>
+            <a:pPr indent="0" lvl="0" marL="228600" rtl="0" algn="l">
+              <a:lnSpc>
+                <a:spcPct val="90000"/>
+              </a:lnSpc>
+              <a:spcBef>
+                <a:spcPts val="0"/>
+              </a:spcBef>
+              <a:spcAft>
+                <a:spcPts val="0"/>
+              </a:spcAft>
+              <a:buNone/>
+            </a:pPr>
+            <a:r>
+              <a:t/>
+            </a:r>
+            <a:endParaRPr/>
+          </a:p>
+          <a:p>
+            <a:pPr indent="-228600" lvl="0" marL="228600" rtl="0" algn="l">
+              <a:lnSpc>
+                <a:spcPct val="90000"/>
+              </a:lnSpc>
+              <a:spcBef>
+                <a:spcPts val="1000"/>
+              </a:spcBef>
+              <a:spcAft>
+                <a:spcPts val="0"/>
+              </a:spcAft>
+              <a:buClr>
+                <a:schemeClr val="dk1"/>
+              </a:buClr>
+              <a:buSzPts val="2800"/>
+              <a:buChar char="•"/>
+            </a:pPr>
+            <a:r>
+              <a:rPr lang="en-US"/>
+              <a:t>Similar to the given example, write a python code with Numba to add two 1D lists</a:t>
+            </a:r>
+            <a:endParaRPr/>
+          </a:p>
+          <a:p>
+            <a:pPr indent="-50800" lvl="0" marL="228600" rtl="0" algn="l">
+              <a:lnSpc>
+                <a:spcPct val="90000"/>
+              </a:lnSpc>
+              <a:spcBef>
+                <a:spcPts val="1000"/>
+              </a:spcBef>
+              <a:spcAft>
+                <a:spcPts val="0"/>
+              </a:spcAft>
+              <a:buClr>
+                <a:schemeClr val="dk1"/>
+              </a:buClr>
+              <a:buSzPts val="2800"/>
+              <a:buNone/>
+            </a:pPr>
+            <a:r>
+              <a:t/>
+            </a:r>
+            <a:endParaRPr/>
+          </a:p>
+          <a:p>
+            <a:pPr indent="-50800" lvl="0" marL="228600" rtl="0" algn="l">
+              <a:lnSpc>
+                <a:spcPct val="90000"/>
+              </a:lnSpc>
+              <a:spcBef>
+                <a:spcPts val="1000"/>
+              </a:spcBef>
+              <a:spcAft>
+                <a:spcPts val="0"/>
+              </a:spcAft>
+              <a:buClr>
+                <a:schemeClr val="dk1"/>
+              </a:buClr>
+              <a:buSzPts val="2800"/>
+              <a:buNone/>
+            </a:pPr>
+            <a:r>
+              <a:t/>
             </a:r>
             <a:endParaRPr/>
           </a:p>
@@ -14321,7 +16516,7 @@
             </a:pPr>
             <a:r>
               <a:rPr lang="en-US"/>
-              <a:t>Issue </a:t>
+              <a:t>Required prerequisites</a:t>
             </a:r>
             <a:endParaRPr/>
           </a:p>
@@ -14330,376 +16525,15 @@
       <p:sp>
         <p:nvSpPr>
           <p:cNvPr id="91" name="Google Shape;91;p2"/>
-          <p:cNvSpPr/>
-          <p:nvPr/>
+          <p:cNvSpPr txBox="1"/>
+          <p:nvPr>
+            <p:ph idx="1" type="body"/>
+          </p:nvPr>
         </p:nvSpPr>
         <p:spPr>
           <a:xfrm>
-            <a:off x="5156461" y="1838227"/>
-            <a:ext cx="1461155" cy="584462"/>
-          </a:xfrm>
-          <a:prstGeom prst="rect">
-            <a:avLst/>
-          </a:prstGeom>
-          <a:solidFill>
-            <a:schemeClr val="accent1"/>
-          </a:solidFill>
-          <a:ln cap="flat" cmpd="sng" w="12700">
-            <a:solidFill>
-              <a:srgbClr val="31538F"/>
-            </a:solidFill>
-            <a:prstDash val="solid"/>
-            <a:miter lim="800000"/>
-            <a:headEnd len="sm" w="sm" type="none"/>
-            <a:tailEnd len="sm" w="sm" type="none"/>
-          </a:ln>
-        </p:spPr>
-        <p:txBody>
-          <a:bodyPr anchorCtr="0" anchor="ctr" bIns="45700" lIns="91425" spcFirstLastPara="1" rIns="91425" wrap="square" tIns="45700">
-            <a:noAutofit/>
-          </a:bodyPr>
-          <a:lstStyle/>
-          <a:p>
-            <a:pPr indent="0" lvl="0" marL="0" marR="0" rtl="0" algn="ctr">
-              <a:spcBef>
-                <a:spcPts val="0"/>
-              </a:spcBef>
-              <a:spcAft>
-                <a:spcPts val="0"/>
-              </a:spcAft>
-              <a:buNone/>
-            </a:pPr>
-            <a:r>
-              <a:rPr b="0" i="0" lang="en-US" sz="1800" u="none" cap="none" strike="noStrike">
-                <a:solidFill>
-                  <a:schemeClr val="lt1"/>
-                </a:solidFill>
-                <a:latin typeface="Calibri"/>
-                <a:ea typeface="Calibri"/>
-                <a:cs typeface="Calibri"/>
-                <a:sym typeface="Calibri"/>
-              </a:rPr>
-              <a:t>x</a:t>
-            </a:r>
-            <a:endParaRPr/>
-          </a:p>
-        </p:txBody>
-      </p:sp>
-      <p:sp>
-        <p:nvSpPr>
-          <p:cNvPr id="92" name="Google Shape;92;p2"/>
-          <p:cNvSpPr/>
-          <p:nvPr/>
-        </p:nvSpPr>
-        <p:spPr>
-          <a:xfrm>
-            <a:off x="3299381" y="1690688"/>
-            <a:ext cx="1310326" cy="367645"/>
-          </a:xfrm>
-          <a:prstGeom prst="rightArrow">
-            <a:avLst>
-              <a:gd fmla="val 50000" name="adj1"/>
-              <a:gd fmla="val 50000" name="adj2"/>
-            </a:avLst>
-          </a:prstGeom>
-          <a:solidFill>
-            <a:schemeClr val="accent1"/>
-          </a:solidFill>
-          <a:ln cap="flat" cmpd="sng" w="12700">
-            <a:solidFill>
-              <a:srgbClr val="31538F"/>
-            </a:solidFill>
-            <a:prstDash val="solid"/>
-            <a:miter lim="800000"/>
-            <a:headEnd len="sm" w="sm" type="none"/>
-            <a:tailEnd len="sm" w="sm" type="none"/>
-          </a:ln>
-        </p:spPr>
-        <p:txBody>
-          <a:bodyPr anchorCtr="0" anchor="ctr" bIns="45700" lIns="91425" spcFirstLastPara="1" rIns="91425" wrap="square" tIns="45700">
-            <a:noAutofit/>
-          </a:bodyPr>
-          <a:lstStyle/>
-          <a:p>
-            <a:pPr indent="0" lvl="0" marL="0" marR="0" rtl="0" algn="ctr">
-              <a:spcBef>
-                <a:spcPts val="0"/>
-              </a:spcBef>
-              <a:spcAft>
-                <a:spcPts val="0"/>
-              </a:spcAft>
-              <a:buNone/>
-            </a:pPr>
-            <a:r>
-              <a:rPr b="0" i="0" lang="en-US" sz="1800" u="none" cap="none" strike="noStrike">
-                <a:solidFill>
-                  <a:schemeClr val="lt1"/>
-                </a:solidFill>
-                <a:latin typeface="Calibri"/>
-                <a:ea typeface="Calibri"/>
-                <a:cs typeface="Calibri"/>
-                <a:sym typeface="Calibri"/>
-              </a:rPr>
-              <a:t>Thread 1</a:t>
-            </a:r>
-            <a:endParaRPr/>
-          </a:p>
-        </p:txBody>
-      </p:sp>
-      <p:sp>
-        <p:nvSpPr>
-          <p:cNvPr id="93" name="Google Shape;93;p2"/>
-          <p:cNvSpPr/>
-          <p:nvPr/>
-        </p:nvSpPr>
-        <p:spPr>
-          <a:xfrm rot="3556995">
-            <a:off x="4196498" y="775955"/>
-            <a:ext cx="1310326" cy="367645"/>
-          </a:xfrm>
-          <a:prstGeom prst="rightArrow">
-            <a:avLst>
-              <a:gd fmla="val 50000" name="adj1"/>
-              <a:gd fmla="val 50000" name="adj2"/>
-            </a:avLst>
-          </a:prstGeom>
-          <a:solidFill>
-            <a:schemeClr val="accent1"/>
-          </a:solidFill>
-          <a:ln cap="flat" cmpd="sng" w="12700">
-            <a:solidFill>
-              <a:srgbClr val="31538F"/>
-            </a:solidFill>
-            <a:prstDash val="solid"/>
-            <a:miter lim="800000"/>
-            <a:headEnd len="sm" w="sm" type="none"/>
-            <a:tailEnd len="sm" w="sm" type="none"/>
-          </a:ln>
-        </p:spPr>
-        <p:txBody>
-          <a:bodyPr anchorCtr="0" anchor="ctr" bIns="45700" lIns="91425" spcFirstLastPara="1" rIns="91425" wrap="square" tIns="45700">
-            <a:noAutofit/>
-          </a:bodyPr>
-          <a:lstStyle/>
-          <a:p>
-            <a:pPr indent="0" lvl="0" marL="0" marR="0" rtl="0" algn="ctr">
-              <a:spcBef>
-                <a:spcPts val="0"/>
-              </a:spcBef>
-              <a:spcAft>
-                <a:spcPts val="0"/>
-              </a:spcAft>
-              <a:buNone/>
-            </a:pPr>
-            <a:r>
-              <a:rPr b="0" i="0" lang="en-US" sz="1800" u="none" cap="none" strike="noStrike">
-                <a:solidFill>
-                  <a:schemeClr val="lt1"/>
-                </a:solidFill>
-                <a:latin typeface="Calibri"/>
-                <a:ea typeface="Calibri"/>
-                <a:cs typeface="Calibri"/>
-                <a:sym typeface="Calibri"/>
-              </a:rPr>
-              <a:t>Thread 2</a:t>
-            </a:r>
-            <a:endParaRPr/>
-          </a:p>
-        </p:txBody>
-      </p:sp>
-      <p:sp>
-        <p:nvSpPr>
-          <p:cNvPr id="94" name="Google Shape;94;p2"/>
-          <p:cNvSpPr/>
-          <p:nvPr/>
-        </p:nvSpPr>
-        <p:spPr>
-          <a:xfrm rot="6128164">
-            <a:off x="5758289" y="775954"/>
-            <a:ext cx="1310326" cy="367645"/>
-          </a:xfrm>
-          <a:prstGeom prst="rightArrow">
-            <a:avLst>
-              <a:gd fmla="val 50000" name="adj1"/>
-              <a:gd fmla="val 50000" name="adj2"/>
-            </a:avLst>
-          </a:prstGeom>
-          <a:solidFill>
-            <a:schemeClr val="accent1"/>
-          </a:solidFill>
-          <a:ln cap="flat" cmpd="sng" w="12700">
-            <a:solidFill>
-              <a:srgbClr val="31538F"/>
-            </a:solidFill>
-            <a:prstDash val="solid"/>
-            <a:miter lim="800000"/>
-            <a:headEnd len="sm" w="sm" type="none"/>
-            <a:tailEnd len="sm" w="sm" type="none"/>
-          </a:ln>
-        </p:spPr>
-        <p:txBody>
-          <a:bodyPr anchorCtr="0" anchor="ctr" bIns="45700" lIns="91425" spcFirstLastPara="1" rIns="91425" wrap="square" tIns="45700">
-            <a:noAutofit/>
-          </a:bodyPr>
-          <a:lstStyle/>
-          <a:p>
-            <a:pPr indent="0" lvl="0" marL="0" marR="0" rtl="0" algn="ctr">
-              <a:spcBef>
-                <a:spcPts val="0"/>
-              </a:spcBef>
-              <a:spcAft>
-                <a:spcPts val="0"/>
-              </a:spcAft>
-              <a:buNone/>
-            </a:pPr>
-            <a:r>
-              <a:rPr b="0" i="0" lang="en-US" sz="1800" u="none" cap="none" strike="noStrike">
-                <a:solidFill>
-                  <a:schemeClr val="lt1"/>
-                </a:solidFill>
-                <a:latin typeface="Calibri"/>
-                <a:ea typeface="Calibri"/>
-                <a:cs typeface="Calibri"/>
-                <a:sym typeface="Calibri"/>
-              </a:rPr>
-              <a:t>Thread 3</a:t>
-            </a:r>
-            <a:endParaRPr/>
-          </a:p>
-        </p:txBody>
-      </p:sp>
-      <p:sp>
-        <p:nvSpPr>
-          <p:cNvPr id="95" name="Google Shape;95;p2"/>
-          <p:cNvSpPr/>
-          <p:nvPr/>
-        </p:nvSpPr>
-        <p:spPr>
-          <a:xfrm>
-            <a:off x="6928101" y="1876155"/>
-            <a:ext cx="1605063" cy="364356"/>
-          </a:xfrm>
-          <a:prstGeom prst="leftArrow">
-            <a:avLst>
-              <a:gd fmla="val 50000" name="adj1"/>
-              <a:gd fmla="val 50000" name="adj2"/>
-            </a:avLst>
-          </a:prstGeom>
-          <a:solidFill>
-            <a:schemeClr val="accent1"/>
-          </a:solidFill>
-          <a:ln cap="flat" cmpd="sng" w="12700">
-            <a:solidFill>
-              <a:srgbClr val="31538F"/>
-            </a:solidFill>
-            <a:prstDash val="solid"/>
-            <a:miter lim="800000"/>
-            <a:headEnd len="sm" w="sm" type="none"/>
-            <a:tailEnd len="sm" w="sm" type="none"/>
-          </a:ln>
-        </p:spPr>
-        <p:txBody>
-          <a:bodyPr anchorCtr="0" anchor="ctr" bIns="45700" lIns="91425" spcFirstLastPara="1" rIns="91425" wrap="square" tIns="45700">
-            <a:noAutofit/>
-          </a:bodyPr>
-          <a:lstStyle/>
-          <a:p>
-            <a:pPr indent="0" lvl="0" marL="0" marR="0" rtl="0" algn="ctr">
-              <a:spcBef>
-                <a:spcPts val="0"/>
-              </a:spcBef>
-              <a:spcAft>
-                <a:spcPts val="0"/>
-              </a:spcAft>
-              <a:buNone/>
-            </a:pPr>
-            <a:r>
-              <a:rPr b="0" i="0" lang="en-US" sz="1800" u="none" cap="none" strike="noStrike">
-                <a:solidFill>
-                  <a:schemeClr val="lt1"/>
-                </a:solidFill>
-                <a:latin typeface="Calibri"/>
-                <a:ea typeface="Calibri"/>
-                <a:cs typeface="Calibri"/>
-                <a:sym typeface="Calibri"/>
-              </a:rPr>
-              <a:t>Thread 4</a:t>
-            </a:r>
-            <a:endParaRPr/>
-          </a:p>
-        </p:txBody>
-      </p:sp>
-      <p:sp>
-        <p:nvSpPr>
-          <p:cNvPr id="96" name="Google Shape;96;p2"/>
-          <p:cNvSpPr/>
-          <p:nvPr/>
-        </p:nvSpPr>
-        <p:spPr>
-          <a:xfrm rot="-1792086">
-            <a:off x="3568237" y="2432316"/>
-            <a:ext cx="1310326" cy="367645"/>
-          </a:xfrm>
-          <a:prstGeom prst="rightArrow">
-            <a:avLst>
-              <a:gd fmla="val 50000" name="adj1"/>
-              <a:gd fmla="val 50000" name="adj2"/>
-            </a:avLst>
-          </a:prstGeom>
-          <a:solidFill>
-            <a:schemeClr val="accent1"/>
-          </a:solidFill>
-          <a:ln cap="flat" cmpd="sng" w="12700">
-            <a:solidFill>
-              <a:srgbClr val="31538F"/>
-            </a:solidFill>
-            <a:prstDash val="solid"/>
-            <a:miter lim="800000"/>
-            <a:headEnd len="sm" w="sm" type="none"/>
-            <a:tailEnd len="sm" w="sm" type="none"/>
-          </a:ln>
-        </p:spPr>
-        <p:txBody>
-          <a:bodyPr anchorCtr="0" anchor="ctr" bIns="45700" lIns="91425" spcFirstLastPara="1" rIns="91425" wrap="square" tIns="45700">
-            <a:noAutofit/>
-          </a:bodyPr>
-          <a:lstStyle/>
-          <a:p>
-            <a:pPr indent="0" lvl="0" marL="0" marR="0" rtl="0" algn="ctr">
-              <a:spcBef>
-                <a:spcPts val="0"/>
-              </a:spcBef>
-              <a:spcAft>
-                <a:spcPts val="0"/>
-              </a:spcAft>
-              <a:buNone/>
-            </a:pPr>
-            <a:r>
-              <a:rPr b="0" i="0" lang="en-US" sz="1800" u="none" cap="none" strike="noStrike">
-                <a:solidFill>
-                  <a:schemeClr val="lt1"/>
-                </a:solidFill>
-                <a:latin typeface="Calibri"/>
-                <a:ea typeface="Calibri"/>
-                <a:cs typeface="Calibri"/>
-                <a:sym typeface="Calibri"/>
-              </a:rPr>
-              <a:t>Thread 5</a:t>
-            </a:r>
-            <a:endParaRPr/>
-          </a:p>
-        </p:txBody>
-      </p:sp>
-      <p:sp>
-        <p:nvSpPr>
-          <p:cNvPr id="97" name="Google Shape;97;p2"/>
-          <p:cNvSpPr txBox="1"/>
-          <p:nvPr/>
-        </p:nvSpPr>
-        <p:spPr>
-          <a:xfrm>
-            <a:off x="1040860" y="3667328"/>
-            <a:ext cx="11079804" cy="2677656"/>
+            <a:off x="838200" y="1825625"/>
+            <a:ext cx="10515600" cy="4351338"/>
           </a:xfrm>
           <a:prstGeom prst="rect">
             <a:avLst/>
@@ -14711,100 +16545,107 @@
         </p:spPr>
         <p:txBody>
           <a:bodyPr anchorCtr="0" anchor="t" bIns="45700" lIns="91425" spcFirstLastPara="1" rIns="91425" wrap="square" tIns="45700">
-            <a:spAutoFit/>
+            <a:normAutofit/>
           </a:bodyPr>
           <a:lstStyle/>
           <a:p>
-            <a:pPr indent="-285750" lvl="0" marL="285750" marR="0" rtl="0" algn="l">
-              <a:spcBef>
-                <a:spcPts val="0"/>
-              </a:spcBef>
-              <a:spcAft>
-                <a:spcPts val="0"/>
-              </a:spcAft>
-              <a:buClr>
-                <a:schemeClr val="dk1"/>
-              </a:buClr>
-              <a:buSzPts val="2400"/>
-              <a:buFont typeface="Arial"/>
+            <a:pPr indent="-228600" lvl="0" marL="228600" rtl="0" algn="l">
+              <a:lnSpc>
+                <a:spcPct val="90000"/>
+              </a:lnSpc>
+              <a:spcBef>
+                <a:spcPts val="0"/>
+              </a:spcBef>
+              <a:spcAft>
+                <a:spcPts val="0"/>
+              </a:spcAft>
+              <a:buClr>
+                <a:schemeClr val="dk1"/>
+              </a:buClr>
+              <a:buSzPts val="2800"/>
               <a:buChar char="•"/>
             </a:pPr>
             <a:r>
-              <a:rPr b="0" i="0" lang="en-US" sz="2400" u="none" cap="none" strike="noStrike">
+              <a:rPr lang="en-US"/>
+              <a:t>GPU introduction: </a:t>
+            </a:r>
+            <a:r>
+              <a:rPr lang="en-US" u="sng">
                 <a:solidFill>
-                  <a:schemeClr val="dk1"/>
+                  <a:schemeClr val="hlink"/>
                 </a:solidFill>
-                <a:latin typeface="Calibri"/>
-                <a:ea typeface="Calibri"/>
-                <a:cs typeface="Calibri"/>
-                <a:sym typeface="Calibri"/>
+                <a:hlinkClick r:id="rId3"/>
               </a:rPr>
-              <a:t>Suppose that multiple threads are trying to use the value of x for some computation and want to update x after the computation</a:t>
+              <a:t>https://docs.nvidia.com/cuda/cuda-c-programming-guide/index.html</a:t>
             </a:r>
             <a:endParaRPr/>
           </a:p>
           <a:p>
-            <a:pPr indent="-285750" lvl="0" marL="285750" marR="0" rtl="0" algn="l">
-              <a:spcBef>
-                <a:spcPts val="0"/>
-              </a:spcBef>
-              <a:spcAft>
-                <a:spcPts val="0"/>
-              </a:spcAft>
-              <a:buClr>
-                <a:schemeClr val="dk1"/>
-              </a:buClr>
-              <a:buSzPts val="2400"/>
-              <a:buFont typeface="Arial"/>
+            <a:pPr indent="-228600" lvl="0" marL="228600" rtl="0" algn="l">
+              <a:lnSpc>
+                <a:spcPct val="90000"/>
+              </a:lnSpc>
+              <a:spcBef>
+                <a:spcPts val="1000"/>
+              </a:spcBef>
+              <a:spcAft>
+                <a:spcPts val="0"/>
+              </a:spcAft>
+              <a:buClr>
+                <a:schemeClr val="dk1"/>
+              </a:buClr>
+              <a:buSzPts val="2800"/>
               <a:buChar char="•"/>
             </a:pPr>
             <a:r>
-              <a:rPr b="0" i="0" lang="en-US" sz="2400" u="none" cap="none" strike="noStrike">
+              <a:rPr lang="en-US"/>
+              <a:t>CUDA Basics: </a:t>
+            </a:r>
+            <a:r>
+              <a:rPr lang="en-US" u="sng">
                 <a:solidFill>
-                  <a:schemeClr val="dk1"/>
+                  <a:schemeClr val="hlink"/>
                 </a:solidFill>
-                <a:latin typeface="Calibri"/>
-                <a:ea typeface="Calibri"/>
-                <a:cs typeface="Calibri"/>
-                <a:sym typeface="Calibri"/>
+                <a:hlinkClick r:id="rId4"/>
               </a:rPr>
-              <a:t>Each of the computed result is necessary for correct computation</a:t>
+              <a:t>CUDA C Programming Guide</a:t>
+            </a:r>
+            <a:r>
+              <a:rPr lang="en-US"/>
+              <a:t>.</a:t>
             </a:r>
             <a:endParaRPr/>
           </a:p>
           <a:p>
-            <a:pPr indent="-285750" lvl="1" marL="742950" marR="0" rtl="0" algn="l">
-              <a:spcBef>
-                <a:spcPts val="0"/>
-              </a:spcBef>
-              <a:spcAft>
-                <a:spcPts val="0"/>
-              </a:spcAft>
-              <a:buClr>
-                <a:schemeClr val="dk1"/>
-              </a:buClr>
-              <a:buSzPts val="2400"/>
-              <a:buFont typeface="Arial"/>
+            <a:pPr indent="-228600" lvl="0" marL="228600" rtl="0" algn="l">
+              <a:lnSpc>
+                <a:spcPct val="90000"/>
+              </a:lnSpc>
+              <a:spcBef>
+                <a:spcPts val="1000"/>
+              </a:spcBef>
+              <a:spcAft>
+                <a:spcPts val="0"/>
+              </a:spcAft>
+              <a:buClr>
+                <a:schemeClr val="dk1"/>
+              </a:buClr>
+              <a:buSzPts val="2800"/>
               <a:buChar char="•"/>
             </a:pPr>
             <a:r>
-              <a:rPr b="0" i="0" lang="en-US" sz="2400" u="none" cap="none" strike="noStrike">
-                <a:solidFill>
-                  <a:schemeClr val="dk1"/>
-                </a:solidFill>
-                <a:latin typeface="Calibri"/>
-                <a:ea typeface="Calibri"/>
-                <a:cs typeface="Calibri"/>
-                <a:sym typeface="Calibri"/>
-              </a:rPr>
-              <a:t>For example, </a:t>
+              <a:rPr lang="en-US"/>
+              <a:t>For Numba: </a:t>
             </a:r>
             <a:endParaRPr/>
           </a:p>
           <a:p>
-            <a:pPr indent="-285750" lvl="2" marL="1200150" marR="0" rtl="0" algn="l">
-              <a:spcBef>
-                <a:spcPts val="0"/>
+            <a:pPr indent="-228600" lvl="1" marL="685800" rtl="0" algn="l">
+              <a:lnSpc>
+                <a:spcPct val="90000"/>
+              </a:lnSpc>
+              <a:spcBef>
+                <a:spcPts val="500"/>
               </a:spcBef>
               <a:spcAft>
                 <a:spcPts val="0"/>
@@ -14813,27 +16654,30 @@
                 <a:schemeClr val="dk1"/>
               </a:buClr>
               <a:buSzPts val="2400"/>
-              <a:buFont typeface="Arial"/>
               <a:buChar char="•"/>
             </a:pPr>
             <a:r>
-              <a:rPr b="0" i="0" lang="en-US" sz="2400" u="none" cap="none" strike="noStrike">
+              <a:rPr lang="en-US"/>
+              <a:t>Python programming: </a:t>
+            </a:r>
+            <a:r>
+              <a:rPr lang="en-US" u="sng">
                 <a:solidFill>
-                  <a:schemeClr val="dk1"/>
+                  <a:schemeClr val="hlink"/>
                 </a:solidFill>
-                <a:latin typeface="Calibri"/>
-                <a:ea typeface="Calibri"/>
-                <a:cs typeface="Calibri"/>
-                <a:sym typeface="Calibri"/>
+                <a:hlinkClick r:id="rId5"/>
               </a:rPr>
-              <a:t>Thread 1 uses original value of x to compute some results and save it to x</a:t>
+              <a:t>https://www.python.org/doc/</a:t>
             </a:r>
             <a:endParaRPr/>
           </a:p>
           <a:p>
-            <a:pPr indent="-285750" lvl="2" marL="1200150" marR="0" rtl="0" algn="l">
-              <a:spcBef>
-                <a:spcPts val="0"/>
+            <a:pPr indent="-228600" lvl="1" marL="685800" rtl="0" algn="l">
+              <a:lnSpc>
+                <a:spcPct val="90000"/>
+              </a:lnSpc>
+              <a:spcBef>
+                <a:spcPts val="500"/>
               </a:spcBef>
               <a:spcAft>
                 <a:spcPts val="0"/>
@@ -14842,49 +16686,71 @@
                 <a:schemeClr val="dk1"/>
               </a:buClr>
               <a:buSzPts val="2400"/>
-              <a:buFont typeface="Arial"/>
               <a:buChar char="•"/>
             </a:pPr>
             <a:r>
-              <a:rPr b="0" i="0" lang="en-US" sz="2400" u="none" cap="none" strike="noStrike">
+              <a:rPr lang="en-US"/>
+              <a:t>Numba basics: </a:t>
+            </a:r>
+            <a:r>
+              <a:rPr lang="en-US" u="sng">
                 <a:solidFill>
-                  <a:schemeClr val="dk1"/>
+                  <a:schemeClr val="hlink"/>
                 </a:solidFill>
-                <a:latin typeface="Calibri"/>
-                <a:ea typeface="Calibri"/>
-                <a:cs typeface="Calibri"/>
-                <a:sym typeface="Calibri"/>
+                <a:hlinkClick r:id="rId6"/>
               </a:rPr>
-              <a:t>Thread 2 uses the new value of x to computer some results and save it to x</a:t>
+              <a:t>https://numba.pydata.org/numba-doc/latest/index.html</a:t>
             </a:r>
             <a:endParaRPr/>
           </a:p>
           <a:p>
-            <a:pPr indent="-285750" lvl="2" marL="1200150" marR="0" rtl="0" algn="l">
-              <a:spcBef>
-                <a:spcPts val="0"/>
-              </a:spcBef>
-              <a:spcAft>
-                <a:spcPts val="0"/>
-              </a:spcAft>
-              <a:buClr>
-                <a:schemeClr val="dk1"/>
-              </a:buClr>
-              <a:buSzPts val="2400"/>
-              <a:buFont typeface="Arial"/>
+            <a:pPr indent="-228600" lvl="0" marL="228600" rtl="0" algn="l">
+              <a:lnSpc>
+                <a:spcPct val="90000"/>
+              </a:lnSpc>
+              <a:spcBef>
+                <a:spcPts val="1000"/>
+              </a:spcBef>
+              <a:spcAft>
+                <a:spcPts val="0"/>
+              </a:spcAft>
+              <a:buClr>
+                <a:schemeClr val="dk1"/>
+              </a:buClr>
+              <a:buSzPts val="2800"/>
               <a:buChar char="•"/>
             </a:pPr>
             <a:r>
-              <a:rPr b="0" i="0" lang="en-US" sz="2400" u="none" cap="none" strike="noStrike">
+              <a:rPr lang="en-US"/>
+              <a:t>To install python using Anaconda</a:t>
+            </a:r>
+            <a:endParaRPr/>
+          </a:p>
+          <a:p>
+            <a:pPr indent="-228600" lvl="1" marL="685800" rtl="0" algn="l">
+              <a:lnSpc>
+                <a:spcPct val="90000"/>
+              </a:lnSpc>
+              <a:spcBef>
+                <a:spcPts val="500"/>
+              </a:spcBef>
+              <a:spcAft>
+                <a:spcPts val="0"/>
+              </a:spcAft>
+              <a:buClr>
+                <a:schemeClr val="dk1"/>
+              </a:buClr>
+              <a:buSzPts val="2400"/>
+              <a:buChar char="•"/>
+            </a:pPr>
+            <a:r>
+              <a:rPr lang="en-US" u="sng">
                 <a:solidFill>
-                  <a:schemeClr val="dk1"/>
+                  <a:schemeClr val="hlink"/>
                 </a:solidFill>
-                <a:latin typeface="Calibri"/>
-                <a:ea typeface="Calibri"/>
-                <a:cs typeface="Calibri"/>
-                <a:sym typeface="Calibri"/>
+                <a:hlinkClick r:id="rId7"/>
               </a:rPr>
-              <a:t>And so on….</a:t>
+              <a:t>https://docs.anaconda.com/anaconda/install/windows/</a:t>
             </a:r>
             <a:endParaRPr/>
           </a:p>
@@ -14903,7 +16769,7 @@
   <p:cSld>
     <p:spTree>
       <p:nvGrpSpPr>
-        <p:cNvPr id="101" name="Shape 101"/>
+        <p:cNvPr id="95" name="Shape 95"/>
         <p:cNvGrpSpPr/>
         <p:nvPr/>
       </p:nvGrpSpPr>
@@ -14917,7 +16783,7 @@
       </p:grpSpPr>
       <p:sp>
         <p:nvSpPr>
-          <p:cNvPr id="102" name="Google Shape;102;p3"/>
+          <p:cNvPr id="96" name="Google Shape;96;p3"/>
           <p:cNvSpPr txBox="1"/>
           <p:nvPr>
             <p:ph type="title"/>
@@ -14961,7 +16827,7 @@
             </a:pPr>
             <a:r>
               <a:rPr lang="en-US"/>
-              <a:t>Issue </a:t>
+              <a:t>Numba</a:t>
             </a:r>
             <a:endParaRPr/>
           </a:p>
@@ -14969,377 +16835,16 @@
       </p:sp>
       <p:sp>
         <p:nvSpPr>
-          <p:cNvPr id="103" name="Google Shape;103;p3"/>
-          <p:cNvSpPr/>
-          <p:nvPr/>
+          <p:cNvPr id="97" name="Google Shape;97;p3"/>
+          <p:cNvSpPr txBox="1"/>
+          <p:nvPr>
+            <p:ph idx="1" type="body"/>
+          </p:nvPr>
         </p:nvSpPr>
         <p:spPr>
           <a:xfrm>
-            <a:off x="5156461" y="1838227"/>
-            <a:ext cx="1461155" cy="584462"/>
-          </a:xfrm>
-          <a:prstGeom prst="rect">
-            <a:avLst/>
-          </a:prstGeom>
-          <a:solidFill>
-            <a:schemeClr val="accent1"/>
-          </a:solidFill>
-          <a:ln cap="flat" cmpd="sng" w="12700">
-            <a:solidFill>
-              <a:srgbClr val="31538F"/>
-            </a:solidFill>
-            <a:prstDash val="solid"/>
-            <a:miter lim="800000"/>
-            <a:headEnd len="sm" w="sm" type="none"/>
-            <a:tailEnd len="sm" w="sm" type="none"/>
-          </a:ln>
-        </p:spPr>
-        <p:txBody>
-          <a:bodyPr anchorCtr="0" anchor="ctr" bIns="45700" lIns="91425" spcFirstLastPara="1" rIns="91425" wrap="square" tIns="45700">
-            <a:noAutofit/>
-          </a:bodyPr>
-          <a:lstStyle/>
-          <a:p>
-            <a:pPr indent="0" lvl="0" marL="0" marR="0" rtl="0" algn="ctr">
-              <a:spcBef>
-                <a:spcPts val="0"/>
-              </a:spcBef>
-              <a:spcAft>
-                <a:spcPts val="0"/>
-              </a:spcAft>
-              <a:buNone/>
-            </a:pPr>
-            <a:r>
-              <a:rPr b="0" i="0" lang="en-US" sz="1800" u="none" cap="none" strike="noStrike">
-                <a:solidFill>
-                  <a:schemeClr val="lt1"/>
-                </a:solidFill>
-                <a:latin typeface="Calibri"/>
-                <a:ea typeface="Calibri"/>
-                <a:cs typeface="Calibri"/>
-                <a:sym typeface="Calibri"/>
-              </a:rPr>
-              <a:t>x</a:t>
-            </a:r>
-            <a:endParaRPr/>
-          </a:p>
-        </p:txBody>
-      </p:sp>
-      <p:sp>
-        <p:nvSpPr>
-          <p:cNvPr id="104" name="Google Shape;104;p3"/>
-          <p:cNvSpPr/>
-          <p:nvPr/>
-        </p:nvSpPr>
-        <p:spPr>
-          <a:xfrm>
-            <a:off x="3299381" y="1690688"/>
-            <a:ext cx="1310326" cy="367645"/>
-          </a:xfrm>
-          <a:prstGeom prst="rightArrow">
-            <a:avLst>
-              <a:gd fmla="val 50000" name="adj1"/>
-              <a:gd fmla="val 50000" name="adj2"/>
-            </a:avLst>
-          </a:prstGeom>
-          <a:solidFill>
-            <a:schemeClr val="accent1"/>
-          </a:solidFill>
-          <a:ln cap="flat" cmpd="sng" w="12700">
-            <a:solidFill>
-              <a:srgbClr val="31538F"/>
-            </a:solidFill>
-            <a:prstDash val="solid"/>
-            <a:miter lim="800000"/>
-            <a:headEnd len="sm" w="sm" type="none"/>
-            <a:tailEnd len="sm" w="sm" type="none"/>
-          </a:ln>
-        </p:spPr>
-        <p:txBody>
-          <a:bodyPr anchorCtr="0" anchor="ctr" bIns="45700" lIns="91425" spcFirstLastPara="1" rIns="91425" wrap="square" tIns="45700">
-            <a:noAutofit/>
-          </a:bodyPr>
-          <a:lstStyle/>
-          <a:p>
-            <a:pPr indent="0" lvl="0" marL="0" marR="0" rtl="0" algn="ctr">
-              <a:spcBef>
-                <a:spcPts val="0"/>
-              </a:spcBef>
-              <a:spcAft>
-                <a:spcPts val="0"/>
-              </a:spcAft>
-              <a:buNone/>
-            </a:pPr>
-            <a:r>
-              <a:rPr b="0" i="0" lang="en-US" sz="1800" u="none" cap="none" strike="noStrike">
-                <a:solidFill>
-                  <a:schemeClr val="lt1"/>
-                </a:solidFill>
-                <a:latin typeface="Calibri"/>
-                <a:ea typeface="Calibri"/>
-                <a:cs typeface="Calibri"/>
-                <a:sym typeface="Calibri"/>
-              </a:rPr>
-              <a:t>Thread 1</a:t>
-            </a:r>
-            <a:endParaRPr/>
-          </a:p>
-        </p:txBody>
-      </p:sp>
-      <p:sp>
-        <p:nvSpPr>
-          <p:cNvPr id="105" name="Google Shape;105;p3"/>
-          <p:cNvSpPr/>
-          <p:nvPr/>
-        </p:nvSpPr>
-        <p:spPr>
-          <a:xfrm rot="3556995">
-            <a:off x="4196498" y="775955"/>
-            <a:ext cx="1310326" cy="367645"/>
-          </a:xfrm>
-          <a:prstGeom prst="rightArrow">
-            <a:avLst>
-              <a:gd fmla="val 50000" name="adj1"/>
-              <a:gd fmla="val 50000" name="adj2"/>
-            </a:avLst>
-          </a:prstGeom>
-          <a:solidFill>
-            <a:schemeClr val="accent1"/>
-          </a:solidFill>
-          <a:ln cap="flat" cmpd="sng" w="12700">
-            <a:solidFill>
-              <a:srgbClr val="31538F"/>
-            </a:solidFill>
-            <a:prstDash val="solid"/>
-            <a:miter lim="800000"/>
-            <a:headEnd len="sm" w="sm" type="none"/>
-            <a:tailEnd len="sm" w="sm" type="none"/>
-          </a:ln>
-        </p:spPr>
-        <p:txBody>
-          <a:bodyPr anchorCtr="0" anchor="ctr" bIns="45700" lIns="91425" spcFirstLastPara="1" rIns="91425" wrap="square" tIns="45700">
-            <a:noAutofit/>
-          </a:bodyPr>
-          <a:lstStyle/>
-          <a:p>
-            <a:pPr indent="0" lvl="0" marL="0" marR="0" rtl="0" algn="ctr">
-              <a:spcBef>
-                <a:spcPts val="0"/>
-              </a:spcBef>
-              <a:spcAft>
-                <a:spcPts val="0"/>
-              </a:spcAft>
-              <a:buNone/>
-            </a:pPr>
-            <a:r>
-              <a:rPr b="0" i="0" lang="en-US" sz="1800" u="none" cap="none" strike="noStrike">
-                <a:solidFill>
-                  <a:schemeClr val="lt1"/>
-                </a:solidFill>
-                <a:latin typeface="Calibri"/>
-                <a:ea typeface="Calibri"/>
-                <a:cs typeface="Calibri"/>
-                <a:sym typeface="Calibri"/>
-              </a:rPr>
-              <a:t>Thread 2</a:t>
-            </a:r>
-            <a:endParaRPr/>
-          </a:p>
-        </p:txBody>
-      </p:sp>
-      <p:sp>
-        <p:nvSpPr>
-          <p:cNvPr id="106" name="Google Shape;106;p3"/>
-          <p:cNvSpPr/>
-          <p:nvPr/>
-        </p:nvSpPr>
-        <p:spPr>
-          <a:xfrm rot="6128164">
-            <a:off x="5758289" y="775954"/>
-            <a:ext cx="1310326" cy="367645"/>
-          </a:xfrm>
-          <a:prstGeom prst="rightArrow">
-            <a:avLst>
-              <a:gd fmla="val 50000" name="adj1"/>
-              <a:gd fmla="val 50000" name="adj2"/>
-            </a:avLst>
-          </a:prstGeom>
-          <a:solidFill>
-            <a:schemeClr val="accent1"/>
-          </a:solidFill>
-          <a:ln cap="flat" cmpd="sng" w="12700">
-            <a:solidFill>
-              <a:srgbClr val="31538F"/>
-            </a:solidFill>
-            <a:prstDash val="solid"/>
-            <a:miter lim="800000"/>
-            <a:headEnd len="sm" w="sm" type="none"/>
-            <a:tailEnd len="sm" w="sm" type="none"/>
-          </a:ln>
-        </p:spPr>
-        <p:txBody>
-          <a:bodyPr anchorCtr="0" anchor="ctr" bIns="45700" lIns="91425" spcFirstLastPara="1" rIns="91425" wrap="square" tIns="45700">
-            <a:noAutofit/>
-          </a:bodyPr>
-          <a:lstStyle/>
-          <a:p>
-            <a:pPr indent="0" lvl="0" marL="0" marR="0" rtl="0" algn="ctr">
-              <a:spcBef>
-                <a:spcPts val="0"/>
-              </a:spcBef>
-              <a:spcAft>
-                <a:spcPts val="0"/>
-              </a:spcAft>
-              <a:buNone/>
-            </a:pPr>
-            <a:r>
-              <a:rPr b="0" i="0" lang="en-US" sz="1800" u="none" cap="none" strike="noStrike">
-                <a:solidFill>
-                  <a:schemeClr val="lt1"/>
-                </a:solidFill>
-                <a:latin typeface="Calibri"/>
-                <a:ea typeface="Calibri"/>
-                <a:cs typeface="Calibri"/>
-                <a:sym typeface="Calibri"/>
-              </a:rPr>
-              <a:t>Thread 3</a:t>
-            </a:r>
-            <a:endParaRPr/>
-          </a:p>
-        </p:txBody>
-      </p:sp>
-      <p:sp>
-        <p:nvSpPr>
-          <p:cNvPr id="107" name="Google Shape;107;p3"/>
-          <p:cNvSpPr/>
-          <p:nvPr/>
-        </p:nvSpPr>
-        <p:spPr>
-          <a:xfrm>
-            <a:off x="6928101" y="1876155"/>
-            <a:ext cx="1605063" cy="364356"/>
-          </a:xfrm>
-          <a:prstGeom prst="leftArrow">
-            <a:avLst>
-              <a:gd fmla="val 50000" name="adj1"/>
-              <a:gd fmla="val 50000" name="adj2"/>
-            </a:avLst>
-          </a:prstGeom>
-          <a:solidFill>
-            <a:schemeClr val="accent1"/>
-          </a:solidFill>
-          <a:ln cap="flat" cmpd="sng" w="12700">
-            <a:solidFill>
-              <a:srgbClr val="31538F"/>
-            </a:solidFill>
-            <a:prstDash val="solid"/>
-            <a:miter lim="800000"/>
-            <a:headEnd len="sm" w="sm" type="none"/>
-            <a:tailEnd len="sm" w="sm" type="none"/>
-          </a:ln>
-        </p:spPr>
-        <p:txBody>
-          <a:bodyPr anchorCtr="0" anchor="ctr" bIns="45700" lIns="91425" spcFirstLastPara="1" rIns="91425" wrap="square" tIns="45700">
-            <a:noAutofit/>
-          </a:bodyPr>
-          <a:lstStyle/>
-          <a:p>
-            <a:pPr indent="0" lvl="0" marL="0" marR="0" rtl="0" algn="ctr">
-              <a:spcBef>
-                <a:spcPts val="0"/>
-              </a:spcBef>
-              <a:spcAft>
-                <a:spcPts val="0"/>
-              </a:spcAft>
-              <a:buNone/>
-            </a:pPr>
-            <a:r>
-              <a:rPr b="0" i="0" lang="en-US" sz="1800" u="none" cap="none" strike="noStrike">
-                <a:solidFill>
-                  <a:schemeClr val="lt1"/>
-                </a:solidFill>
-                <a:latin typeface="Calibri"/>
-                <a:ea typeface="Calibri"/>
-                <a:cs typeface="Calibri"/>
-                <a:sym typeface="Calibri"/>
-              </a:rPr>
-              <a:t>Thread 4</a:t>
-            </a:r>
-            <a:endParaRPr/>
-          </a:p>
-        </p:txBody>
-      </p:sp>
-      <p:sp>
-        <p:nvSpPr>
-          <p:cNvPr id="108" name="Google Shape;108;p3"/>
-          <p:cNvSpPr/>
-          <p:nvPr/>
-        </p:nvSpPr>
-        <p:spPr>
-          <a:xfrm rot="-1792086">
-            <a:off x="3568237" y="2432316"/>
-            <a:ext cx="1310326" cy="367645"/>
-          </a:xfrm>
-          <a:prstGeom prst="rightArrow">
-            <a:avLst>
-              <a:gd fmla="val 50000" name="adj1"/>
-              <a:gd fmla="val 50000" name="adj2"/>
-            </a:avLst>
-          </a:prstGeom>
-          <a:solidFill>
-            <a:schemeClr val="accent1"/>
-          </a:solidFill>
-          <a:ln cap="flat" cmpd="sng" w="12700">
-            <a:solidFill>
-              <a:srgbClr val="31538F"/>
-            </a:solidFill>
-            <a:prstDash val="solid"/>
-            <a:miter lim="800000"/>
-            <a:headEnd len="sm" w="sm" type="none"/>
-            <a:tailEnd len="sm" w="sm" type="none"/>
-          </a:ln>
-        </p:spPr>
-        <p:txBody>
-          <a:bodyPr anchorCtr="0" anchor="ctr" bIns="45700" lIns="91425" spcFirstLastPara="1" rIns="91425" wrap="square" tIns="45700">
-            <a:noAutofit/>
-          </a:bodyPr>
-          <a:lstStyle/>
-          <a:p>
-            <a:pPr indent="0" lvl="0" marL="0" marR="0" rtl="0" algn="ctr">
-              <a:spcBef>
-                <a:spcPts val="0"/>
-              </a:spcBef>
-              <a:spcAft>
-                <a:spcPts val="0"/>
-              </a:spcAft>
-              <a:buNone/>
-            </a:pPr>
-            <a:r>
-              <a:rPr b="0" i="0" lang="en-US" sz="1800" u="none" cap="none" strike="noStrike">
-                <a:solidFill>
-                  <a:schemeClr val="lt1"/>
-                </a:solidFill>
-                <a:latin typeface="Calibri"/>
-                <a:ea typeface="Calibri"/>
-                <a:cs typeface="Calibri"/>
-                <a:sym typeface="Calibri"/>
-              </a:rPr>
-              <a:t>Thread 5</a:t>
-            </a:r>
-            <a:endParaRPr/>
-          </a:p>
-        </p:txBody>
-      </p:sp>
-      <p:sp>
-        <p:nvSpPr>
-          <p:cNvPr id="109" name="Google Shape;109;p3"/>
-          <p:cNvSpPr txBox="1"/>
-          <p:nvPr/>
-        </p:nvSpPr>
-        <p:spPr>
-          <a:xfrm>
-            <a:off x="1040860" y="3667328"/>
-            <a:ext cx="11079804" cy="2677656"/>
+            <a:off x="838200" y="1825625"/>
+            <a:ext cx="10515600" cy="4351338"/>
           </a:xfrm>
           <a:prstGeom prst="rect">
             <a:avLst/>
@@ -15351,180 +16856,65 @@
         </p:spPr>
         <p:txBody>
           <a:bodyPr anchorCtr="0" anchor="t" bIns="45700" lIns="91425" spcFirstLastPara="1" rIns="91425" wrap="square" tIns="45700">
-            <a:spAutoFit/>
+            <a:normAutofit/>
           </a:bodyPr>
           <a:lstStyle/>
           <a:p>
-            <a:pPr indent="-285750" lvl="0" marL="285750" marR="0" rtl="0" algn="l">
-              <a:spcBef>
-                <a:spcPts val="0"/>
-              </a:spcBef>
-              <a:spcAft>
-                <a:spcPts val="0"/>
-              </a:spcAft>
-              <a:buClr>
-                <a:schemeClr val="dk1"/>
-              </a:buClr>
-              <a:buSzPts val="2400"/>
-              <a:buFont typeface="Arial"/>
+            <a:pPr indent="-228600" lvl="0" marL="228600" rtl="0" algn="l">
+              <a:lnSpc>
+                <a:spcPct val="90000"/>
+              </a:lnSpc>
+              <a:spcBef>
+                <a:spcPts val="0"/>
+              </a:spcBef>
+              <a:spcAft>
+                <a:spcPts val="0"/>
+              </a:spcAft>
+              <a:buClr>
+                <a:schemeClr val="dk1"/>
+              </a:buClr>
+              <a:buSzPts val="2800"/>
               <a:buChar char="•"/>
             </a:pPr>
             <a:r>
-              <a:rPr b="0" i="0" lang="en-US" sz="2400" u="none" cap="none" strike="noStrike">
-                <a:solidFill>
-                  <a:schemeClr val="dk1"/>
-                </a:solidFill>
-                <a:latin typeface="Calibri"/>
-                <a:ea typeface="Calibri"/>
-                <a:cs typeface="Calibri"/>
-                <a:sym typeface="Calibri"/>
-              </a:rPr>
-              <a:t>What is the issue?</a:t>
+              <a:rPr lang="en-US"/>
+              <a:t>Numba is a compiler for Python array and numerical functions that speeds up the applications with high performance functions written directly in Python.</a:t>
             </a:r>
             <a:endParaRPr/>
           </a:p>
           <a:p>
-            <a:pPr indent="-285750" lvl="1" marL="742950" marR="0" rtl="0" algn="l">
-              <a:spcBef>
-                <a:spcPts val="0"/>
-              </a:spcBef>
-              <a:spcAft>
-                <a:spcPts val="0"/>
-              </a:spcAft>
-              <a:buClr>
-                <a:schemeClr val="dk1"/>
-              </a:buClr>
-              <a:buSzPts val="2400"/>
-              <a:buFont typeface="Arial"/>
+            <a:pPr indent="-228600" lvl="0" marL="228600" rtl="0" algn="l">
+              <a:lnSpc>
+                <a:spcPct val="90000"/>
+              </a:lnSpc>
+              <a:spcBef>
+                <a:spcPts val="1000"/>
+              </a:spcBef>
+              <a:spcAft>
+                <a:spcPts val="0"/>
+              </a:spcAft>
+              <a:buClr>
+                <a:schemeClr val="dk1"/>
+              </a:buClr>
+              <a:buSzPts val="2800"/>
               <a:buChar char="•"/>
             </a:pPr>
             <a:r>
-              <a:rPr b="0" i="0" lang="en-US" sz="2400" u="none" cap="none" strike="noStrike">
+              <a:rPr lang="en-US"/>
+              <a:t>Numba generates optimized machine code from pure Python code using the </a:t>
+            </a:r>
+            <a:r>
+              <a:rPr lang="en-US" u="sng">
                 <a:solidFill>
-                  <a:schemeClr val="dk1"/>
+                  <a:schemeClr val="hlink"/>
                 </a:solidFill>
-                <a:latin typeface="Calibri"/>
-                <a:ea typeface="Calibri"/>
-                <a:cs typeface="Calibri"/>
-                <a:sym typeface="Calibri"/>
+                <a:hlinkClick r:id="rId3"/>
               </a:rPr>
-              <a:t>Suppose Thread 3 updates the value of x, then other threads need to use the new value</a:t>
+              <a:t>LLVM compiler infrastructure</a:t>
             </a:r>
-            <a:endParaRPr/>
-          </a:p>
-          <a:p>
-            <a:pPr indent="-285750" lvl="1" marL="742950" marR="0" rtl="0" algn="l">
-              <a:spcBef>
-                <a:spcPts val="0"/>
-              </a:spcBef>
-              <a:spcAft>
-                <a:spcPts val="0"/>
-              </a:spcAft>
-              <a:buClr>
-                <a:schemeClr val="dk1"/>
-              </a:buClr>
-              <a:buSzPts val="2400"/>
-              <a:buFont typeface="Arial"/>
-              <a:buChar char="•"/>
-            </a:pPr>
             <a:r>
-              <a:rPr b="0" i="0" lang="en-US" sz="2400" u="none" cap="none" strike="noStrike">
-                <a:solidFill>
-                  <a:schemeClr val="dk1"/>
-                </a:solidFill>
-                <a:latin typeface="Calibri"/>
-                <a:ea typeface="Calibri"/>
-                <a:cs typeface="Calibri"/>
-                <a:sym typeface="Calibri"/>
-              </a:rPr>
-              <a:t>But when Thread 4 access the value of x, it might not have been updated</a:t>
-            </a:r>
-            <a:endParaRPr/>
-          </a:p>
-          <a:p>
-            <a:pPr indent="-285750" lvl="2" marL="1200150" marR="0" rtl="0" algn="l">
-              <a:spcBef>
-                <a:spcPts val="0"/>
-              </a:spcBef>
-              <a:spcAft>
-                <a:spcPts val="0"/>
-              </a:spcAft>
-              <a:buClr>
-                <a:schemeClr val="dk1"/>
-              </a:buClr>
-              <a:buSzPts val="2400"/>
-              <a:buFont typeface="Arial"/>
-              <a:buChar char="•"/>
-            </a:pPr>
-            <a:r>
-              <a:rPr b="0" i="0" lang="en-US" sz="2400" u="none" cap="none" strike="noStrike">
-                <a:solidFill>
-                  <a:schemeClr val="dk1"/>
-                </a:solidFill>
-                <a:latin typeface="Calibri"/>
-                <a:ea typeface="Calibri"/>
-                <a:cs typeface="Calibri"/>
-                <a:sym typeface="Calibri"/>
-              </a:rPr>
-              <a:t> So it will use old value from x, compute and update</a:t>
-            </a:r>
-            <a:endParaRPr/>
-          </a:p>
-          <a:p>
-            <a:pPr indent="-285750" lvl="2" marL="1200150" marR="0" rtl="0" algn="l">
-              <a:spcBef>
-                <a:spcPts val="0"/>
-              </a:spcBef>
-              <a:spcAft>
-                <a:spcPts val="0"/>
-              </a:spcAft>
-              <a:buClr>
-                <a:schemeClr val="dk1"/>
-              </a:buClr>
-              <a:buSzPts val="2400"/>
-              <a:buFont typeface="Arial"/>
-              <a:buChar char="•"/>
-            </a:pPr>
-            <a:r>
-              <a:rPr b="0" i="0" lang="en-US" sz="2400" u="none" cap="none" strike="noStrike">
-                <a:solidFill>
-                  <a:schemeClr val="dk1"/>
-                </a:solidFill>
-                <a:latin typeface="Calibri"/>
-                <a:ea typeface="Calibri"/>
-                <a:cs typeface="Calibri"/>
-                <a:sym typeface="Calibri"/>
-              </a:rPr>
-              <a:t>The updated value is wrong since it used the wrong value of x</a:t>
-            </a:r>
-            <a:endParaRPr/>
-          </a:p>
-          <a:p>
-            <a:pPr indent="-285750" lvl="1" marL="742950" marR="0" rtl="0" algn="l">
-              <a:spcBef>
-                <a:spcPts val="0"/>
-              </a:spcBef>
-              <a:spcAft>
-                <a:spcPts val="0"/>
-              </a:spcAft>
-              <a:buClr>
-                <a:schemeClr val="dk1"/>
-              </a:buClr>
-              <a:buSzPts val="2400"/>
-              <a:buFont typeface="Arial"/>
-              <a:buChar char="•"/>
-            </a:pPr>
-            <a:r>
-              <a:rPr b="0" i="0" lang="en-US" sz="2400" u="none" cap="none" strike="noStrike">
-                <a:solidFill>
-                  <a:schemeClr val="dk1"/>
-                </a:solidFill>
-                <a:latin typeface="Calibri"/>
-                <a:ea typeface="Calibri"/>
-                <a:cs typeface="Calibri"/>
-                <a:sym typeface="Calibri"/>
-              </a:rPr>
-              <a:t>Other threads might also have this issue  </a:t>
+              <a:rPr lang="en-US"/>
+              <a:t>. With a few simple annotations, array-oriented and math-heavy Python code can be just-in-time optimized to performance similar as C, C++ and Fortran, without having to switch languages or Python interpreters.</a:t>
             </a:r>
             <a:endParaRPr/>
           </a:p>
@@ -15543,7 +16933,7 @@
   <p:cSld>
     <p:spTree>
       <p:nvGrpSpPr>
-        <p:cNvPr id="113" name="Shape 113"/>
+        <p:cNvPr id="101" name="Shape 101"/>
         <p:cNvGrpSpPr/>
         <p:nvPr/>
       </p:nvGrpSpPr>
@@ -15557,7 +16947,7 @@
       </p:grpSpPr>
       <p:sp>
         <p:nvSpPr>
-          <p:cNvPr id="114" name="Google Shape;114;p4"/>
+          <p:cNvPr id="102" name="Google Shape;102;p4"/>
           <p:cNvSpPr txBox="1"/>
           <p:nvPr>
             <p:ph type="title"/>
@@ -15601,7 +16991,7 @@
             </a:pPr>
             <a:r>
               <a:rPr lang="en-US"/>
-              <a:t>Issue</a:t>
+              <a:t>Numba for CUDA</a:t>
             </a:r>
             <a:endParaRPr/>
           </a:p>
@@ -15609,7 +16999,7 @@
       </p:sp>
       <p:sp>
         <p:nvSpPr>
-          <p:cNvPr id="115" name="Google Shape;115;p4"/>
+          <p:cNvPr id="103" name="Google Shape;103;p4"/>
           <p:cNvSpPr txBox="1"/>
           <p:nvPr>
             <p:ph idx="1" type="body"/>
@@ -15652,7 +17042,7 @@
             </a:pPr>
             <a:r>
               <a:rPr lang="en-US"/>
-              <a:t>With multiple threads, there is an issue with read-modify-write operations on shared data</a:t>
+              <a:t>Numba supports CUDA GPU programming by directly compiling a restricted subset of Python code into CUDA kernels and device functions following the CUDA execution model. </a:t>
             </a:r>
             <a:endParaRPr/>
           </a:p>
@@ -15675,7 +17065,7 @@
             </a:pPr>
             <a:r>
               <a:rPr lang="en-US"/>
-              <a:t>A thread may read wrong value, modify the new value by computation using old value or write an older update and replace the new value</a:t>
+              <a:t>Kernels written in Numba appear to have direct access to NumPy arrays. </a:t>
             </a:r>
             <a:endParaRPr/>
           </a:p>
@@ -15698,53 +17088,7 @@
             </a:pPr>
             <a:r>
               <a:rPr lang="en-US"/>
-              <a:t>There is a problem of coordination and overwriting among threads</a:t>
-            </a:r>
-            <a:endParaRPr/>
-          </a:p>
-          <a:p>
-            <a:pPr indent="-228600" lvl="0" marL="228600" rtl="0" algn="l">
-              <a:lnSpc>
-                <a:spcPct val="90000"/>
-              </a:lnSpc>
-              <a:spcBef>
-                <a:spcPts val="1000"/>
-              </a:spcBef>
-              <a:spcAft>
-                <a:spcPts val="0"/>
-              </a:spcAft>
-              <a:buClr>
-                <a:schemeClr val="dk1"/>
-              </a:buClr>
-              <a:buSzPts val="2800"/>
-              <a:buChar char="•"/>
-            </a:pPr>
-            <a:r>
-              <a:rPr lang="en-US"/>
-              <a:t>There is a need for uninterrupted read-modify-write operations</a:t>
-            </a:r>
-            <a:endParaRPr/>
-          </a:p>
-          <a:p>
-            <a:pPr indent="-228600" lvl="0" marL="228600" rtl="0" algn="l">
-              <a:lnSpc>
-                <a:spcPct val="90000"/>
-              </a:lnSpc>
-              <a:spcBef>
-                <a:spcPts val="1000"/>
-              </a:spcBef>
-              <a:spcAft>
-                <a:spcPts val="0"/>
-              </a:spcAft>
-              <a:buClr>
-                <a:schemeClr val="dk1"/>
-              </a:buClr>
-              <a:buSzPts val="2800"/>
-              <a:buChar char="•"/>
-            </a:pPr>
-            <a:r>
-              <a:rPr lang="en-US"/>
-              <a:t>Atomic functions (atomic memory options) is one of the method to solve it</a:t>
+              <a:t>NumPy arrays are transferred between the CPU and the GPU automatically.</a:t>
             </a:r>
             <a:endParaRPr/>
           </a:p>
@@ -15763,7 +17107,7 @@
   <p:cSld>
     <p:spTree>
       <p:nvGrpSpPr>
-        <p:cNvPr id="119" name="Shape 119"/>
+        <p:cNvPr id="107" name="Shape 107"/>
         <p:cNvGrpSpPr/>
         <p:nvPr/>
       </p:nvGrpSpPr>
@@ -15777,7 +17121,7 @@
       </p:grpSpPr>
       <p:sp>
         <p:nvSpPr>
-          <p:cNvPr id="120" name="Google Shape;120;p5"/>
+          <p:cNvPr id="108" name="Google Shape;108;p5"/>
           <p:cNvSpPr txBox="1"/>
           <p:nvPr>
             <p:ph type="title"/>
@@ -15821,7 +17165,7 @@
             </a:pPr>
             <a:r>
               <a:rPr lang="en-US"/>
-              <a:t>Atomic functions</a:t>
+              <a:t>Installation</a:t>
             </a:r>
             <a:endParaRPr/>
           </a:p>
@@ -15829,7 +17173,7 @@
       </p:sp>
       <p:sp>
         <p:nvSpPr>
-          <p:cNvPr id="121" name="Google Shape;121;p5"/>
+          <p:cNvPr id="109" name="Google Shape;109;p5"/>
           <p:cNvSpPr txBox="1"/>
           <p:nvPr>
             <p:ph idx="1" type="body"/>
@@ -15872,7 +17216,34 @@
             </a:pPr>
             <a:r>
               <a:rPr lang="en-US"/>
-              <a:t>A mechanism to ensure that all the atomic operations are performed correctly among threads</a:t>
+              <a:t>Requirements</a:t>
+            </a:r>
+            <a:endParaRPr/>
+          </a:p>
+          <a:p>
+            <a:pPr indent="-228600" lvl="1" marL="685800" rtl="0" algn="l">
+              <a:lnSpc>
+                <a:spcPct val="90000"/>
+              </a:lnSpc>
+              <a:spcBef>
+                <a:spcPts val="500"/>
+              </a:spcBef>
+              <a:spcAft>
+                <a:spcPts val="0"/>
+              </a:spcAft>
+              <a:buClr>
+                <a:schemeClr val="dk1"/>
+              </a:buClr>
+              <a:buSzPts val="2400"/>
+              <a:buChar char="•"/>
+            </a:pPr>
+            <a:r>
+              <a:rPr b="1" lang="en-US"/>
+              <a:t>Supported GPUs: </a:t>
+            </a:r>
+            <a:r>
+              <a:rPr lang="en-US"/>
+              <a:t>Numba supports CUDA-enabled GPU with compute capability 2.0 or above with an up-to-data Nvidia driver.</a:t>
             </a:r>
             <a:endParaRPr/>
           </a:p>
@@ -15895,7 +17266,7 @@
             </a:pPr>
             <a:r>
               <a:rPr lang="en-US"/>
-              <a:t>Guarantees the atomic operations by allowing a thread to read-modify-write a shared memory location with respect to other threads</a:t>
+              <a:t>Software</a:t>
             </a:r>
             <a:endParaRPr/>
           </a:p>
@@ -15918,52 +17289,89 @@
             </a:pPr>
             <a:r>
               <a:rPr lang="en-US"/>
-              <a:t>No other threads can operated on the same memory location until the current operation is complete</a:t>
+              <a:t>You will need the CUDA toolkit version 8.0 or later installed. </a:t>
             </a:r>
             <a:endParaRPr/>
           </a:p>
           <a:p>
-            <a:pPr indent="-228600" lvl="0" marL="228600" rtl="0" algn="l">
-              <a:lnSpc>
-                <a:spcPct val="90000"/>
-              </a:lnSpc>
-              <a:spcBef>
-                <a:spcPts val="1000"/>
-              </a:spcBef>
-              <a:spcAft>
-                <a:spcPts val="0"/>
-              </a:spcAft>
-              <a:buClr>
-                <a:schemeClr val="dk1"/>
-              </a:buClr>
-              <a:buSzPts val="2800"/>
+            <a:pPr indent="-228600" lvl="1" marL="685800" rtl="0" algn="l">
+              <a:lnSpc>
+                <a:spcPct val="90000"/>
+              </a:lnSpc>
+              <a:spcBef>
+                <a:spcPts val="500"/>
+              </a:spcBef>
+              <a:spcAft>
+                <a:spcPts val="0"/>
+              </a:spcAft>
+              <a:buClr>
+                <a:schemeClr val="dk1"/>
+              </a:buClr>
+              <a:buSzPts val="2400"/>
               <a:buChar char="•"/>
             </a:pPr>
             <a:r>
               <a:rPr lang="en-US"/>
-              <a:t>Ensures that the atomic operations are performed concurrently and observed by all other threads</a:t>
+              <a:t>To install using Conda, type: </a:t>
             </a:r>
             <a:endParaRPr/>
           </a:p>
           <a:p>
-            <a:pPr indent="-50800" lvl="0" marL="228600" rtl="0" algn="l">
-              <a:lnSpc>
-                <a:spcPct val="90000"/>
-              </a:lnSpc>
-              <a:spcBef>
-                <a:spcPts val="1000"/>
-              </a:spcBef>
-              <a:spcAft>
-                <a:spcPts val="0"/>
-              </a:spcAft>
-              <a:buClr>
-                <a:schemeClr val="dk1"/>
-              </a:buClr>
-              <a:buSzPts val="2800"/>
-              <a:buNone/>
+            <a:pPr indent="-228600" lvl="2" marL="1143000" rtl="0" algn="l">
+              <a:lnSpc>
+                <a:spcPct val="90000"/>
+              </a:lnSpc>
+              <a:spcBef>
+                <a:spcPts val="500"/>
+              </a:spcBef>
+              <a:spcAft>
+                <a:spcPts val="0"/>
+              </a:spcAft>
+              <a:buClr>
+                <a:schemeClr val="dk1"/>
+              </a:buClr>
+              <a:buSzPts val="2000"/>
+              <a:buChar char="•"/>
             </a:pPr>
             <a:r>
-              <a:t/>
+              <a:rPr lang="en-US"/>
+              <a:t>conda install cudatoolkit</a:t>
+            </a:r>
+            <a:endParaRPr/>
+          </a:p>
+          <a:p>
+            <a:pPr indent="-228600" lvl="1" marL="685800" rtl="0" algn="l">
+              <a:lnSpc>
+                <a:spcPct val="90000"/>
+              </a:lnSpc>
+              <a:spcBef>
+                <a:spcPts val="500"/>
+              </a:spcBef>
+              <a:spcAft>
+                <a:spcPts val="0"/>
+              </a:spcAft>
+              <a:buClr>
+                <a:schemeClr val="dk1"/>
+              </a:buClr>
+              <a:buSzPts val="2400"/>
+              <a:buChar char="•"/>
+            </a:pPr>
+            <a:r>
+              <a:rPr lang="en-US"/>
+              <a:t>If you are not using Conda or if you want to use a different version of CUDA toolkit, check here: </a:t>
+            </a:r>
+            <a:r>
+              <a:rPr lang="en-US" u="sng">
+                <a:solidFill>
+                  <a:schemeClr val="hlink"/>
+                </a:solidFill>
+                <a:hlinkClick r:id="rId3"/>
+              </a:rPr>
+              <a:t>https://numba.pydata.org/numba-doc/latest/cuda/overview.html</a:t>
+            </a:r>
+            <a:r>
+              <a:rPr lang="en-US"/>
+              <a:t> </a:t>
             </a:r>
             <a:endParaRPr/>
           </a:p>
@@ -15982,7 +17390,7 @@
   <p:cSld>
     <p:spTree>
       <p:nvGrpSpPr>
-        <p:cNvPr id="125" name="Shape 125"/>
+        <p:cNvPr id="113" name="Shape 113"/>
         <p:cNvGrpSpPr/>
         <p:nvPr/>
       </p:nvGrpSpPr>
@@ -15996,7 +17404,7 @@
       </p:grpSpPr>
       <p:sp>
         <p:nvSpPr>
-          <p:cNvPr id="126" name="Google Shape;126;p6"/>
+          <p:cNvPr id="114" name="Google Shape;114;p6"/>
           <p:cNvSpPr txBox="1"/>
           <p:nvPr>
             <p:ph type="title"/>
@@ -16034,13 +17442,13 @@
               <a:buClr>
                 <a:schemeClr val="dk1"/>
               </a:buClr>
-              <a:buSzPts val="2800"/>
+              <a:buSzPts val="4400"/>
               <a:buFont typeface="Calibri"/>
               <a:buNone/>
             </a:pPr>
             <a:r>
-              <a:rPr lang="en-US" sz="2800"/>
-              <a:t>Example of a program where atomic operations are not synchronized</a:t>
+              <a:rPr lang="en-US"/>
+              <a:t>Missing CUDA features</a:t>
             </a:r>
             <a:endParaRPr/>
           </a:p>
@@ -16048,7 +17456,7 @@
       </p:sp>
       <p:sp>
         <p:nvSpPr>
-          <p:cNvPr id="127" name="Google Shape;127;p6"/>
+          <p:cNvPr id="115" name="Google Shape;115;p6"/>
           <p:cNvSpPr txBox="1"/>
           <p:nvPr>
             <p:ph idx="1" type="body"/>
@@ -16091,7 +17499,7 @@
             </a:pPr>
             <a:r>
               <a:rPr lang="en-US"/>
-              <a:t>We consider a very simple example to understand the issue</a:t>
+              <a:t>Numba does not implement all features of CUDA, yet. Some missing features are listed below:</a:t>
             </a:r>
             <a:endParaRPr/>
           </a:p>
@@ -16114,7 +17522,7 @@
             </a:pPr>
             <a:r>
               <a:rPr lang="en-US"/>
-              <a:t>Assume that there is a vector with all elements 1</a:t>
+              <a:t>dynamic parallelism</a:t>
             </a:r>
             <a:endParaRPr/>
           </a:p>
@@ -16137,229 +17545,31 @@
             </a:pPr>
             <a:r>
               <a:rPr lang="en-US"/>
-              <a:t>We want to add the elements of the vector </a:t>
+              <a:t>texture memory</a:t>
             </a:r>
             <a:endParaRPr/>
           </a:p>
           <a:p>
-            <a:pPr indent="-228600" lvl="1" marL="685800" rtl="0" algn="l">
-              <a:lnSpc>
-                <a:spcPct val="90000"/>
-              </a:lnSpc>
-              <a:spcBef>
-                <a:spcPts val="500"/>
-              </a:spcBef>
-              <a:spcAft>
-                <a:spcPts val="0"/>
-              </a:spcAft>
-              <a:buClr>
-                <a:schemeClr val="dk1"/>
-              </a:buClr>
-              <a:buSzPts val="2400"/>
-              <a:buChar char="•"/>
+            <a:pPr indent="-50800" lvl="0" marL="228600" rtl="0" algn="l">
+              <a:lnSpc>
+                <a:spcPct val="90000"/>
+              </a:lnSpc>
+              <a:spcBef>
+                <a:spcPts val="1000"/>
+              </a:spcBef>
+              <a:spcAft>
+                <a:spcPts val="0"/>
+              </a:spcAft>
+              <a:buClr>
+                <a:schemeClr val="dk1"/>
+              </a:buClr>
+              <a:buSzPts val="2800"/>
+              <a:buNone/>
             </a:pPr>
             <a:r>
-              <a:rPr lang="en-US"/>
-              <a:t>If the vector has size of 1000, then the result should be 1000 as all the elements contains 1</a:t>
+              <a:t/>
             </a:r>
             <a:endParaRPr/>
-          </a:p>
-          <a:p>
-            <a:pPr indent="-228600" lvl="1" marL="685800" rtl="0" algn="l">
-              <a:lnSpc>
-                <a:spcPct val="90000"/>
-              </a:lnSpc>
-              <a:spcBef>
-                <a:spcPts val="500"/>
-              </a:spcBef>
-              <a:spcAft>
-                <a:spcPts val="0"/>
-              </a:spcAft>
-              <a:buClr>
-                <a:schemeClr val="dk1"/>
-              </a:buClr>
-              <a:buSzPts val="2400"/>
-              <a:buChar char="•"/>
-            </a:pPr>
-            <a:r>
-              <a:rPr lang="en-US"/>
-              <a:t>Consider the following kernel for this operation</a:t>
-            </a:r>
-            <a:endParaRPr/>
-          </a:p>
-        </p:txBody>
-      </p:sp>
-      <p:sp>
-        <p:nvSpPr>
-          <p:cNvPr id="128" name="Google Shape;128;p6"/>
-          <p:cNvSpPr/>
-          <p:nvPr/>
-        </p:nvSpPr>
-        <p:spPr>
-          <a:xfrm>
-            <a:off x="2490282" y="4699635"/>
-            <a:ext cx="7752944" cy="1477328"/>
-          </a:xfrm>
-          <a:prstGeom prst="rect">
-            <a:avLst/>
-          </a:prstGeom>
-          <a:noFill/>
-          <a:ln>
-            <a:noFill/>
-          </a:ln>
-        </p:spPr>
-        <p:txBody>
-          <a:bodyPr anchorCtr="0" anchor="t" bIns="45700" lIns="91425" spcFirstLastPara="1" rIns="91425" wrap="square" tIns="45700">
-            <a:spAutoFit/>
-          </a:bodyPr>
-          <a:lstStyle/>
-          <a:p>
-            <a:pPr indent="0" lvl="0" marL="0" marR="0" rtl="0" algn="l">
-              <a:spcBef>
-                <a:spcPts val="0"/>
-              </a:spcBef>
-              <a:spcAft>
-                <a:spcPts val="0"/>
-              </a:spcAft>
-              <a:buNone/>
-            </a:pPr>
-            <a:r>
-              <a:rPr b="0" i="0" lang="en-US" sz="1800" u="none" cap="none" strike="noStrike">
-                <a:solidFill>
-                  <a:srgbClr val="000000"/>
-                </a:solidFill>
-                <a:latin typeface="Consolas"/>
-                <a:ea typeface="Consolas"/>
-                <a:cs typeface="Consolas"/>
-                <a:sym typeface="Consolas"/>
-              </a:rPr>
-              <a:t>__global__ void simple_count(int *a, int *sum, int n) {</a:t>
-            </a:r>
-            <a:endParaRPr/>
-          </a:p>
-          <a:p>
-            <a:pPr indent="0" lvl="1" marL="457200" marR="0" rtl="0" algn="l">
-              <a:spcBef>
-                <a:spcPts val="0"/>
-              </a:spcBef>
-              <a:spcAft>
-                <a:spcPts val="0"/>
-              </a:spcAft>
-              <a:buNone/>
-            </a:pPr>
-            <a:r>
-              <a:rPr b="0" i="0" lang="en-US" sz="1800" u="none" cap="none" strike="noStrike">
-                <a:solidFill>
-                  <a:srgbClr val="000000"/>
-                </a:solidFill>
-                <a:latin typeface="Consolas"/>
-                <a:ea typeface="Consolas"/>
-                <a:cs typeface="Consolas"/>
-                <a:sym typeface="Consolas"/>
-              </a:rPr>
-              <a:t>int thread_id = blockIdx.x * blockDim.x + threadIdx.x;</a:t>
-            </a:r>
-            <a:endParaRPr/>
-          </a:p>
-          <a:p>
-            <a:pPr indent="0" lvl="1" marL="457200" marR="0" rtl="0" algn="l">
-              <a:spcBef>
-                <a:spcPts val="0"/>
-              </a:spcBef>
-              <a:spcAft>
-                <a:spcPts val="0"/>
-              </a:spcAft>
-              <a:buNone/>
-            </a:pPr>
-            <a:r>
-              <a:rPr b="0" i="0" lang="en-US" sz="1800" u="none" cap="none" strike="noStrike">
-                <a:solidFill>
-                  <a:srgbClr val="000000"/>
-                </a:solidFill>
-                <a:latin typeface="Consolas"/>
-                <a:ea typeface="Consolas"/>
-                <a:cs typeface="Consolas"/>
-                <a:sym typeface="Consolas"/>
-              </a:rPr>
-              <a:t>if (thread_id &lt; n)</a:t>
-            </a:r>
-            <a:endParaRPr/>
-          </a:p>
-          <a:p>
-            <a:pPr indent="0" lvl="1" marL="457200" marR="0" rtl="0" algn="l">
-              <a:spcBef>
-                <a:spcPts val="0"/>
-              </a:spcBef>
-              <a:spcAft>
-                <a:spcPts val="0"/>
-              </a:spcAft>
-              <a:buNone/>
-            </a:pPr>
-            <a:r>
-              <a:rPr b="0" i="0" lang="en-US" sz="1800" u="none" cap="none" strike="noStrike">
-                <a:solidFill>
-                  <a:srgbClr val="000000"/>
-                </a:solidFill>
-                <a:latin typeface="Consolas"/>
-                <a:ea typeface="Consolas"/>
-                <a:cs typeface="Consolas"/>
-                <a:sym typeface="Consolas"/>
-              </a:rPr>
-              <a:t>	</a:t>
-            </a:r>
-            <a:r>
-              <a:rPr b="0" i="0" lang="en-US" sz="1800" u="none" cap="none" strike="noStrike">
-                <a:solidFill>
-                  <a:schemeClr val="dk1"/>
-                </a:solidFill>
-                <a:latin typeface="Calibri"/>
-                <a:ea typeface="Calibri"/>
-                <a:cs typeface="Calibri"/>
-                <a:sym typeface="Calibri"/>
-              </a:rPr>
-              <a:t>*sum =*sum+a[thread_id];</a:t>
-            </a:r>
-            <a:endParaRPr b="0" i="0" sz="1800" u="none" cap="none" strike="noStrike">
-              <a:solidFill>
-                <a:srgbClr val="000000"/>
-              </a:solidFill>
-              <a:latin typeface="Consolas"/>
-              <a:ea typeface="Consolas"/>
-              <a:cs typeface="Consolas"/>
-              <a:sym typeface="Consolas"/>
-            </a:endParaRPr>
-          </a:p>
-          <a:p>
-            <a:pPr indent="0" lvl="0" marL="0" marR="0" rtl="0" algn="l">
-              <a:spcBef>
-                <a:spcPts val="0"/>
-              </a:spcBef>
-              <a:spcAft>
-                <a:spcPts val="0"/>
-              </a:spcAft>
-              <a:buNone/>
-            </a:pPr>
-            <a:r>
-              <a:rPr lang="en-US" sz="1800">
-                <a:solidFill>
-                  <a:srgbClr val="000000"/>
-                </a:solidFill>
-                <a:latin typeface="Consolas"/>
-                <a:ea typeface="Consolas"/>
-                <a:cs typeface="Consolas"/>
-                <a:sym typeface="Consolas"/>
-              </a:rPr>
-              <a:t>}</a:t>
-            </a:r>
-            <a:endParaRPr sz="1800">
-              <a:solidFill>
-                <a:schemeClr val="dk1"/>
-              </a:solidFill>
-              <a:latin typeface="Calibri"/>
-              <a:ea typeface="Calibri"/>
-              <a:cs typeface="Calibri"/>
-              <a:sym typeface="Calibri"/>
-            </a:endParaRPr>
           </a:p>
         </p:txBody>
       </p:sp>
@@ -16376,7 +17586,7 @@
   <p:cSld>
     <p:spTree>
       <p:nvGrpSpPr>
-        <p:cNvPr id="132" name="Shape 132"/>
+        <p:cNvPr id="119" name="Shape 119"/>
         <p:cNvGrpSpPr/>
         <p:nvPr/>
       </p:nvGrpSpPr>
@@ -16390,7 +17600,7 @@
       </p:grpSpPr>
       <p:sp>
         <p:nvSpPr>
-          <p:cNvPr id="133" name="Google Shape;133;p7"/>
+          <p:cNvPr id="120" name="Google Shape;120;p7"/>
           <p:cNvSpPr txBox="1"/>
           <p:nvPr>
             <p:ph type="title"/>
@@ -16428,13 +17638,13 @@
               <a:buClr>
                 <a:schemeClr val="dk1"/>
               </a:buClr>
-              <a:buSzPts val="2800"/>
+              <a:buSzPts val="4400"/>
               <a:buFont typeface="Calibri"/>
               <a:buNone/>
             </a:pPr>
             <a:r>
-              <a:rPr lang="en-US" sz="2800"/>
-              <a:t>Example of a program where atomic operations are not synchronized</a:t>
+              <a:rPr lang="en-US"/>
+              <a:t>CUDA Kernels</a:t>
             </a:r>
             <a:endParaRPr/>
           </a:p>
@@ -16442,7 +17652,7 @@
       </p:sp>
       <p:sp>
         <p:nvSpPr>
-          <p:cNvPr id="134" name="Google Shape;134;p7"/>
+          <p:cNvPr id="121" name="Google Shape;121;p7"/>
           <p:cNvSpPr txBox="1"/>
           <p:nvPr>
             <p:ph idx="1" type="body"/>
@@ -16469,30 +17679,76 @@
           <a:p>
             <a:pPr indent="-228600" lvl="0" marL="228600" rtl="0" algn="l">
               <a:lnSpc>
-                <a:spcPct val="90000"/>
-              </a:lnSpc>
-              <a:spcBef>
-                <a:spcPts val="0"/>
-              </a:spcBef>
-              <a:spcAft>
-                <a:spcPts val="0"/>
-              </a:spcAft>
-              <a:buClr>
-                <a:schemeClr val="dk1"/>
-              </a:buClr>
-              <a:buSzPts val="2800"/>
+                <a:spcPct val="80000"/>
+              </a:lnSpc>
+              <a:spcBef>
+                <a:spcPts val="0"/>
+              </a:spcBef>
+              <a:spcAft>
+                <a:spcPts val="0"/>
+              </a:spcAft>
+              <a:buClr>
+                <a:schemeClr val="dk1"/>
+              </a:buClr>
+              <a:buSzPts val="2380"/>
               <a:buChar char="•"/>
             </a:pPr>
             <a:r>
-              <a:rPr lang="en-US"/>
-              <a:t>If you run the program and print the value of sum, you will see that the result is not 1000, but other random number</a:t>
+              <a:rPr lang="en-US" sz="2380"/>
+              <a:t>CUDA has an execution model unlike the traditional sequential model used for programming CPUs. </a:t>
+            </a:r>
+            <a:endParaRPr/>
+          </a:p>
+          <a:p>
+            <a:pPr indent="-228600" lvl="1" marL="685800" rtl="0" algn="l">
+              <a:lnSpc>
+                <a:spcPct val="80000"/>
+              </a:lnSpc>
+              <a:spcBef>
+                <a:spcPts val="500"/>
+              </a:spcBef>
+              <a:spcAft>
+                <a:spcPts val="0"/>
+              </a:spcAft>
+              <a:buClr>
+                <a:schemeClr val="dk1"/>
+              </a:buClr>
+              <a:buSzPts val="2040"/>
+              <a:buChar char="•"/>
+            </a:pPr>
+            <a:r>
+              <a:rPr lang="en-US" sz="2040"/>
+              <a:t>In CUDA, the code you write will be executed by multiple threads at once (often hundreds or thousands). </a:t>
+            </a:r>
+            <a:endParaRPr/>
+          </a:p>
+          <a:p>
+            <a:pPr indent="-228600" lvl="1" marL="685800" rtl="0" algn="l">
+              <a:lnSpc>
+                <a:spcPct val="80000"/>
+              </a:lnSpc>
+              <a:spcBef>
+                <a:spcPts val="500"/>
+              </a:spcBef>
+              <a:spcAft>
+                <a:spcPts val="0"/>
+              </a:spcAft>
+              <a:buClr>
+                <a:schemeClr val="dk1"/>
+              </a:buClr>
+              <a:buSzPts val="2040"/>
+              <a:buChar char="•"/>
+            </a:pPr>
+            <a:r>
+              <a:rPr lang="en-US" sz="2040"/>
+              <a:t>Your solution will be modeled by defining a thread hierarchy of grid, blocks and threads.</a:t>
             </a:r>
             <a:endParaRPr/>
           </a:p>
           <a:p>
             <a:pPr indent="-228600" lvl="0" marL="228600" rtl="0" algn="l">
               <a:lnSpc>
-                <a:spcPct val="90000"/>
+                <a:spcPct val="80000"/>
               </a:lnSpc>
               <a:spcBef>
                 <a:spcPts val="1000"/>
@@ -16503,19 +17759,42 @@
               <a:buClr>
                 <a:schemeClr val="dk1"/>
               </a:buClr>
-              <a:buSzPts val="2800"/>
+              <a:buSzPts val="2380"/>
               <a:buChar char="•"/>
             </a:pPr>
             <a:r>
-              <a:rPr lang="en-US"/>
-              <a:t>The reason is that each of the thread, while accessing sum, do not get the latest value of sum due to lack of synchronization</a:t>
+              <a:rPr lang="en-US" sz="2380"/>
+              <a:t>Numba’s CUDA support exposes facilities to declare and manage this hierarchy of threads. </a:t>
+            </a:r>
+            <a:endParaRPr/>
+          </a:p>
+          <a:p>
+            <a:pPr indent="-228600" lvl="1" marL="685800" rtl="0" algn="l">
+              <a:lnSpc>
+                <a:spcPct val="80000"/>
+              </a:lnSpc>
+              <a:spcBef>
+                <a:spcPts val="500"/>
+              </a:spcBef>
+              <a:spcAft>
+                <a:spcPts val="0"/>
+              </a:spcAft>
+              <a:buClr>
+                <a:schemeClr val="dk1"/>
+              </a:buClr>
+              <a:buSzPts val="2040"/>
+              <a:buChar char="•"/>
+            </a:pPr>
+            <a:r>
+              <a:rPr lang="en-US" sz="2040"/>
+              <a:t>The facilities are largely similar to those exposed by NVidia’s CUDA C language.</a:t>
             </a:r>
             <a:endParaRPr/>
           </a:p>
           <a:p>
             <a:pPr indent="-228600" lvl="0" marL="228600" rtl="0" algn="l">
               <a:lnSpc>
-                <a:spcPct val="90000"/>
+                <a:spcPct val="80000"/>
               </a:lnSpc>
               <a:spcBef>
                 <a:spcPts val="1000"/>
@@ -16526,188 +17805,60 @@
               <a:buClr>
                 <a:schemeClr val="dk1"/>
               </a:buClr>
-              <a:buSzPts val="2800"/>
+              <a:buSzPts val="2380"/>
               <a:buChar char="•"/>
             </a:pPr>
             <a:r>
-              <a:rPr lang="en-US"/>
-              <a:t>So the final value of sum is not correct</a:t>
-            </a:r>
-            <a:endParaRPr/>
-          </a:p>
-        </p:txBody>
-      </p:sp>
-      <p:sp>
-        <p:nvSpPr>
-          <p:cNvPr id="135" name="Google Shape;135;p7"/>
-          <p:cNvSpPr/>
-          <p:nvPr/>
-        </p:nvSpPr>
-        <p:spPr>
-          <a:xfrm>
-            <a:off x="2461099" y="4913644"/>
-            <a:ext cx="7752944" cy="1477328"/>
-          </a:xfrm>
-          <a:prstGeom prst="rect">
-            <a:avLst/>
-          </a:prstGeom>
-          <a:noFill/>
-          <a:ln>
-            <a:noFill/>
-          </a:ln>
-        </p:spPr>
-        <p:txBody>
-          <a:bodyPr anchorCtr="0" anchor="t" bIns="45700" lIns="91425" spcFirstLastPara="1" rIns="91425" wrap="square" tIns="45700">
-            <a:spAutoFit/>
-          </a:bodyPr>
-          <a:lstStyle/>
-          <a:p>
-            <a:pPr indent="0" lvl="0" marL="0" marR="0" rtl="0" algn="l">
-              <a:spcBef>
-                <a:spcPts val="0"/>
-              </a:spcBef>
-              <a:spcAft>
-                <a:spcPts val="0"/>
-              </a:spcAft>
-              <a:buNone/>
-            </a:pPr>
-            <a:r>
-              <a:rPr lang="en-US" sz="1800">
-                <a:solidFill>
-                  <a:srgbClr val="000000"/>
-                </a:solidFill>
-                <a:latin typeface="Consolas"/>
-                <a:ea typeface="Consolas"/>
-                <a:cs typeface="Consolas"/>
-                <a:sym typeface="Consolas"/>
-              </a:rPr>
-              <a:t>__global__ void simple_count(int *a, int *sum, int n) {</a:t>
+              <a:rPr lang="en-US" sz="2380"/>
+              <a:t>Numba also exposes three kinds of GPU memory: </a:t>
             </a:r>
             <a:endParaRPr/>
           </a:p>
           <a:p>
-            <a:pPr indent="0" lvl="1" marL="457200" marR="0" rtl="0" algn="l">
-              <a:spcBef>
-                <a:spcPts val="0"/>
-              </a:spcBef>
-              <a:spcAft>
-                <a:spcPts val="0"/>
-              </a:spcAft>
-              <a:buNone/>
+            <a:pPr indent="-228600" lvl="1" marL="685800" rtl="0" algn="l">
+              <a:lnSpc>
+                <a:spcPct val="80000"/>
+              </a:lnSpc>
+              <a:spcBef>
+                <a:spcPts val="500"/>
+              </a:spcBef>
+              <a:spcAft>
+                <a:spcPts val="0"/>
+              </a:spcAft>
+              <a:buClr>
+                <a:schemeClr val="dk1"/>
+              </a:buClr>
+              <a:buSzPts val="2040"/>
+              <a:buChar char="•"/>
             </a:pPr>
             <a:r>
-              <a:rPr b="0" i="0" lang="en-US" sz="1800" u="none" cap="none" strike="noStrike">
-                <a:solidFill>
-                  <a:srgbClr val="000000"/>
-                </a:solidFill>
-                <a:latin typeface="Consolas"/>
-                <a:ea typeface="Consolas"/>
-                <a:cs typeface="Consolas"/>
-                <a:sym typeface="Consolas"/>
-              </a:rPr>
-              <a:t>int thread_id = blockIdx.x * blockDim.x + threadIdx.x;</a:t>
+              <a:rPr lang="en-US" sz="2040"/>
+              <a:t>global device memory (the large, relatively slow off-chip memory that’s connected to the GPU itself), on-chip shared memory and local memory. </a:t>
             </a:r>
             <a:endParaRPr/>
           </a:p>
           <a:p>
-            <a:pPr indent="0" lvl="1" marL="457200" marR="0" rtl="0" algn="l">
-              <a:spcBef>
-                <a:spcPts val="0"/>
-              </a:spcBef>
-              <a:spcAft>
-                <a:spcPts val="0"/>
-              </a:spcAft>
-              <a:buNone/>
+            <a:pPr indent="-228600" lvl="1" marL="685800" rtl="0" algn="l">
+              <a:lnSpc>
+                <a:spcPct val="80000"/>
+              </a:lnSpc>
+              <a:spcBef>
+                <a:spcPts val="500"/>
+              </a:spcBef>
+              <a:spcAft>
+                <a:spcPts val="0"/>
+              </a:spcAft>
+              <a:buClr>
+                <a:schemeClr val="dk1"/>
+              </a:buClr>
+              <a:buSzPts val="2040"/>
+              <a:buChar char="•"/>
             </a:pPr>
             <a:r>
-              <a:rPr b="0" i="0" lang="en-US" sz="1800" u="none" cap="none" strike="noStrike">
-                <a:solidFill>
-                  <a:srgbClr val="000000"/>
-                </a:solidFill>
-                <a:latin typeface="Consolas"/>
-                <a:ea typeface="Consolas"/>
-                <a:cs typeface="Consolas"/>
-                <a:sym typeface="Consolas"/>
-              </a:rPr>
-              <a:t>if (thread_id &lt; n)</a:t>
+              <a:rPr lang="en-US" sz="2040"/>
+              <a:t>For all but the simplest algorithms, it is important that you carefully consider how to use and access memory in order to minimize bandwidth requirements and contention.</a:t>
             </a:r>
             <a:endParaRPr/>
-          </a:p>
-          <a:p>
-            <a:pPr indent="0" lvl="1" marL="457200" marR="0" rtl="0" algn="l">
-              <a:spcBef>
-                <a:spcPts val="0"/>
-              </a:spcBef>
-              <a:spcAft>
-                <a:spcPts val="0"/>
-              </a:spcAft>
-              <a:buNone/>
-            </a:pPr>
-            <a:r>
-              <a:rPr b="0" i="0" lang="en-US" sz="1800" u="none" cap="none" strike="noStrike">
-                <a:solidFill>
-                  <a:srgbClr val="000000"/>
-                </a:solidFill>
-                <a:latin typeface="Consolas"/>
-                <a:ea typeface="Consolas"/>
-                <a:cs typeface="Consolas"/>
-                <a:sym typeface="Consolas"/>
-              </a:rPr>
-              <a:t>	</a:t>
-            </a:r>
-            <a:r>
-              <a:rPr b="0" i="0" lang="en-US" sz="1800" u="none" cap="none" strike="noStrike">
-                <a:solidFill>
-                  <a:schemeClr val="dk1"/>
-                </a:solidFill>
-                <a:latin typeface="Calibri"/>
-                <a:ea typeface="Calibri"/>
-                <a:cs typeface="Calibri"/>
-                <a:sym typeface="Calibri"/>
-              </a:rPr>
-              <a:t>*sum =*sum+a[thread_id];</a:t>
-            </a:r>
-            <a:endParaRPr b="0" i="0" sz="1800" u="none" cap="none" strike="noStrike">
-              <a:solidFill>
-                <a:srgbClr val="000000"/>
-              </a:solidFill>
-              <a:latin typeface="Consolas"/>
-              <a:ea typeface="Consolas"/>
-              <a:cs typeface="Consolas"/>
-              <a:sym typeface="Consolas"/>
-            </a:endParaRPr>
-          </a:p>
-          <a:p>
-            <a:pPr indent="0" lvl="0" marL="0" marR="0" rtl="0" algn="l">
-              <a:spcBef>
-                <a:spcPts val="0"/>
-              </a:spcBef>
-              <a:spcAft>
-                <a:spcPts val="0"/>
-              </a:spcAft>
-              <a:buNone/>
-            </a:pPr>
-            <a:r>
-              <a:rPr lang="en-US" sz="1800">
-                <a:solidFill>
-                  <a:srgbClr val="000000"/>
-                </a:solidFill>
-                <a:latin typeface="Consolas"/>
-                <a:ea typeface="Consolas"/>
-                <a:cs typeface="Consolas"/>
-                <a:sym typeface="Consolas"/>
-              </a:rPr>
-              <a:t>}</a:t>
-            </a:r>
-            <a:endParaRPr sz="1800">
-              <a:solidFill>
-                <a:schemeClr val="dk1"/>
-              </a:solidFill>
-              <a:latin typeface="Calibri"/>
-              <a:ea typeface="Calibri"/>
-              <a:cs typeface="Calibri"/>
-              <a:sym typeface="Calibri"/>
-            </a:endParaRPr>
           </a:p>
         </p:txBody>
       </p:sp>
@@ -16724,7 +17875,7 @@
   <p:cSld>
     <p:spTree>
       <p:nvGrpSpPr>
-        <p:cNvPr id="139" name="Shape 139"/>
+        <p:cNvPr id="125" name="Shape 125"/>
         <p:cNvGrpSpPr/>
         <p:nvPr/>
       </p:nvGrpSpPr>
@@ -16738,7 +17889,7 @@
       </p:grpSpPr>
       <p:sp>
         <p:nvSpPr>
-          <p:cNvPr id="140" name="Google Shape;140;p8"/>
+          <p:cNvPr id="126" name="Google Shape;126;p8"/>
           <p:cNvSpPr txBox="1"/>
           <p:nvPr>
             <p:ph type="title"/>
@@ -16782,7 +17933,7 @@
             </a:pPr>
             <a:r>
               <a:rPr lang="en-US"/>
-              <a:t>Example of a program with atomic functions</a:t>
+              <a:t>Kernel Declaration</a:t>
             </a:r>
             <a:endParaRPr/>
           </a:p>
@@ -16790,7 +17941,7 @@
       </p:sp>
       <p:sp>
         <p:nvSpPr>
-          <p:cNvPr id="141" name="Google Shape;141;p8"/>
+          <p:cNvPr id="127" name="Google Shape;127;p8"/>
           <p:cNvSpPr txBox="1"/>
           <p:nvPr>
             <p:ph idx="1" type="body"/>
@@ -16799,7 +17950,7 @@
         <p:spPr>
           <a:xfrm>
             <a:off x="838200" y="1825625"/>
-            <a:ext cx="10515600" cy="2444818"/>
+            <a:ext cx="10515600" cy="4351338"/>
           </a:xfrm>
           <a:prstGeom prst="rect">
             <a:avLst/>
@@ -16817,30 +17968,61 @@
           <a:p>
             <a:pPr indent="-228600" lvl="0" marL="228600" rtl="0" algn="l">
               <a:lnSpc>
-                <a:spcPct val="80000"/>
-              </a:lnSpc>
-              <a:spcBef>
-                <a:spcPts val="0"/>
-              </a:spcBef>
-              <a:spcAft>
-                <a:spcPts val="0"/>
-              </a:spcAft>
-              <a:buClr>
-                <a:schemeClr val="dk1"/>
-              </a:buClr>
-              <a:buSzPts val="2590"/>
+                <a:spcPct val="90000"/>
+              </a:lnSpc>
+              <a:spcBef>
+                <a:spcPts val="0"/>
+              </a:spcBef>
+              <a:spcAft>
+                <a:spcPts val="0"/>
+              </a:spcAft>
+              <a:buClr>
+                <a:schemeClr val="dk1"/>
+              </a:buClr>
+              <a:buSzPts val="2800"/>
               <a:buChar char="•"/>
             </a:pPr>
             <a:r>
-              <a:rPr lang="en-US" sz="2590"/>
-              <a:t>We can use atomic function atomicAdd to synchronize the threads</a:t>
+              <a:rPr lang="en-US"/>
+              <a:t>A </a:t>
+            </a:r>
+            <a:r>
+              <a:rPr i="1" lang="en-US"/>
+              <a:t>kernel function</a:t>
+            </a:r>
+            <a:r>
+              <a:rPr lang="en-US"/>
+              <a:t> is a GPU function that is meant to be called from CPU code (*). </a:t>
+            </a:r>
+            <a:endParaRPr/>
+          </a:p>
+          <a:p>
+            <a:pPr indent="-228600" lvl="0" marL="228600" rtl="0" algn="l">
+              <a:lnSpc>
+                <a:spcPct val="90000"/>
+              </a:lnSpc>
+              <a:spcBef>
+                <a:spcPts val="1000"/>
+              </a:spcBef>
+              <a:spcAft>
+                <a:spcPts val="0"/>
+              </a:spcAft>
+              <a:buClr>
+                <a:schemeClr val="dk1"/>
+              </a:buClr>
+              <a:buSzPts val="2800"/>
+              <a:buChar char="•"/>
+            </a:pPr>
+            <a:r>
+              <a:rPr lang="en-US"/>
+              <a:t>It gives it two fundamental characteristics:</a:t>
             </a:r>
             <a:endParaRPr/>
           </a:p>
           <a:p>
             <a:pPr indent="-228600" lvl="1" marL="685800" rtl="0" algn="l">
               <a:lnSpc>
-                <a:spcPct val="80000"/>
+                <a:spcPct val="90000"/>
               </a:lnSpc>
               <a:spcBef>
                 <a:spcPts val="500"/>
@@ -16851,42 +18033,42 @@
               <a:buClr>
                 <a:schemeClr val="dk1"/>
               </a:buClr>
-              <a:buSzPts val="2220"/>
+              <a:buSzPts val="2400"/>
               <a:buChar char="•"/>
             </a:pPr>
             <a:r>
-              <a:rPr lang="en-US" sz="2220"/>
-              <a:t>We replace *sum =*sum+1 by atomicAdd(sum,1)</a:t>
+              <a:rPr lang="en-US"/>
+              <a:t>kernels cannot explicitly return a value; all result data must be written to an array passed to the function (if computing a scalar, you will probably pass a one-element array);</a:t>
             </a:r>
             <a:endParaRPr/>
           </a:p>
           <a:p>
-            <a:pPr indent="-228600" lvl="0" marL="228600" rtl="0" algn="l">
-              <a:lnSpc>
-                <a:spcPct val="80000"/>
-              </a:lnSpc>
-              <a:spcBef>
-                <a:spcPts val="1000"/>
-              </a:spcBef>
-              <a:spcAft>
-                <a:spcPts val="0"/>
-              </a:spcAft>
-              <a:buClr>
-                <a:schemeClr val="dk1"/>
-              </a:buClr>
-              <a:buSzPts val="2590"/>
+            <a:pPr indent="-228600" lvl="1" marL="685800" rtl="0" algn="l">
+              <a:lnSpc>
+                <a:spcPct val="90000"/>
+              </a:lnSpc>
+              <a:spcBef>
+                <a:spcPts val="500"/>
+              </a:spcBef>
+              <a:spcAft>
+                <a:spcPts val="0"/>
+              </a:spcAft>
+              <a:buClr>
+                <a:schemeClr val="dk1"/>
+              </a:buClr>
+              <a:buSzPts val="2400"/>
               <a:buChar char="•"/>
             </a:pPr>
             <a:r>
-              <a:rPr lang="en-US" sz="2590"/>
-              <a:t>atomicAdd guarantees that only one thread can access memory location for sum at a time</a:t>
+              <a:rPr lang="en-US"/>
+              <a:t>kernels explicitly declare their thread hierarchy when called: i.e. the number of thread blocks and the number of threads per block (note that while a kernel is compiled once, it can be called multiple times with different block sizes or grid sizes).</a:t>
             </a:r>
             <a:endParaRPr/>
           </a:p>
           <a:p>
-            <a:pPr indent="-228600" lvl="0" marL="228600" rtl="0" algn="l">
-              <a:lnSpc>
-                <a:spcPct val="80000"/>
+            <a:pPr indent="-50800" lvl="0" marL="228600" rtl="0" algn="l">
+              <a:lnSpc>
+                <a:spcPct val="90000"/>
               </a:lnSpc>
               <a:spcBef>
                 <a:spcPts val="1000"/>
@@ -16897,188 +18079,13 @@
               <a:buClr>
                 <a:schemeClr val="dk1"/>
               </a:buClr>
-              <a:buSzPts val="2590"/>
-              <a:buChar char="•"/>
+              <a:buSzPts val="2800"/>
+              <a:buNone/>
             </a:pPr>
             <a:r>
-              <a:rPr lang="en-US" sz="2590"/>
-              <a:t>It ensures that all the atomic operations are executed automatically without conflict from other threads</a:t>
+              <a:t/>
             </a:r>
             <a:endParaRPr/>
-          </a:p>
-        </p:txBody>
-      </p:sp>
-      <p:sp>
-        <p:nvSpPr>
-          <p:cNvPr id="142" name="Google Shape;142;p8"/>
-          <p:cNvSpPr/>
-          <p:nvPr/>
-        </p:nvSpPr>
-        <p:spPr>
-          <a:xfrm>
-            <a:off x="1885545" y="4631244"/>
-            <a:ext cx="8420910" cy="1477328"/>
-          </a:xfrm>
-          <a:prstGeom prst="rect">
-            <a:avLst/>
-          </a:prstGeom>
-          <a:noFill/>
-          <a:ln>
-            <a:noFill/>
-          </a:ln>
-        </p:spPr>
-        <p:txBody>
-          <a:bodyPr anchorCtr="0" anchor="t" bIns="45700" lIns="91425" spcFirstLastPara="1" rIns="91425" wrap="square" tIns="45700">
-            <a:spAutoFit/>
-          </a:bodyPr>
-          <a:lstStyle/>
-          <a:p>
-            <a:pPr indent="0" lvl="0" marL="0" marR="0" rtl="0" algn="l">
-              <a:spcBef>
-                <a:spcPts val="0"/>
-              </a:spcBef>
-              <a:spcAft>
-                <a:spcPts val="0"/>
-              </a:spcAft>
-              <a:buNone/>
-            </a:pPr>
-            <a:r>
-              <a:rPr lang="en-US" sz="1800">
-                <a:solidFill>
-                  <a:srgbClr val="000000"/>
-                </a:solidFill>
-                <a:latin typeface="Consolas"/>
-                <a:ea typeface="Consolas"/>
-                <a:cs typeface="Consolas"/>
-                <a:sym typeface="Consolas"/>
-              </a:rPr>
-              <a:t>__global__ void atomic_count(int *a, int *sum, int n) {</a:t>
-            </a:r>
-            <a:endParaRPr/>
-          </a:p>
-          <a:p>
-            <a:pPr indent="0" lvl="1" marL="457200" marR="0" rtl="0" algn="l">
-              <a:spcBef>
-                <a:spcPts val="0"/>
-              </a:spcBef>
-              <a:spcAft>
-                <a:spcPts val="0"/>
-              </a:spcAft>
-              <a:buNone/>
-            </a:pPr>
-            <a:r>
-              <a:rPr b="0" i="0" lang="en-US" sz="1800" u="none" cap="none" strike="noStrike">
-                <a:solidFill>
-                  <a:srgbClr val="000000"/>
-                </a:solidFill>
-                <a:latin typeface="Consolas"/>
-                <a:ea typeface="Consolas"/>
-                <a:cs typeface="Consolas"/>
-                <a:sym typeface="Consolas"/>
-              </a:rPr>
-              <a:t>int thread_id = blockIdx.x * blockDim.x + threadIdx.x;</a:t>
-            </a:r>
-            <a:endParaRPr/>
-          </a:p>
-          <a:p>
-            <a:pPr indent="0" lvl="1" marL="457200" marR="0" rtl="0" algn="l">
-              <a:spcBef>
-                <a:spcPts val="0"/>
-              </a:spcBef>
-              <a:spcAft>
-                <a:spcPts val="0"/>
-              </a:spcAft>
-              <a:buNone/>
-            </a:pPr>
-            <a:r>
-              <a:rPr b="0" i="0" lang="en-US" sz="1800" u="none" cap="none" strike="noStrike">
-                <a:solidFill>
-                  <a:srgbClr val="000000"/>
-                </a:solidFill>
-                <a:latin typeface="Consolas"/>
-                <a:ea typeface="Consolas"/>
-                <a:cs typeface="Consolas"/>
-                <a:sym typeface="Consolas"/>
-              </a:rPr>
-              <a:t>if (thread_id &lt; n)</a:t>
-            </a:r>
-            <a:endParaRPr/>
-          </a:p>
-          <a:p>
-            <a:pPr indent="0" lvl="1" marL="457200" marR="0" rtl="0" algn="l">
-              <a:spcBef>
-                <a:spcPts val="0"/>
-              </a:spcBef>
-              <a:spcAft>
-                <a:spcPts val="0"/>
-              </a:spcAft>
-              <a:buNone/>
-            </a:pPr>
-            <a:r>
-              <a:rPr b="0" i="0" lang="en-US" sz="1800" u="none" cap="none" strike="noStrike">
-                <a:solidFill>
-                  <a:srgbClr val="000000"/>
-                </a:solidFill>
-                <a:latin typeface="Consolas"/>
-                <a:ea typeface="Consolas"/>
-                <a:cs typeface="Consolas"/>
-                <a:sym typeface="Consolas"/>
-              </a:rPr>
-              <a:t>	</a:t>
-            </a:r>
-            <a:r>
-              <a:rPr b="0" i="0" lang="en-US" sz="1800" u="none" cap="none" strike="noStrike">
-                <a:solidFill>
-                  <a:schemeClr val="dk1"/>
-                </a:solidFill>
-                <a:latin typeface="Calibri"/>
-                <a:ea typeface="Calibri"/>
-                <a:cs typeface="Calibri"/>
-                <a:sym typeface="Calibri"/>
-              </a:rPr>
-              <a:t>atomicAdd(sum,a[thread_id]);</a:t>
-            </a:r>
-            <a:endParaRPr b="0" i="0" sz="1800" u="none" cap="none" strike="noStrike">
-              <a:solidFill>
-                <a:srgbClr val="000000"/>
-              </a:solidFill>
-              <a:latin typeface="Consolas"/>
-              <a:ea typeface="Consolas"/>
-              <a:cs typeface="Consolas"/>
-              <a:sym typeface="Consolas"/>
-            </a:endParaRPr>
-          </a:p>
-          <a:p>
-            <a:pPr indent="0" lvl="0" marL="0" marR="0" rtl="0" algn="l">
-              <a:spcBef>
-                <a:spcPts val="0"/>
-              </a:spcBef>
-              <a:spcAft>
-                <a:spcPts val="0"/>
-              </a:spcAft>
-              <a:buNone/>
-            </a:pPr>
-            <a:r>
-              <a:rPr lang="en-US" sz="1800">
-                <a:solidFill>
-                  <a:srgbClr val="000000"/>
-                </a:solidFill>
-                <a:latin typeface="Consolas"/>
-                <a:ea typeface="Consolas"/>
-                <a:cs typeface="Consolas"/>
-                <a:sym typeface="Consolas"/>
-              </a:rPr>
-              <a:t>}</a:t>
-            </a:r>
-            <a:endParaRPr sz="1800">
-              <a:solidFill>
-                <a:schemeClr val="dk1"/>
-              </a:solidFill>
-              <a:latin typeface="Calibri"/>
-              <a:ea typeface="Calibri"/>
-              <a:cs typeface="Calibri"/>
-              <a:sym typeface="Calibri"/>
-            </a:endParaRPr>
           </a:p>
         </p:txBody>
       </p:sp>
@@ -17095,7 +18102,7 @@
   <p:cSld>
     <p:spTree>
       <p:nvGrpSpPr>
-        <p:cNvPr id="146" name="Shape 146"/>
+        <p:cNvPr id="131" name="Shape 131"/>
         <p:cNvGrpSpPr/>
         <p:nvPr/>
       </p:nvGrpSpPr>
@@ -17109,7 +18116,7 @@
       </p:grpSpPr>
       <p:sp>
         <p:nvSpPr>
-          <p:cNvPr id="147" name="Google Shape;147;p9"/>
+          <p:cNvPr id="132" name="Google Shape;132;p9"/>
           <p:cNvSpPr txBox="1"/>
           <p:nvPr>
             <p:ph type="title"/>
@@ -17117,7 +18124,7 @@
         </p:nvSpPr>
         <p:spPr>
           <a:xfrm>
-            <a:off x="312906" y="-199079"/>
+            <a:off x="838200" y="365125"/>
             <a:ext cx="10515600" cy="1325563"/>
           </a:xfrm>
           <a:prstGeom prst="rect">
@@ -17153,7 +18160,7 @@
             </a:pPr>
             <a:r>
               <a:rPr lang="en-US"/>
-              <a:t>Here is the main function</a:t>
+              <a:t>Kernel Declaration</a:t>
             </a:r>
             <a:endParaRPr/>
           </a:p>
@@ -17161,27 +18168,72 @@
       </p:sp>
       <p:sp>
         <p:nvSpPr>
-          <p:cNvPr id="148" name="Google Shape;148;p9"/>
+          <p:cNvPr id="133" name="Google Shape;133;p9"/>
+          <p:cNvSpPr txBox="1"/>
+          <p:nvPr>
+            <p:ph idx="1" type="body"/>
+          </p:nvPr>
+        </p:nvSpPr>
+        <p:spPr>
+          <a:xfrm>
+            <a:off x="1036163" y="1690688"/>
+            <a:ext cx="10515600" cy="4351338"/>
+          </a:xfrm>
+          <a:prstGeom prst="rect">
+            <a:avLst/>
+          </a:prstGeom>
+          <a:noFill/>
+          <a:ln>
+            <a:noFill/>
+          </a:ln>
+        </p:spPr>
+        <p:txBody>
+          <a:bodyPr anchorCtr="0" anchor="t" bIns="45700" lIns="91425" spcFirstLastPara="1" rIns="91425" wrap="square" tIns="45700">
+            <a:normAutofit/>
+          </a:bodyPr>
+          <a:lstStyle/>
+          <a:p>
+            <a:pPr indent="-228600" lvl="0" marL="228600" rtl="0" algn="l">
+              <a:lnSpc>
+                <a:spcPct val="90000"/>
+              </a:lnSpc>
+              <a:spcBef>
+                <a:spcPts val="0"/>
+              </a:spcBef>
+              <a:spcAft>
+                <a:spcPts val="0"/>
+              </a:spcAft>
+              <a:buClr>
+                <a:schemeClr val="dk1"/>
+              </a:buClr>
+              <a:buSzPts val="2800"/>
+              <a:buChar char="•"/>
+            </a:pPr>
+            <a:r>
+              <a:rPr lang="en-US"/>
+              <a:t>Numba CUDA kernel format</a:t>
+            </a:r>
+            <a:endParaRPr/>
+          </a:p>
+        </p:txBody>
+      </p:sp>
+      <p:sp>
+        <p:nvSpPr>
+          <p:cNvPr id="134" name="Google Shape;134;p9"/>
           <p:cNvSpPr/>
           <p:nvPr/>
         </p:nvSpPr>
         <p:spPr>
           <a:xfrm>
-            <a:off x="191310" y="1417012"/>
-            <a:ext cx="6096000" cy="5170646"/>
+            <a:off x="1792664" y="3733702"/>
+            <a:ext cx="9002598" cy="2308324"/>
           </a:xfrm>
           <a:prstGeom prst="rect">
             <a:avLst/>
           </a:prstGeom>
           <a:noFill/>
-          <a:ln cap="flat" cmpd="sng" w="9525">
-            <a:solidFill>
-              <a:schemeClr val="dk1"/>
-            </a:solidFill>
-            <a:prstDash val="solid"/>
-            <a:round/>
-            <a:headEnd len="sm" w="sm" type="none"/>
-            <a:tailEnd len="sm" w="sm" type="none"/>
+          <a:ln>
+            <a:noFill/>
           </a:ln>
         </p:spPr>
         <p:txBody>
@@ -17200,16 +18252,48 @@
               <a:buNone/>
             </a:pPr>
             <a:r>
-              <a:rPr lang="en-US" sz="1100">
+              <a:rPr b="0" i="0" lang="en-US" sz="2400" u="none" cap="none" strike="noStrike">
                 <a:solidFill>
-                  <a:srgbClr val="000000"/>
+                  <a:schemeClr val="dk1"/>
                 </a:solidFill>
-                <a:latin typeface="Consolas"/>
-                <a:ea typeface="Consolas"/>
-                <a:cs typeface="Consolas"/>
-                <a:sym typeface="Consolas"/>
+                <a:latin typeface="Calibri"/>
+                <a:ea typeface="Calibri"/>
+                <a:cs typeface="Calibri"/>
+                <a:sym typeface="Calibri"/>
               </a:rPr>
-              <a:t>int main(void) {</a:t>
+              <a:t>@cuda.jit</a:t>
+            </a:r>
+            <a:endParaRPr sz="2400">
+              <a:solidFill>
+                <a:schemeClr val="dk1"/>
+              </a:solidFill>
+              <a:latin typeface="Calibri"/>
+              <a:ea typeface="Calibri"/>
+              <a:cs typeface="Calibri"/>
+              <a:sym typeface="Calibri"/>
+            </a:endParaRPr>
+          </a:p>
+          <a:p>
+            <a:pPr indent="0" lvl="0" marL="0" marR="0" rtl="0" algn="l">
+              <a:spcBef>
+                <a:spcPts val="0"/>
+              </a:spcBef>
+              <a:spcAft>
+                <a:spcPts val="0"/>
+              </a:spcAft>
+              <a:buNone/>
+            </a:pPr>
+            <a:r>
+              <a:rPr lang="en-US" sz="2400">
+                <a:solidFill>
+                  <a:schemeClr val="dk1"/>
+                </a:solidFill>
+                <a:latin typeface="Calibri"/>
+                <a:ea typeface="Calibri"/>
+                <a:cs typeface="Calibri"/>
+                <a:sym typeface="Calibri"/>
+              </a:rPr>
+              <a:t>def kernel_name(an_array):</a:t>
             </a:r>
             <a:endParaRPr/>
           </a:p>
@@ -17224,16 +18308,16 @@
               <a:buNone/>
             </a:pPr>
             <a:r>
-              <a:rPr lang="en-US" sz="1100">
+              <a:rPr lang="en-US" sz="2400">
                 <a:solidFill>
-                  <a:srgbClr val="000000"/>
+                  <a:schemeClr val="dk1"/>
                 </a:solidFill>
-                <a:latin typeface="Consolas"/>
-                <a:ea typeface="Consolas"/>
-                <a:cs typeface="Consolas"/>
-                <a:sym typeface="Consolas"/>
+                <a:latin typeface="Calibri"/>
+                <a:ea typeface="Calibri"/>
+                <a:cs typeface="Calibri"/>
+                <a:sym typeface="Calibri"/>
               </a:rPr>
-              <a:t>//host variables </a:t>
+              <a:t>    """</a:t>
             </a:r>
             <a:endParaRPr/>
           </a:p>
@@ -17248,16 +18332,16 @@
               <a:buNone/>
             </a:pPr>
             <a:r>
-              <a:rPr lang="en-US" sz="1100">
+              <a:rPr lang="en-US" sz="2400">
                 <a:solidFill>
-                  <a:srgbClr val="000000"/>
+                  <a:schemeClr val="dk1"/>
                 </a:solidFill>
-                <a:latin typeface="Consolas"/>
-                <a:ea typeface="Consolas"/>
-                <a:cs typeface="Consolas"/>
-                <a:sym typeface="Consolas"/>
+                <a:latin typeface="Calibri"/>
+                <a:ea typeface="Calibri"/>
+                <a:cs typeface="Calibri"/>
+                <a:sym typeface="Calibri"/>
               </a:rPr>
-              <a:t>int *h_var, *h_sum ;</a:t>
+              <a:t>    Write kernel computation for each thread</a:t>
             </a:r>
             <a:endParaRPr/>
           </a:p>
@@ -17272,16 +18356,16 @@
               <a:buNone/>
             </a:pPr>
             <a:r>
-              <a:rPr lang="en-US" sz="1100">
+              <a:rPr lang="en-US" sz="2400">
                 <a:solidFill>
-                  <a:srgbClr val="000000"/>
+                  <a:schemeClr val="dk1"/>
                 </a:solidFill>
-                <a:latin typeface="Consolas"/>
-                <a:ea typeface="Consolas"/>
-                <a:cs typeface="Consolas"/>
-                <a:sym typeface="Consolas"/>
+                <a:latin typeface="Calibri"/>
+                <a:ea typeface="Calibri"/>
+                <a:cs typeface="Calibri"/>
+                <a:sym typeface="Calibri"/>
               </a:rPr>
-              <a:t>int sum=0;</a:t>
+              <a:t>    """</a:t>
             </a:r>
             <a:endParaRPr/>
           </a:p>
@@ -17296,562 +18380,16 @@
               <a:buNone/>
             </a:pPr>
             <a:r>
-              <a:t/>
-            </a:r>
-            <a:endParaRPr sz="1100">
-              <a:solidFill>
-                <a:srgbClr val="000000"/>
-              </a:solidFill>
-              <a:latin typeface="Consolas"/>
-              <a:ea typeface="Consolas"/>
-              <a:cs typeface="Consolas"/>
-              <a:sym typeface="Consolas"/>
-            </a:endParaRPr>
-          </a:p>
-          <a:p>
-            <a:pPr indent="0" lvl="0" marL="0" marR="0" rtl="0" algn="l">
-              <a:spcBef>
-                <a:spcPts val="0"/>
-              </a:spcBef>
-              <a:spcAft>
-                <a:spcPts val="0"/>
-              </a:spcAft>
-              <a:buNone/>
-            </a:pPr>
-            <a:r>
-              <a:rPr lang="en-US" sz="1100">
+              <a:rPr lang="en-US" sz="2400">
                 <a:solidFill>
-                  <a:srgbClr val="000000"/>
+                  <a:schemeClr val="dk1"/>
                 </a:solidFill>
-                <a:latin typeface="Consolas"/>
-                <a:ea typeface="Consolas"/>
-                <a:cs typeface="Consolas"/>
-                <a:sym typeface="Consolas"/>
+                <a:latin typeface="Calibri"/>
+                <a:ea typeface="Calibri"/>
+                <a:cs typeface="Calibri"/>
+                <a:sym typeface="Calibri"/>
               </a:rPr>
-              <a:t>//device variables</a:t>
-            </a:r>
-            <a:endParaRPr/>
-          </a:p>
-          <a:p>
-            <a:pPr indent="0" lvl="0" marL="0" marR="0" rtl="0" algn="l">
-              <a:spcBef>
-                <a:spcPts val="0"/>
-              </a:spcBef>
-              <a:spcAft>
-                <a:spcPts val="0"/>
-              </a:spcAft>
-              <a:buNone/>
-            </a:pPr>
-            <a:r>
-              <a:rPr lang="en-US" sz="1100">
-                <a:solidFill>
-                  <a:srgbClr val="000000"/>
-                </a:solidFill>
-                <a:latin typeface="Consolas"/>
-                <a:ea typeface="Consolas"/>
-                <a:cs typeface="Consolas"/>
-                <a:sym typeface="Consolas"/>
-              </a:rPr>
-              <a:t>int* d_var, *d_sum;</a:t>
-            </a:r>
-            <a:endParaRPr/>
-          </a:p>
-          <a:p>
-            <a:pPr indent="0" lvl="0" marL="0" marR="0" rtl="0" algn="l">
-              <a:spcBef>
-                <a:spcPts val="0"/>
-              </a:spcBef>
-              <a:spcAft>
-                <a:spcPts val="0"/>
-              </a:spcAft>
-              <a:buNone/>
-            </a:pPr>
-            <a:r>
-              <a:t/>
-            </a:r>
-            <a:endParaRPr sz="1100">
-              <a:solidFill>
-                <a:srgbClr val="000000"/>
-              </a:solidFill>
-              <a:latin typeface="Consolas"/>
-              <a:ea typeface="Consolas"/>
-              <a:cs typeface="Consolas"/>
-              <a:sym typeface="Consolas"/>
-            </a:endParaRPr>
-          </a:p>
-          <a:p>
-            <a:pPr indent="0" lvl="0" marL="0" marR="0" rtl="0" algn="l">
-              <a:spcBef>
-                <a:spcPts val="0"/>
-              </a:spcBef>
-              <a:spcAft>
-                <a:spcPts val="0"/>
-              </a:spcAft>
-              <a:buNone/>
-            </a:pPr>
-            <a:r>
-              <a:rPr lang="en-US" sz="1100">
-                <a:solidFill>
-                  <a:srgbClr val="000000"/>
-                </a:solidFill>
-                <a:latin typeface="Consolas"/>
-                <a:ea typeface="Consolas"/>
-                <a:cs typeface="Consolas"/>
-                <a:sym typeface="Consolas"/>
-              </a:rPr>
-              <a:t>size_t size_vect = SIZE*sizeof(int); /* size of the total vectors necessary to allocate memory */</a:t>
-            </a:r>
-            <a:endParaRPr/>
-          </a:p>
-          <a:p>
-            <a:pPr indent="0" lvl="0" marL="0" marR="0" rtl="0" algn="l">
-              <a:spcBef>
-                <a:spcPts val="0"/>
-              </a:spcBef>
-              <a:spcAft>
-                <a:spcPts val="0"/>
-              </a:spcAft>
-              <a:buNone/>
-            </a:pPr>
-            <a:r>
-              <a:t/>
-            </a:r>
-            <a:endParaRPr sz="1100">
-              <a:solidFill>
-                <a:srgbClr val="000000"/>
-              </a:solidFill>
-              <a:latin typeface="Consolas"/>
-              <a:ea typeface="Consolas"/>
-              <a:cs typeface="Consolas"/>
-              <a:sym typeface="Consolas"/>
-            </a:endParaRPr>
-          </a:p>
-          <a:p>
-            <a:pPr indent="0" lvl="0" marL="0" marR="0" rtl="0" algn="l">
-              <a:spcBef>
-                <a:spcPts val="0"/>
-              </a:spcBef>
-              <a:spcAft>
-                <a:spcPts val="0"/>
-              </a:spcAft>
-              <a:buNone/>
-            </a:pPr>
-            <a:r>
-              <a:rPr lang="en-US" sz="1100">
-                <a:solidFill>
-                  <a:srgbClr val="000000"/>
-                </a:solidFill>
-                <a:latin typeface="Consolas"/>
-                <a:ea typeface="Consolas"/>
-                <a:cs typeface="Consolas"/>
-                <a:sym typeface="Consolas"/>
-              </a:rPr>
-              <a:t>//allocate memory for the variables on host (cpu)</a:t>
-            </a:r>
-            <a:endParaRPr/>
-          </a:p>
-          <a:p>
-            <a:pPr indent="0" lvl="0" marL="0" marR="0" rtl="0" algn="l">
-              <a:spcBef>
-                <a:spcPts val="0"/>
-              </a:spcBef>
-              <a:spcAft>
-                <a:spcPts val="0"/>
-              </a:spcAft>
-              <a:buNone/>
-            </a:pPr>
-            <a:r>
-              <a:rPr lang="en-US" sz="1100">
-                <a:solidFill>
-                  <a:srgbClr val="000000"/>
-                </a:solidFill>
-                <a:latin typeface="Consolas"/>
-                <a:ea typeface="Consolas"/>
-                <a:cs typeface="Consolas"/>
-                <a:sym typeface="Consolas"/>
-              </a:rPr>
-              <a:t>h_var = (int*)malloc(size_vect);</a:t>
-            </a:r>
-            <a:endParaRPr/>
-          </a:p>
-          <a:p>
-            <a:pPr indent="0" lvl="0" marL="0" marR="0" rtl="0" algn="l">
-              <a:spcBef>
-                <a:spcPts val="0"/>
-              </a:spcBef>
-              <a:spcAft>
-                <a:spcPts val="0"/>
-              </a:spcAft>
-              <a:buNone/>
-            </a:pPr>
-            <a:r>
-              <a:rPr lang="en-US" sz="1100">
-                <a:solidFill>
-                  <a:srgbClr val="000000"/>
-                </a:solidFill>
-                <a:latin typeface="Consolas"/>
-                <a:ea typeface="Consolas"/>
-                <a:cs typeface="Consolas"/>
-                <a:sym typeface="Consolas"/>
-              </a:rPr>
-              <a:t>h_sum = (int*)malloc(sizeof(int));</a:t>
-            </a:r>
-            <a:endParaRPr/>
-          </a:p>
-          <a:p>
-            <a:pPr indent="0" lvl="0" marL="0" marR="0" rtl="0" algn="l">
-              <a:spcBef>
-                <a:spcPts val="0"/>
-              </a:spcBef>
-              <a:spcAft>
-                <a:spcPts val="0"/>
-              </a:spcAft>
-              <a:buNone/>
-            </a:pPr>
-            <a:r>
-              <a:rPr lang="en-US" sz="1100">
-                <a:solidFill>
-                  <a:srgbClr val="000000"/>
-                </a:solidFill>
-                <a:latin typeface="Consolas"/>
-                <a:ea typeface="Consolas"/>
-                <a:cs typeface="Consolas"/>
-                <a:sym typeface="Consolas"/>
-              </a:rPr>
-              <a:t>h_sum=&amp;sum;/* h_sum is to store the sum on the host device */</a:t>
-            </a:r>
-            <a:endParaRPr/>
-          </a:p>
-          <a:p>
-            <a:pPr indent="0" lvl="0" marL="0" marR="0" rtl="0" algn="l">
-              <a:spcBef>
-                <a:spcPts val="0"/>
-              </a:spcBef>
-              <a:spcAft>
-                <a:spcPts val="0"/>
-              </a:spcAft>
-              <a:buNone/>
-            </a:pPr>
-            <a:r>
-              <a:t/>
-            </a:r>
-            <a:endParaRPr sz="1100">
-              <a:solidFill>
-                <a:srgbClr val="000000"/>
-              </a:solidFill>
-              <a:latin typeface="Consolas"/>
-              <a:ea typeface="Consolas"/>
-              <a:cs typeface="Consolas"/>
-              <a:sym typeface="Consolas"/>
-            </a:endParaRPr>
-          </a:p>
-          <a:p>
-            <a:pPr indent="0" lvl="0" marL="0" marR="0" rtl="0" algn="l">
-              <a:spcBef>
-                <a:spcPts val="0"/>
-              </a:spcBef>
-              <a:spcAft>
-                <a:spcPts val="0"/>
-              </a:spcAft>
-              <a:buNone/>
-            </a:pPr>
-            <a:r>
-              <a:rPr lang="en-US" sz="1100">
-                <a:solidFill>
-                  <a:srgbClr val="000000"/>
-                </a:solidFill>
-                <a:latin typeface="Consolas"/>
-                <a:ea typeface="Consolas"/>
-                <a:cs typeface="Consolas"/>
-                <a:sym typeface="Consolas"/>
-              </a:rPr>
-              <a:t>//allocate memory for the variables on device (gpu)</a:t>
-            </a:r>
-            <a:endParaRPr/>
-          </a:p>
-          <a:p>
-            <a:pPr indent="0" lvl="0" marL="0" marR="0" rtl="0" algn="l">
-              <a:spcBef>
-                <a:spcPts val="0"/>
-              </a:spcBef>
-              <a:spcAft>
-                <a:spcPts val="0"/>
-              </a:spcAft>
-              <a:buNone/>
-            </a:pPr>
-            <a:r>
-              <a:rPr lang="en-US" sz="1100">
-                <a:solidFill>
-                  <a:srgbClr val="000000"/>
-                </a:solidFill>
-                <a:latin typeface="Consolas"/>
-                <a:ea typeface="Consolas"/>
-                <a:cs typeface="Consolas"/>
-                <a:sym typeface="Consolas"/>
-              </a:rPr>
-              <a:t>cudaMalloc((void **)&amp;d_var, size_vect);</a:t>
-            </a:r>
-            <a:endParaRPr/>
-          </a:p>
-          <a:p>
-            <a:pPr indent="0" lvl="0" marL="0" marR="0" rtl="0" algn="l">
-              <a:spcBef>
-                <a:spcPts val="0"/>
-              </a:spcBef>
-              <a:spcAft>
-                <a:spcPts val="0"/>
-              </a:spcAft>
-              <a:buNone/>
-            </a:pPr>
-            <a:r>
-              <a:rPr lang="en-US" sz="1100">
-                <a:solidFill>
-                  <a:srgbClr val="000000"/>
-                </a:solidFill>
-                <a:latin typeface="Consolas"/>
-                <a:ea typeface="Consolas"/>
-                <a:cs typeface="Consolas"/>
-                <a:sym typeface="Consolas"/>
-              </a:rPr>
-              <a:t>cudaMalloc((void **)&amp;d_sum, size_vect);</a:t>
-            </a:r>
-            <a:endParaRPr/>
-          </a:p>
-          <a:p>
-            <a:pPr indent="0" lvl="0" marL="0" marR="0" rtl="0" algn="l">
-              <a:spcBef>
-                <a:spcPts val="0"/>
-              </a:spcBef>
-              <a:spcAft>
-                <a:spcPts val="0"/>
-              </a:spcAft>
-              <a:buNone/>
-            </a:pPr>
-            <a:r>
-              <a:rPr lang="en-US" sz="1100">
-                <a:solidFill>
-                  <a:srgbClr val="000000"/>
-                </a:solidFill>
-                <a:latin typeface="Consolas"/>
-                <a:ea typeface="Consolas"/>
-                <a:cs typeface="Consolas"/>
-                <a:sym typeface="Consolas"/>
-              </a:rPr>
-              <a:t>cudaMemset ((void **)d_sum,0, sizeof(int));</a:t>
-            </a:r>
-            <a:endParaRPr/>
-          </a:p>
-          <a:p>
-            <a:pPr indent="0" lvl="0" marL="0" marR="0" rtl="0" algn="l">
-              <a:spcBef>
-                <a:spcPts val="0"/>
-              </a:spcBef>
-              <a:spcAft>
-                <a:spcPts val="0"/>
-              </a:spcAft>
-              <a:buNone/>
-            </a:pPr>
-            <a:r>
-              <a:t/>
-            </a:r>
-            <a:endParaRPr sz="1100">
-              <a:solidFill>
-                <a:srgbClr val="000000"/>
-              </a:solidFill>
-              <a:latin typeface="Consolas"/>
-              <a:ea typeface="Consolas"/>
-              <a:cs typeface="Consolas"/>
-              <a:sym typeface="Consolas"/>
-            </a:endParaRPr>
-          </a:p>
-          <a:p>
-            <a:pPr indent="0" lvl="0" marL="0" marR="0" rtl="0" algn="l">
-              <a:spcBef>
-                <a:spcPts val="0"/>
-              </a:spcBef>
-              <a:spcAft>
-                <a:spcPts val="0"/>
-              </a:spcAft>
-              <a:buNone/>
-            </a:pPr>
-            <a:r>
-              <a:rPr lang="en-US" sz="1100">
-                <a:solidFill>
-                  <a:srgbClr val="000000"/>
-                </a:solidFill>
-                <a:latin typeface="Consolas"/>
-                <a:ea typeface="Consolas"/>
-                <a:cs typeface="Consolas"/>
-                <a:sym typeface="Consolas"/>
-              </a:rPr>
-              <a:t>//initialize the vectors each with value 1</a:t>
-            </a:r>
-            <a:endParaRPr/>
-          </a:p>
-          <a:p>
-            <a:pPr indent="0" lvl="0" marL="0" marR="0" rtl="0" algn="l">
-              <a:spcBef>
-                <a:spcPts val="0"/>
-              </a:spcBef>
-              <a:spcAft>
-                <a:spcPts val="0"/>
-              </a:spcAft>
-              <a:buNone/>
-            </a:pPr>
-            <a:r>
-              <a:rPr lang="en-US" sz="1100">
-                <a:solidFill>
-                  <a:srgbClr val="000000"/>
-                </a:solidFill>
-                <a:latin typeface="Consolas"/>
-                <a:ea typeface="Consolas"/>
-                <a:cs typeface="Consolas"/>
-                <a:sym typeface="Consolas"/>
-              </a:rPr>
-              <a:t>for (int i = 0; i &lt; SIZE; i++) {</a:t>
-            </a:r>
-            <a:endParaRPr/>
-          </a:p>
-          <a:p>
-            <a:pPr indent="0" lvl="0" marL="0" marR="0" rtl="0" algn="l">
-              <a:spcBef>
-                <a:spcPts val="0"/>
-              </a:spcBef>
-              <a:spcAft>
-                <a:spcPts val="0"/>
-              </a:spcAft>
-              <a:buNone/>
-            </a:pPr>
-            <a:r>
-              <a:rPr lang="en-US" sz="1100">
-                <a:solidFill>
-                  <a:srgbClr val="000000"/>
-                </a:solidFill>
-                <a:latin typeface="Consolas"/>
-                <a:ea typeface="Consolas"/>
-                <a:cs typeface="Consolas"/>
-                <a:sym typeface="Consolas"/>
-              </a:rPr>
-              <a:t>h_var[i] = 1;</a:t>
-            </a:r>
-            <a:endParaRPr/>
-          </a:p>
-          <a:p>
-            <a:pPr indent="0" lvl="0" marL="0" marR="0" rtl="0" algn="l">
-              <a:spcBef>
-                <a:spcPts val="0"/>
-              </a:spcBef>
-              <a:spcAft>
-                <a:spcPts val="0"/>
-              </a:spcAft>
-              <a:buNone/>
-            </a:pPr>
-            <a:r>
-              <a:rPr lang="en-US" sz="1100">
-                <a:solidFill>
-                  <a:srgbClr val="000000"/>
-                </a:solidFill>
-                <a:latin typeface="Consolas"/>
-                <a:ea typeface="Consolas"/>
-                <a:cs typeface="Consolas"/>
-                <a:sym typeface="Consolas"/>
-              </a:rPr>
-              <a:t>}</a:t>
-            </a:r>
-            <a:endParaRPr/>
-          </a:p>
-          <a:p>
-            <a:pPr indent="0" lvl="0" marL="0" marR="0" rtl="0" algn="l">
-              <a:spcBef>
-                <a:spcPts val="0"/>
-              </a:spcBef>
-              <a:spcAft>
-                <a:spcPts val="0"/>
-              </a:spcAft>
-              <a:buNone/>
-            </a:pPr>
-            <a:r>
-              <a:t/>
-            </a:r>
-            <a:endParaRPr sz="1100">
-              <a:solidFill>
-                <a:srgbClr val="000000"/>
-              </a:solidFill>
-              <a:latin typeface="Consolas"/>
-              <a:ea typeface="Consolas"/>
-              <a:cs typeface="Consolas"/>
-              <a:sym typeface="Consolas"/>
-            </a:endParaRPr>
-          </a:p>
-          <a:p>
-            <a:pPr indent="0" lvl="0" marL="0" marR="0" rtl="0" algn="l">
-              <a:spcBef>
-                <a:spcPts val="0"/>
-              </a:spcBef>
-              <a:spcAft>
-                <a:spcPts val="0"/>
-              </a:spcAft>
-              <a:buNone/>
-            </a:pPr>
-            <a:r>
-              <a:rPr lang="en-US" sz="1100">
-                <a:solidFill>
-                  <a:srgbClr val="000000"/>
-                </a:solidFill>
-                <a:latin typeface="Consolas"/>
-                <a:ea typeface="Consolas"/>
-                <a:cs typeface="Consolas"/>
-                <a:sym typeface="Consolas"/>
-              </a:rPr>
-              <a:t>//Start CUDA processing</a:t>
-            </a:r>
-            <a:endParaRPr/>
-          </a:p>
-          <a:p>
-            <a:pPr indent="0" lvl="0" marL="0" marR="0" rtl="0" algn="l">
-              <a:spcBef>
-                <a:spcPts val="0"/>
-              </a:spcBef>
-              <a:spcAft>
-                <a:spcPts val="0"/>
-              </a:spcAft>
-              <a:buNone/>
-            </a:pPr>
-            <a:r>
-              <a:rPr lang="en-US" sz="1100">
-                <a:solidFill>
-                  <a:srgbClr val="000000"/>
-                </a:solidFill>
-                <a:latin typeface="Consolas"/>
-                <a:ea typeface="Consolas"/>
-                <a:cs typeface="Consolas"/>
-                <a:sym typeface="Consolas"/>
-              </a:rPr>
-              <a:t>// Copy host values to device</a:t>
-            </a:r>
-            <a:endParaRPr/>
-          </a:p>
-          <a:p>
-            <a:pPr indent="0" lvl="0" marL="0" marR="0" rtl="0" algn="l">
-              <a:spcBef>
-                <a:spcPts val="0"/>
-              </a:spcBef>
-              <a:spcAft>
-                <a:spcPts val="0"/>
-              </a:spcAft>
-              <a:buNone/>
-            </a:pPr>
-            <a:r>
-              <a:rPr lang="en-US" sz="1100">
-                <a:solidFill>
-                  <a:srgbClr val="000000"/>
-                </a:solidFill>
-                <a:latin typeface="Consolas"/>
-                <a:ea typeface="Consolas"/>
-                <a:cs typeface="Consolas"/>
-                <a:sym typeface="Consolas"/>
-              </a:rPr>
-              <a:t>cudaMemcpy(d_var, h_var, size_vect, cudaMemcpyHostToDevice);</a:t>
+              <a:t>    # write code </a:t>
             </a:r>
             <a:endParaRPr/>
           </a:p>
@@ -17859,36 +18397,63 @@
       </p:sp>
       <p:sp>
         <p:nvSpPr>
-          <p:cNvPr id="149" name="Google Shape;149;p9"/>
+          <p:cNvPr id="135" name="Google Shape;135;p9"/>
           <p:cNvSpPr/>
           <p:nvPr/>
         </p:nvSpPr>
         <p:spPr>
           <a:xfrm>
-            <a:off x="6540229" y="1247735"/>
-            <a:ext cx="5317788" cy="5509200"/>
+            <a:off x="3855563" y="2797404"/>
+            <a:ext cx="2846895" cy="829559"/>
           </a:xfrm>
-          <a:prstGeom prst="rect">
-            <a:avLst/>
-          </a:prstGeom>
-          <a:noFill/>
-          <a:ln cap="flat" cmpd="sng" w="9525">
+          <a:custGeom>
+            <a:rect b="b" l="l" r="r" t="t"/>
+            <a:pathLst>
+              <a:path extrusionOk="0" h="120000" w="120000">
+                <a:moveTo>
+                  <a:pt x="0" y="0"/>
+                </a:moveTo>
+                <a:lnTo>
+                  <a:pt x="120000" y="0"/>
+                </a:lnTo>
+                <a:lnTo>
+                  <a:pt x="120000" y="120000"/>
+                </a:lnTo>
+                <a:lnTo>
+                  <a:pt x="0" y="120000"/>
+                </a:lnTo>
+                <a:close/>
+              </a:path>
+              <a:path extrusionOk="0" fill="none" h="120000" w="120000">
+                <a:moveTo>
+                  <a:pt x="-10000" y="22500"/>
+                </a:moveTo>
+                <a:lnTo>
+                  <a:pt x="-46000" y="135000"/>
+                </a:lnTo>
+              </a:path>
+            </a:pathLst>
+          </a:custGeom>
+          <a:solidFill>
+            <a:schemeClr val="accent1"/>
+          </a:solidFill>
+          <a:ln cap="flat" cmpd="sng" w="12700">
             <a:solidFill>
-              <a:schemeClr val="dk1"/>
+              <a:srgbClr val="31538F"/>
             </a:solidFill>
             <a:prstDash val="solid"/>
-            <a:round/>
+            <a:miter lim="800000"/>
             <a:headEnd len="sm" w="sm" type="none"/>
             <a:tailEnd len="sm" w="sm" type="none"/>
           </a:ln>
         </p:spPr>
         <p:txBody>
-          <a:bodyPr anchorCtr="0" anchor="t" bIns="45700" lIns="91425" spcFirstLastPara="1" rIns="91425" wrap="square" tIns="45700">
-            <a:spAutoFit/>
+          <a:bodyPr anchorCtr="0" anchor="ctr" bIns="45700" lIns="91425" spcFirstLastPara="1" rIns="91425" wrap="square" tIns="45700">
+            <a:noAutofit/>
           </a:bodyPr>
           <a:lstStyle/>
           <a:p>
-            <a:pPr indent="0" lvl="0" marL="0" marR="0" rtl="0" algn="l">
+            <a:pPr indent="0" lvl="0" marL="0" marR="0" rtl="0" algn="ctr">
               <a:spcBef>
                 <a:spcPts val="0"/>
               </a:spcBef>
@@ -17898,761 +18463,18 @@
               <a:buNone/>
             </a:pPr>
             <a:r>
-              <a:rPr lang="en-US" sz="1100">
+              <a:rPr lang="en-US" sz="1800">
                 <a:solidFill>
-                  <a:srgbClr val="000000"/>
+                  <a:schemeClr val="lt1"/>
                 </a:solidFill>
-                <a:latin typeface="Consolas"/>
-                <a:ea typeface="Consolas"/>
-                <a:cs typeface="Consolas"/>
-                <a:sym typeface="Consolas"/>
+                <a:latin typeface="Calibri"/>
+                <a:ea typeface="Calibri"/>
+                <a:cs typeface="Calibri"/>
+                <a:sym typeface="Calibri"/>
               </a:rPr>
-              <a:t>//define number of threads</a:t>
+              <a:t>@cuda.jit decorator from Numba performs the computation on GPU</a:t>
             </a:r>
             <a:endParaRPr/>
-          </a:p>
-          <a:p>
-            <a:pPr indent="0" lvl="0" marL="0" marR="0" rtl="0" algn="l">
-              <a:spcBef>
-                <a:spcPts val="0"/>
-              </a:spcBef>
-              <a:spcAft>
-                <a:spcPts val="0"/>
-              </a:spcAft>
-              <a:buNone/>
-            </a:pPr>
-            <a:r>
-              <a:rPr lang="en-US" sz="1100">
-                <a:solidFill>
-                  <a:srgbClr val="000000"/>
-                </a:solidFill>
-                <a:latin typeface="Consolas"/>
-                <a:ea typeface="Consolas"/>
-                <a:cs typeface="Consolas"/>
-                <a:sym typeface="Consolas"/>
-              </a:rPr>
-              <a:t>int threads = 1024;</a:t>
-            </a:r>
-            <a:endParaRPr/>
-          </a:p>
-          <a:p>
-            <a:pPr indent="0" lvl="0" marL="0" marR="0" rtl="0" algn="l">
-              <a:spcBef>
-                <a:spcPts val="0"/>
-              </a:spcBef>
-              <a:spcAft>
-                <a:spcPts val="0"/>
-              </a:spcAft>
-              <a:buNone/>
-            </a:pPr>
-            <a:r>
-              <a:rPr lang="en-US" sz="1100">
-                <a:solidFill>
-                  <a:srgbClr val="000000"/>
-                </a:solidFill>
-                <a:latin typeface="Consolas"/>
-                <a:ea typeface="Consolas"/>
-                <a:cs typeface="Consolas"/>
-                <a:sym typeface="Consolas"/>
-              </a:rPr>
-              <a:t>//define block size in integer</a:t>
-            </a:r>
-            <a:endParaRPr/>
-          </a:p>
-          <a:p>
-            <a:pPr indent="0" lvl="0" marL="0" marR="0" rtl="0" algn="l">
-              <a:spcBef>
-                <a:spcPts val="0"/>
-              </a:spcBef>
-              <a:spcAft>
-                <a:spcPts val="0"/>
-              </a:spcAft>
-              <a:buNone/>
-            </a:pPr>
-            <a:r>
-              <a:rPr lang="en-US" sz="1100">
-                <a:solidFill>
-                  <a:srgbClr val="000000"/>
-                </a:solidFill>
-                <a:latin typeface="Consolas"/>
-                <a:ea typeface="Consolas"/>
-                <a:cs typeface="Consolas"/>
-                <a:sym typeface="Consolas"/>
-              </a:rPr>
-              <a:t>int block_size = (int)ceil((float)SIZE / threads);</a:t>
-            </a:r>
-            <a:endParaRPr/>
-          </a:p>
-          <a:p>
-            <a:pPr indent="0" lvl="0" marL="0" marR="0" rtl="0" algn="l">
-              <a:spcBef>
-                <a:spcPts val="0"/>
-              </a:spcBef>
-              <a:spcAft>
-                <a:spcPts val="0"/>
-              </a:spcAft>
-              <a:buNone/>
-            </a:pPr>
-            <a:r>
-              <a:t/>
-            </a:r>
-            <a:endParaRPr sz="1100">
-              <a:solidFill>
-                <a:srgbClr val="000000"/>
-              </a:solidFill>
-              <a:latin typeface="Consolas"/>
-              <a:ea typeface="Consolas"/>
-              <a:cs typeface="Consolas"/>
-              <a:sym typeface="Consolas"/>
-            </a:endParaRPr>
-          </a:p>
-          <a:p>
-            <a:pPr indent="0" lvl="0" marL="0" marR="0" rtl="0" algn="l">
-              <a:spcBef>
-                <a:spcPts val="0"/>
-              </a:spcBef>
-              <a:spcAft>
-                <a:spcPts val="0"/>
-              </a:spcAft>
-              <a:buNone/>
-            </a:pPr>
-            <a:r>
-              <a:rPr lang="en-US" sz="1100">
-                <a:solidFill>
-                  <a:srgbClr val="000000"/>
-                </a:solidFill>
-                <a:latin typeface="Consolas"/>
-                <a:ea typeface="Consolas"/>
-                <a:cs typeface="Consolas"/>
-                <a:sym typeface="Consolas"/>
-              </a:rPr>
-              <a:t>//execute the kernel with block size and number of threads</a:t>
-            </a:r>
-            <a:endParaRPr/>
-          </a:p>
-          <a:p>
-            <a:pPr indent="0" lvl="0" marL="0" marR="0" rtl="0" algn="l">
-              <a:spcBef>
-                <a:spcPts val="0"/>
-              </a:spcBef>
-              <a:spcAft>
-                <a:spcPts val="0"/>
-              </a:spcAft>
-              <a:buNone/>
-            </a:pPr>
-            <a:r>
-              <a:rPr lang="en-US" sz="1100">
-                <a:solidFill>
-                  <a:srgbClr val="000000"/>
-                </a:solidFill>
-                <a:latin typeface="Consolas"/>
-                <a:ea typeface="Consolas"/>
-                <a:cs typeface="Consolas"/>
-                <a:sym typeface="Consolas"/>
-              </a:rPr>
-              <a:t>simple_count &lt;&lt; &lt;block_size, threads &gt;&gt;&gt; (d_var, d_sum, SIZE);</a:t>
-            </a:r>
-            <a:endParaRPr/>
-          </a:p>
-          <a:p>
-            <a:pPr indent="0" lvl="0" marL="0" marR="0" rtl="0" algn="l">
-              <a:spcBef>
-                <a:spcPts val="0"/>
-              </a:spcBef>
-              <a:spcAft>
-                <a:spcPts val="0"/>
-              </a:spcAft>
-              <a:buNone/>
-            </a:pPr>
-            <a:r>
-              <a:t/>
-            </a:r>
-            <a:endParaRPr sz="1100">
-              <a:solidFill>
-                <a:srgbClr val="000000"/>
-              </a:solidFill>
-              <a:latin typeface="Consolas"/>
-              <a:ea typeface="Consolas"/>
-              <a:cs typeface="Consolas"/>
-              <a:sym typeface="Consolas"/>
-            </a:endParaRPr>
-          </a:p>
-          <a:p>
-            <a:pPr indent="0" lvl="0" marL="0" marR="0" rtl="0" algn="l">
-              <a:spcBef>
-                <a:spcPts val="0"/>
-              </a:spcBef>
-              <a:spcAft>
-                <a:spcPts val="0"/>
-              </a:spcAft>
-              <a:buNone/>
-            </a:pPr>
-            <a:r>
-              <a:rPr lang="en-US" sz="1100">
-                <a:solidFill>
-                  <a:srgbClr val="000000"/>
-                </a:solidFill>
-                <a:latin typeface="Consolas"/>
-                <a:ea typeface="Consolas"/>
-                <a:cs typeface="Consolas"/>
-                <a:sym typeface="Consolas"/>
-              </a:rPr>
-              <a:t>// Copy result back to host</a:t>
-            </a:r>
-            <a:endParaRPr/>
-          </a:p>
-          <a:p>
-            <a:pPr indent="0" lvl="0" marL="0" marR="0" rtl="0" algn="l">
-              <a:spcBef>
-                <a:spcPts val="0"/>
-              </a:spcBef>
-              <a:spcAft>
-                <a:spcPts val="0"/>
-              </a:spcAft>
-              <a:buNone/>
-            </a:pPr>
-            <a:r>
-              <a:rPr lang="en-US" sz="1100">
-                <a:solidFill>
-                  <a:srgbClr val="000000"/>
-                </a:solidFill>
-                <a:latin typeface="Consolas"/>
-                <a:ea typeface="Consolas"/>
-                <a:cs typeface="Consolas"/>
-                <a:sym typeface="Consolas"/>
-              </a:rPr>
-              <a:t>cudaMemcpy(h_sum, d_sum, sizeof(int), cudaMemcpyDeviceToHost);</a:t>
-            </a:r>
-            <a:endParaRPr/>
-          </a:p>
-          <a:p>
-            <a:pPr indent="0" lvl="0" marL="0" marR="0" rtl="0" algn="l">
-              <a:spcBef>
-                <a:spcPts val="0"/>
-              </a:spcBef>
-              <a:spcAft>
-                <a:spcPts val="0"/>
-              </a:spcAft>
-              <a:buNone/>
-            </a:pPr>
-            <a:r>
-              <a:t/>
-            </a:r>
-            <a:endParaRPr sz="1100">
-              <a:solidFill>
-                <a:srgbClr val="000000"/>
-              </a:solidFill>
-              <a:latin typeface="Consolas"/>
-              <a:ea typeface="Consolas"/>
-              <a:cs typeface="Consolas"/>
-              <a:sym typeface="Consolas"/>
-            </a:endParaRPr>
-          </a:p>
-          <a:p>
-            <a:pPr indent="0" lvl="0" marL="0" marR="0" rtl="0" algn="l">
-              <a:spcBef>
-                <a:spcPts val="0"/>
-              </a:spcBef>
-              <a:spcAft>
-                <a:spcPts val="0"/>
-              </a:spcAft>
-              <a:buNone/>
-            </a:pPr>
-            <a:r>
-              <a:rPr lang="en-US" sz="1100">
-                <a:solidFill>
-                  <a:srgbClr val="000000"/>
-                </a:solidFill>
-                <a:latin typeface="Consolas"/>
-                <a:ea typeface="Consolas"/>
-                <a:cs typeface="Consolas"/>
-                <a:sym typeface="Consolas"/>
-              </a:rPr>
-              <a:t>//Verify the result, should be equal to SIZE</a:t>
-            </a:r>
-            <a:endParaRPr/>
-          </a:p>
-          <a:p>
-            <a:pPr indent="0" lvl="0" marL="0" marR="0" rtl="0" algn="l">
-              <a:spcBef>
-                <a:spcPts val="0"/>
-              </a:spcBef>
-              <a:spcAft>
-                <a:spcPts val="0"/>
-              </a:spcAft>
-              <a:buNone/>
-            </a:pPr>
-            <a:r>
-              <a:rPr lang="en-US" sz="1100">
-                <a:solidFill>
-                  <a:srgbClr val="000000"/>
-                </a:solidFill>
-                <a:latin typeface="Consolas"/>
-                <a:ea typeface="Consolas"/>
-                <a:cs typeface="Consolas"/>
-                <a:sym typeface="Consolas"/>
-              </a:rPr>
-              <a:t>printf("Result without atomic add : %d\n",sum);</a:t>
-            </a:r>
-            <a:endParaRPr/>
-          </a:p>
-          <a:p>
-            <a:pPr indent="0" lvl="0" marL="0" marR="0" rtl="0" algn="l">
-              <a:spcBef>
-                <a:spcPts val="0"/>
-              </a:spcBef>
-              <a:spcAft>
-                <a:spcPts val="0"/>
-              </a:spcAft>
-              <a:buNone/>
-            </a:pPr>
-            <a:r>
-              <a:t/>
-            </a:r>
-            <a:endParaRPr sz="1100">
-              <a:solidFill>
-                <a:srgbClr val="000000"/>
-              </a:solidFill>
-              <a:latin typeface="Consolas"/>
-              <a:ea typeface="Consolas"/>
-              <a:cs typeface="Consolas"/>
-              <a:sym typeface="Consolas"/>
-            </a:endParaRPr>
-          </a:p>
-          <a:p>
-            <a:pPr indent="0" lvl="0" marL="0" marR="0" rtl="0" algn="l">
-              <a:spcBef>
-                <a:spcPts val="0"/>
-              </a:spcBef>
-              <a:spcAft>
-                <a:spcPts val="0"/>
-              </a:spcAft>
-              <a:buNone/>
-            </a:pPr>
-            <a:r>
-              <a:rPr lang="en-US" sz="1100">
-                <a:solidFill>
-                  <a:srgbClr val="000000"/>
-                </a:solidFill>
-                <a:latin typeface="Consolas"/>
-                <a:ea typeface="Consolas"/>
-                <a:cs typeface="Consolas"/>
-                <a:sym typeface="Consolas"/>
-              </a:rPr>
-              <a:t>//reset d_sum to 0</a:t>
-            </a:r>
-            <a:endParaRPr/>
-          </a:p>
-          <a:p>
-            <a:pPr indent="0" lvl="0" marL="0" marR="0" rtl="0" algn="l">
-              <a:spcBef>
-                <a:spcPts val="0"/>
-              </a:spcBef>
-              <a:spcAft>
-                <a:spcPts val="0"/>
-              </a:spcAft>
-              <a:buNone/>
-            </a:pPr>
-            <a:r>
-              <a:rPr lang="en-US" sz="1100">
-                <a:solidFill>
-                  <a:srgbClr val="000000"/>
-                </a:solidFill>
-                <a:latin typeface="Consolas"/>
-                <a:ea typeface="Consolas"/>
-                <a:cs typeface="Consolas"/>
-                <a:sym typeface="Consolas"/>
-              </a:rPr>
-              <a:t>cudaMemset ((void **)d_sum,0, sizeof(int));</a:t>
-            </a:r>
-            <a:endParaRPr/>
-          </a:p>
-          <a:p>
-            <a:pPr indent="0" lvl="0" marL="0" marR="0" rtl="0" algn="l">
-              <a:spcBef>
-                <a:spcPts val="0"/>
-              </a:spcBef>
-              <a:spcAft>
-                <a:spcPts val="0"/>
-              </a:spcAft>
-              <a:buNone/>
-            </a:pPr>
-            <a:r>
-              <a:t/>
-            </a:r>
-            <a:endParaRPr sz="1100">
-              <a:solidFill>
-                <a:srgbClr val="000000"/>
-              </a:solidFill>
-              <a:latin typeface="Consolas"/>
-              <a:ea typeface="Consolas"/>
-              <a:cs typeface="Consolas"/>
-              <a:sym typeface="Consolas"/>
-            </a:endParaRPr>
-          </a:p>
-          <a:p>
-            <a:pPr indent="0" lvl="0" marL="0" marR="0" rtl="0" algn="l">
-              <a:spcBef>
-                <a:spcPts val="0"/>
-              </a:spcBef>
-              <a:spcAft>
-                <a:spcPts val="0"/>
-              </a:spcAft>
-              <a:buNone/>
-            </a:pPr>
-            <a:r>
-              <a:rPr lang="en-US" sz="1100">
-                <a:solidFill>
-                  <a:srgbClr val="000000"/>
-                </a:solidFill>
-                <a:latin typeface="Consolas"/>
-                <a:ea typeface="Consolas"/>
-                <a:cs typeface="Consolas"/>
-                <a:sym typeface="Consolas"/>
-              </a:rPr>
-              <a:t>//execute the kernel with block size and number of threads</a:t>
-            </a:r>
-            <a:endParaRPr/>
-          </a:p>
-          <a:p>
-            <a:pPr indent="0" lvl="0" marL="0" marR="0" rtl="0" algn="l">
-              <a:spcBef>
-                <a:spcPts val="0"/>
-              </a:spcBef>
-              <a:spcAft>
-                <a:spcPts val="0"/>
-              </a:spcAft>
-              <a:buNone/>
-            </a:pPr>
-            <a:r>
-              <a:rPr lang="en-US" sz="1100">
-                <a:solidFill>
-                  <a:srgbClr val="000000"/>
-                </a:solidFill>
-                <a:latin typeface="Consolas"/>
-                <a:ea typeface="Consolas"/>
-                <a:cs typeface="Consolas"/>
-                <a:sym typeface="Consolas"/>
-              </a:rPr>
-              <a:t>atomic_count &lt;&lt; &lt;block_size, threads &gt;&gt;&gt; (d_var, d_sum, SIZE);</a:t>
-            </a:r>
-            <a:endParaRPr/>
-          </a:p>
-          <a:p>
-            <a:pPr indent="0" lvl="0" marL="0" marR="0" rtl="0" algn="l">
-              <a:spcBef>
-                <a:spcPts val="0"/>
-              </a:spcBef>
-              <a:spcAft>
-                <a:spcPts val="0"/>
-              </a:spcAft>
-              <a:buNone/>
-            </a:pPr>
-            <a:r>
-              <a:t/>
-            </a:r>
-            <a:endParaRPr sz="1100">
-              <a:solidFill>
-                <a:srgbClr val="000000"/>
-              </a:solidFill>
-              <a:latin typeface="Consolas"/>
-              <a:ea typeface="Consolas"/>
-              <a:cs typeface="Consolas"/>
-              <a:sym typeface="Consolas"/>
-            </a:endParaRPr>
-          </a:p>
-          <a:p>
-            <a:pPr indent="0" lvl="0" marL="0" marR="0" rtl="0" algn="l">
-              <a:spcBef>
-                <a:spcPts val="0"/>
-              </a:spcBef>
-              <a:spcAft>
-                <a:spcPts val="0"/>
-              </a:spcAft>
-              <a:buNone/>
-            </a:pPr>
-            <a:r>
-              <a:rPr lang="en-US" sz="1100">
-                <a:solidFill>
-                  <a:srgbClr val="000000"/>
-                </a:solidFill>
-                <a:latin typeface="Consolas"/>
-                <a:ea typeface="Consolas"/>
-                <a:cs typeface="Consolas"/>
-                <a:sym typeface="Consolas"/>
-              </a:rPr>
-              <a:t>// Copy result back to host</a:t>
-            </a:r>
-            <a:endParaRPr/>
-          </a:p>
-          <a:p>
-            <a:pPr indent="0" lvl="0" marL="0" marR="0" rtl="0" algn="l">
-              <a:spcBef>
-                <a:spcPts val="0"/>
-              </a:spcBef>
-              <a:spcAft>
-                <a:spcPts val="0"/>
-              </a:spcAft>
-              <a:buNone/>
-            </a:pPr>
-            <a:r>
-              <a:rPr lang="en-US" sz="1100">
-                <a:solidFill>
-                  <a:srgbClr val="000000"/>
-                </a:solidFill>
-                <a:latin typeface="Consolas"/>
-                <a:ea typeface="Consolas"/>
-                <a:cs typeface="Consolas"/>
-                <a:sym typeface="Consolas"/>
-              </a:rPr>
-              <a:t>cudaMemcpy(h_sum, d_sum, sizeof(int), cudaMemcpyDeviceToHost);</a:t>
-            </a:r>
-            <a:endParaRPr/>
-          </a:p>
-          <a:p>
-            <a:pPr indent="0" lvl="0" marL="0" marR="0" rtl="0" algn="l">
-              <a:spcBef>
-                <a:spcPts val="0"/>
-              </a:spcBef>
-              <a:spcAft>
-                <a:spcPts val="0"/>
-              </a:spcAft>
-              <a:buNone/>
-            </a:pPr>
-            <a:r>
-              <a:t/>
-            </a:r>
-            <a:endParaRPr sz="1100">
-              <a:solidFill>
-                <a:srgbClr val="000000"/>
-              </a:solidFill>
-              <a:latin typeface="Consolas"/>
-              <a:ea typeface="Consolas"/>
-              <a:cs typeface="Consolas"/>
-              <a:sym typeface="Consolas"/>
-            </a:endParaRPr>
-          </a:p>
-          <a:p>
-            <a:pPr indent="0" lvl="0" marL="0" marR="0" rtl="0" algn="l">
-              <a:spcBef>
-                <a:spcPts val="0"/>
-              </a:spcBef>
-              <a:spcAft>
-                <a:spcPts val="0"/>
-              </a:spcAft>
-              <a:buNone/>
-            </a:pPr>
-            <a:r>
-              <a:rPr lang="en-US" sz="1100">
-                <a:solidFill>
-                  <a:srgbClr val="000000"/>
-                </a:solidFill>
-                <a:latin typeface="Consolas"/>
-                <a:ea typeface="Consolas"/>
-                <a:cs typeface="Consolas"/>
-                <a:sym typeface="Consolas"/>
-              </a:rPr>
-              <a:t>//Verify the result, should be equal to SIZE</a:t>
-            </a:r>
-            <a:endParaRPr/>
-          </a:p>
-          <a:p>
-            <a:pPr indent="0" lvl="0" marL="0" marR="0" rtl="0" algn="l">
-              <a:spcBef>
-                <a:spcPts val="0"/>
-              </a:spcBef>
-              <a:spcAft>
-                <a:spcPts val="0"/>
-              </a:spcAft>
-              <a:buNone/>
-            </a:pPr>
-            <a:r>
-              <a:rPr lang="en-US" sz="1100">
-                <a:solidFill>
-                  <a:srgbClr val="000000"/>
-                </a:solidFill>
-                <a:latin typeface="Consolas"/>
-                <a:ea typeface="Consolas"/>
-                <a:cs typeface="Consolas"/>
-                <a:sym typeface="Consolas"/>
-              </a:rPr>
-              <a:t>printf("Result using atomic add : %d\n",sum);</a:t>
-            </a:r>
-            <a:endParaRPr/>
-          </a:p>
-          <a:p>
-            <a:pPr indent="0" lvl="0" marL="0" marR="0" rtl="0" algn="l">
-              <a:spcBef>
-                <a:spcPts val="0"/>
-              </a:spcBef>
-              <a:spcAft>
-                <a:spcPts val="0"/>
-              </a:spcAft>
-              <a:buNone/>
-            </a:pPr>
-            <a:r>
-              <a:t/>
-            </a:r>
-            <a:endParaRPr sz="1100">
-              <a:solidFill>
-                <a:srgbClr val="000000"/>
-              </a:solidFill>
-              <a:latin typeface="Consolas"/>
-              <a:ea typeface="Consolas"/>
-              <a:cs typeface="Consolas"/>
-              <a:sym typeface="Consolas"/>
-            </a:endParaRPr>
-          </a:p>
-          <a:p>
-            <a:pPr indent="0" lvl="0" marL="0" marR="0" rtl="0" algn="l">
-              <a:spcBef>
-                <a:spcPts val="0"/>
-              </a:spcBef>
-              <a:spcAft>
-                <a:spcPts val="0"/>
-              </a:spcAft>
-              <a:buNone/>
-            </a:pPr>
-            <a:r>
-              <a:rPr lang="en-US" sz="1100">
-                <a:solidFill>
-                  <a:srgbClr val="000000"/>
-                </a:solidFill>
-                <a:latin typeface="Consolas"/>
-                <a:ea typeface="Consolas"/>
-                <a:cs typeface="Consolas"/>
-                <a:sym typeface="Consolas"/>
-              </a:rPr>
-              <a:t>// Release all device memory</a:t>
-            </a:r>
-            <a:endParaRPr/>
-          </a:p>
-          <a:p>
-            <a:pPr indent="0" lvl="0" marL="0" marR="0" rtl="0" algn="l">
-              <a:spcBef>
-                <a:spcPts val="0"/>
-              </a:spcBef>
-              <a:spcAft>
-                <a:spcPts val="0"/>
-              </a:spcAft>
-              <a:buNone/>
-            </a:pPr>
-            <a:r>
-              <a:rPr lang="en-US" sz="1100">
-                <a:solidFill>
-                  <a:srgbClr val="000000"/>
-                </a:solidFill>
-                <a:latin typeface="Consolas"/>
-                <a:ea typeface="Consolas"/>
-                <a:cs typeface="Consolas"/>
-                <a:sym typeface="Consolas"/>
-              </a:rPr>
-              <a:t>cudaFree(d_var);</a:t>
-            </a:r>
-            <a:endParaRPr/>
-          </a:p>
-          <a:p>
-            <a:pPr indent="0" lvl="0" marL="0" marR="0" rtl="0" algn="l">
-              <a:spcBef>
-                <a:spcPts val="0"/>
-              </a:spcBef>
-              <a:spcAft>
-                <a:spcPts val="0"/>
-              </a:spcAft>
-              <a:buNone/>
-            </a:pPr>
-            <a:r>
-              <a:t/>
-            </a:r>
-            <a:endParaRPr sz="1100">
-              <a:solidFill>
-                <a:srgbClr val="000000"/>
-              </a:solidFill>
-              <a:latin typeface="Consolas"/>
-              <a:ea typeface="Consolas"/>
-              <a:cs typeface="Consolas"/>
-              <a:sym typeface="Consolas"/>
-            </a:endParaRPr>
-          </a:p>
-          <a:p>
-            <a:pPr indent="0" lvl="0" marL="0" marR="0" rtl="0" algn="l">
-              <a:spcBef>
-                <a:spcPts val="0"/>
-              </a:spcBef>
-              <a:spcAft>
-                <a:spcPts val="0"/>
-              </a:spcAft>
-              <a:buNone/>
-            </a:pPr>
-            <a:r>
-              <a:rPr lang="en-US" sz="1100">
-                <a:solidFill>
-                  <a:srgbClr val="000000"/>
-                </a:solidFill>
-                <a:latin typeface="Consolas"/>
-                <a:ea typeface="Consolas"/>
-                <a:cs typeface="Consolas"/>
-                <a:sym typeface="Consolas"/>
-              </a:rPr>
-              <a:t>// Release all host memory</a:t>
-            </a:r>
-            <a:endParaRPr/>
-          </a:p>
-          <a:p>
-            <a:pPr indent="0" lvl="0" marL="0" marR="0" rtl="0" algn="l">
-              <a:spcBef>
-                <a:spcPts val="0"/>
-              </a:spcBef>
-              <a:spcAft>
-                <a:spcPts val="0"/>
-              </a:spcAft>
-              <a:buNone/>
-            </a:pPr>
-            <a:r>
-              <a:rPr lang="en-US" sz="1100">
-                <a:solidFill>
-                  <a:srgbClr val="000000"/>
-                </a:solidFill>
-                <a:latin typeface="Consolas"/>
-                <a:ea typeface="Consolas"/>
-                <a:cs typeface="Consolas"/>
-                <a:sym typeface="Consolas"/>
-              </a:rPr>
-              <a:t>free(h_var);</a:t>
-            </a:r>
-            <a:endParaRPr/>
-          </a:p>
-          <a:p>
-            <a:pPr indent="0" lvl="0" marL="0" marR="0" rtl="0" algn="l">
-              <a:spcBef>
-                <a:spcPts val="0"/>
-              </a:spcBef>
-              <a:spcAft>
-                <a:spcPts val="0"/>
-              </a:spcAft>
-              <a:buNone/>
-            </a:pPr>
-            <a:r>
-              <a:rPr lang="en-US" sz="1100">
-                <a:solidFill>
-                  <a:srgbClr val="000000"/>
-                </a:solidFill>
-                <a:latin typeface="Consolas"/>
-                <a:ea typeface="Consolas"/>
-                <a:cs typeface="Consolas"/>
-                <a:sym typeface="Consolas"/>
-              </a:rPr>
-              <a:t>}</a:t>
-            </a:r>
-            <a:endParaRPr sz="1100">
-              <a:solidFill>
-                <a:schemeClr val="dk1"/>
-              </a:solidFill>
-              <a:latin typeface="Calibri"/>
-              <a:ea typeface="Calibri"/>
-              <a:cs typeface="Calibri"/>
-              <a:sym typeface="Calibri"/>
-            </a:endParaRPr>
           </a:p>
         </p:txBody>
       </p:sp>

--- a/units/7/lessons/6/resources/petascale-lesson-7.6-slides.pptx
+++ b/units/7/lessons/6/resources/petascale-lesson-7.6-slides.pptx
@@ -9,7 +9,7 @@
   </p:notesMasterIdLst>
   <p:sldIdLst>
     <p:sldId id="271" r:id="rId2"/>
-    <p:sldId id="272" r:id="rId3"/>
+    <p:sldId id="273" r:id="rId3"/>
     <p:sldId id="256" r:id="rId4"/>
     <p:sldId id="257" r:id="rId5"/>
     <p:sldId id="258" r:id="rId6"/>
@@ -258,8 +258,11 @@
     </a:lvl9pPr>
   </p:defaultTextStyle>
   <p:extLst>
+    <p:ext uri="{EFAFB233-063F-42B5-8137-9DF3F51BA10A}">
+      <p15:sldGuideLst xmlns:p15="http://schemas.microsoft.com/office/powerpoint/2012/main"/>
+    </p:ext>
     <p:ext uri="http://customooxmlschemas.google.com/">
-      <go:slidesCustomData xmlns:go="http://customooxmlschemas.google.com/" xmlns:p15="http://schemas.microsoft.com/office/powerpoint/2012/main" xmlns:p14="http://schemas.microsoft.com/office/powerpoint/2010/main" xmlns:com="http://schemas.openxmlformats.org/drawingml/2006/compatibility" xmlns:pvml="urn:schemas-microsoft-com:office:powerpoint" xmlns:v="urn:schemas-microsoft-com:vml" xmlns:o="urn:schemas-microsoft-com:office:office" xmlns:dgm="http://schemas.openxmlformats.org/drawingml/2006/diagram" xmlns:c="http://schemas.openxmlformats.org/drawingml/2006/chart" xmlns:mv="urn:schemas-microsoft-com:mac:vml" xmlns:mc="http://schemas.openxmlformats.org/markup-compatibility/2006" xmlns="" r:id="rId20" roundtripDataSignature="AMtx7miSvahZo3Byz72ZdvrtvSet281y/w=="/>
+      <go:slidesCustomData xmlns="" xmlns:mc="http://schemas.openxmlformats.org/markup-compatibility/2006" xmlns:mv="urn:schemas-microsoft-com:mac:vml" xmlns:c="http://schemas.openxmlformats.org/drawingml/2006/chart" xmlns:dgm="http://schemas.openxmlformats.org/drawingml/2006/diagram" xmlns:o="urn:schemas-microsoft-com:office:office" xmlns:v="urn:schemas-microsoft-com:vml" xmlns:pvml="urn:schemas-microsoft-com:office:powerpoint" xmlns:com="http://schemas.openxmlformats.org/drawingml/2006/compatibility" xmlns:p14="http://schemas.microsoft.com/office/powerpoint/2010/main" xmlns:p15="http://schemas.microsoft.com/office/powerpoint/2012/main" xmlns:go="http://customooxmlschemas.google.com/" r:id="rId20" roundtripDataSignature="AMtx7miSvahZo3Byz72ZdvrtvSet281y/w=="/>
     </p:ext>
   </p:extLst>
 </p:presentation>
@@ -12870,15 +12873,7 @@
                 <a:ea typeface="Times New Roman" charset="0"/>
                 <a:cs typeface="Times New Roman" charset="0"/>
               </a:rPr>
-              <a:t>Blue Waters Petascale</a:t>
-            </a:r>
-            <a:r>
-              <a:rPr lang="en-US" sz="3600" b="1" dirty="0">
-                <a:latin typeface="Times New Roman" charset="0"/>
-                <a:ea typeface="Times New Roman" charset="0"/>
-                <a:cs typeface="Times New Roman" charset="0"/>
-              </a:rPr>
-              <a:t> Semester Curriculum v1.0</a:t>
+              <a:t>Blue Waters Petascale Semester Curriculum v1.0</a:t>
             </a:r>
             <a:r>
               <a:rPr lang="en-US" sz="3600" dirty="0">
@@ -12901,15 +12896,7 @@
                 <a:ea typeface="Times New Roman" charset="0"/>
                 <a:cs typeface="Times New Roman" charset="0"/>
               </a:rPr>
-              <a:t>Unit </a:t>
-            </a:r>
-            <a:r>
-              <a:rPr lang="en-US" sz="3600" b="1" dirty="0">
-                <a:latin typeface="Times New Roman" charset="0"/>
-                <a:ea typeface="Times New Roman" charset="0"/>
-                <a:cs typeface="Times New Roman" charset="0"/>
-              </a:rPr>
-              <a:t>7: CUDA</a:t>
+              <a:t>Unit 7: CUDA</a:t>
             </a:r>
             <a:r>
               <a:rPr lang="en-US" sz="3600" dirty="0">
@@ -12932,23 +12919,7 @@
                 <a:ea typeface="Times New Roman" charset="0"/>
                 <a:cs typeface="Times New Roman" charset="0"/>
               </a:rPr>
-              <a:t>Lesson </a:t>
-            </a:r>
-            <a:r>
-              <a:rPr lang="en-US" sz="3600" b="1" dirty="0">
-                <a:latin typeface="Times New Roman" charset="0"/>
-                <a:ea typeface="Times New Roman" charset="0"/>
-                <a:cs typeface="Times New Roman" charset="0"/>
-              </a:rPr>
-              <a:t>6: CUDA Atomic Functions</a:t>
-            </a:r>
-            <a:r>
-              <a:rPr lang="en-US" sz="3600" b="1" dirty="0">
-                <a:latin typeface="Times New Roman" charset="0"/>
-                <a:ea typeface="Times New Roman" charset="0"/>
-                <a:cs typeface="Times New Roman" charset="0"/>
-              </a:rPr>
-              <a:t/>
+              <a:t>Lesson 6: CUDA Atomic Functions</a:t>
             </a:r>
             <a:br>
               <a:rPr lang="en-US" sz="3600" b="1" dirty="0">
@@ -12980,14 +12951,6 @@
                 <a:cs typeface="Times New Roman" charset="0"/>
               </a:rPr>
               <a:t> Rai</a:t>
-            </a:r>
-            <a:r>
-              <a:rPr lang="en-US" sz="3600" i="1" dirty="0">
-                <a:latin typeface="Times New Roman" charset="0"/>
-                <a:ea typeface="Times New Roman" charset="0"/>
-                <a:cs typeface="Times New Roman" charset="0"/>
-              </a:rPr>
-              <a:t/>
             </a:r>
             <a:br>
               <a:rPr lang="en-US" sz="3600" i="1" dirty="0">
@@ -16700,7 +16663,7 @@
         </p:nvSpPr>
         <p:spPr>
           <a:xfrm>
-            <a:off x="754745" y="0"/>
+            <a:off x="754743" y="0"/>
             <a:ext cx="10682515" cy="6858000"/>
           </a:xfrm>
         </p:spPr>
@@ -16747,7 +16710,23 @@
                 <a:ea typeface="Times New Roman" charset="0"/>
                 <a:cs typeface="Times New Roman" charset="0"/>
               </a:rPr>
-              <a:t>CC BY-NC 4.0. To view a copy of this license, visit </a:t>
+              <a:t>CC </a:t>
+            </a:r>
+            <a:r>
+              <a:rPr lang="en-US" sz="2800" dirty="0">
+                <a:latin typeface="Times New Roman" charset="0"/>
+                <a:ea typeface="Times New Roman" charset="0"/>
+                <a:cs typeface="Times New Roman" charset="0"/>
+              </a:rPr>
+              <a:t>BY-SA </a:t>
+            </a:r>
+            <a:r>
+              <a:rPr lang="en-US" sz="2800" dirty="0">
+                <a:latin typeface="Times New Roman" charset="0"/>
+                <a:ea typeface="Times New Roman" charset="0"/>
+                <a:cs typeface="Times New Roman" charset="0"/>
+              </a:rPr>
+              <a:t>4.0. To view a copy of this license, visit </a:t>
             </a:r>
             <a:r>
               <a:rPr lang="en-US" sz="2800" dirty="0">
@@ -16756,7 +16735,16 @@
                 <a:cs typeface="Times New Roman" charset="0"/>
                 <a:hlinkClick r:id="rId2"/>
               </a:rPr>
-              <a:t>https://creativecommons.org/licenses/by-nc/4.0</a:t>
+              <a:t>https://</a:t>
+            </a:r>
+            <a:r>
+              <a:rPr lang="en-US" sz="2800" dirty="0">
+                <a:latin typeface="Times New Roman" charset="0"/>
+                <a:ea typeface="Times New Roman" charset="0"/>
+                <a:cs typeface="Times New Roman" charset="0"/>
+                <a:hlinkClick r:id="rId2"/>
+              </a:rPr>
+              <a:t>creativecommons.org/licenses/by-sa/4.0</a:t>
             </a:r>
             <a:r>
               <a:rPr lang="en-US" sz="2800" dirty="0">
@@ -16910,20 +16898,13 @@
     </p:spTree>
     <p:extLst>
       <p:ext uri="{BB962C8B-B14F-4D97-AF65-F5344CB8AC3E}">
-        <p14:creationId xmlns:p14="http://schemas.microsoft.com/office/powerpoint/2010/main" val="416295915"/>
+        <p14:creationId xmlns:p14="http://schemas.microsoft.com/office/powerpoint/2010/main" val="1342946317"/>
       </p:ext>
     </p:extLst>
   </p:cSld>
   <p:clrMapOvr>
     <a:masterClrMapping/>
   </p:clrMapOvr>
-  <p:timing>
-    <p:tnLst>
-      <p:par>
-        <p:cTn id="1" dur="indefinite" restart="never" nodeType="tmRoot"/>
-      </p:par>
-    </p:tnLst>
-  </p:timing>
 </p:sld>
 </file>
 
